--- a/inflearn04/doc/교재.pptx
+++ b/inflearn04/doc/교재.pptx
@@ -5,24 +5,28 @@
     <p:sldMasterId id="2147483648" r:id="rId1"/>
   </p:sldMasterIdLst>
   <p:notesMasterIdLst>
-    <p:notesMasterId r:id="rId14"/>
+    <p:notesMasterId r:id="rId18"/>
   </p:notesMasterIdLst>
   <p:handoutMasterIdLst>
-    <p:handoutMasterId r:id="rId15"/>
+    <p:handoutMasterId r:id="rId19"/>
   </p:handoutMasterIdLst>
   <p:sldIdLst>
     <p:sldId id="261" r:id="rId2"/>
-    <p:sldId id="271" r:id="rId3"/>
-    <p:sldId id="257" r:id="rId4"/>
-    <p:sldId id="285" r:id="rId5"/>
-    <p:sldId id="280" r:id="rId6"/>
-    <p:sldId id="275" r:id="rId7"/>
-    <p:sldId id="272" r:id="rId8"/>
-    <p:sldId id="282" r:id="rId9"/>
-    <p:sldId id="274" r:id="rId10"/>
-    <p:sldId id="283" r:id="rId11"/>
-    <p:sldId id="279" r:id="rId12"/>
-    <p:sldId id="276" r:id="rId13"/>
+    <p:sldId id="286" r:id="rId3"/>
+    <p:sldId id="271" r:id="rId4"/>
+    <p:sldId id="287" r:id="rId5"/>
+    <p:sldId id="288" r:id="rId6"/>
+    <p:sldId id="289" r:id="rId7"/>
+    <p:sldId id="257" r:id="rId8"/>
+    <p:sldId id="285" r:id="rId9"/>
+    <p:sldId id="280" r:id="rId10"/>
+    <p:sldId id="275" r:id="rId11"/>
+    <p:sldId id="272" r:id="rId12"/>
+    <p:sldId id="282" r:id="rId13"/>
+    <p:sldId id="274" r:id="rId14"/>
+    <p:sldId id="283" r:id="rId15"/>
+    <p:sldId id="279" r:id="rId16"/>
+    <p:sldId id="276" r:id="rId17"/>
   </p:sldIdLst>
   <p:sldSz cx="12192000" cy="6858000"/>
   <p:notesSz cx="6858000" cy="9144000"/>
@@ -648,7 +652,7 @@
                 <a:latin typeface="맑은 고딕" panose="020B0503020000020004" pitchFamily="50" charset="-127"/>
                 <a:ea typeface="맑은 고딕" panose="020B0503020000020004" pitchFamily="50" charset="-127"/>
               </a:rPr>
-              <a:t>2021년 3월 7일</a:t>
+              <a:t>2021년 3월 11일</a:t>
             </a:fld>
             <a:endParaRPr lang="ko-KR" altLang="en-US">
               <a:latin typeface="맑은 고딕" panose="020B0503020000020004" pitchFamily="50" charset="-127"/>
@@ -834,7 +838,7 @@
             <a:fld id="{BE16EC8A-0758-4FA9-BF4D-3119057076D1}" type="datetime4">
               <a:rPr lang="ko-KR" altLang="en-US" smtClean="0"/>
               <a:pPr/>
-              <a:t>2021년 3월 7일</a:t>
+              <a:t>2021년 3월 11일</a:t>
             </a:fld>
             <a:endParaRPr lang="ko-KR" altLang="en-US"/>
           </a:p>
@@ -1280,7 +1284,7 @@
                 <a:latin typeface="맑은 고딕" panose="020B0503020000020004" pitchFamily="50" charset="-127"/>
                 <a:ea typeface="맑은 고딕" panose="020B0503020000020004" pitchFamily="50" charset="-127"/>
               </a:rPr>
-              <a:t>11</a:t>
+              <a:t>15</a:t>
             </a:fld>
             <a:endParaRPr lang="ko-KR" altLang="en-US">
               <a:latin typeface="맑은 고딕" panose="020B0503020000020004" pitchFamily="50" charset="-127"/>
@@ -1375,7 +1379,7 @@
                 <a:latin typeface="맑은 고딕" panose="020B0503020000020004" pitchFamily="50" charset="-127"/>
                 <a:ea typeface="맑은 고딕" panose="020B0503020000020004" pitchFamily="50" charset="-127"/>
               </a:rPr>
-              <a:t>12</a:t>
+              <a:t>16</a:t>
             </a:fld>
             <a:endParaRPr lang="ko-KR" altLang="en-US">
               <a:latin typeface="맑은 고딕" panose="020B0503020000020004" pitchFamily="50" charset="-127"/>
@@ -1470,7 +1474,7 @@
                 <a:latin typeface="맑은 고딕" panose="020B0503020000020004" pitchFamily="50" charset="-127"/>
                 <a:ea typeface="맑은 고딕" panose="020B0503020000020004" pitchFamily="50" charset="-127"/>
               </a:rPr>
-              <a:t>3</a:t>
+              <a:t>7</a:t>
             </a:fld>
             <a:endParaRPr lang="ko-KR" altLang="en-US">
               <a:latin typeface="맑은 고딕" panose="020B0503020000020004" pitchFamily="50" charset="-127"/>
@@ -1565,7 +1569,7 @@
                 <a:latin typeface="맑은 고딕" panose="020B0503020000020004" pitchFamily="50" charset="-127"/>
                 <a:ea typeface="맑은 고딕" panose="020B0503020000020004" pitchFamily="50" charset="-127"/>
               </a:rPr>
-              <a:t>4</a:t>
+              <a:t>8</a:t>
             </a:fld>
             <a:endParaRPr lang="ko-KR" altLang="en-US">
               <a:latin typeface="맑은 고딕" panose="020B0503020000020004" pitchFamily="50" charset="-127"/>
@@ -1660,7 +1664,7 @@
                 <a:latin typeface="맑은 고딕" panose="020B0503020000020004" pitchFamily="50" charset="-127"/>
                 <a:ea typeface="맑은 고딕" panose="020B0503020000020004" pitchFamily="50" charset="-127"/>
               </a:rPr>
-              <a:t>5</a:t>
+              <a:t>9</a:t>
             </a:fld>
             <a:endParaRPr lang="ko-KR" altLang="en-US">
               <a:latin typeface="맑은 고딕" panose="020B0503020000020004" pitchFamily="50" charset="-127"/>
@@ -1755,7 +1759,7 @@
                 <a:latin typeface="맑은 고딕" panose="020B0503020000020004" pitchFamily="50" charset="-127"/>
                 <a:ea typeface="맑은 고딕" panose="020B0503020000020004" pitchFamily="50" charset="-127"/>
               </a:rPr>
-              <a:t>6</a:t>
+              <a:t>10</a:t>
             </a:fld>
             <a:endParaRPr lang="ko-KR" altLang="en-US">
               <a:latin typeface="맑은 고딕" panose="020B0503020000020004" pitchFamily="50" charset="-127"/>
@@ -1850,7 +1854,7 @@
                 <a:latin typeface="맑은 고딕" panose="020B0503020000020004" pitchFamily="50" charset="-127"/>
                 <a:ea typeface="맑은 고딕" panose="020B0503020000020004" pitchFamily="50" charset="-127"/>
               </a:rPr>
-              <a:t>7</a:t>
+              <a:t>11</a:t>
             </a:fld>
             <a:endParaRPr lang="ko-KR" altLang="en-US">
               <a:latin typeface="맑은 고딕" panose="020B0503020000020004" pitchFamily="50" charset="-127"/>
@@ -1945,7 +1949,7 @@
                 <a:latin typeface="맑은 고딕" panose="020B0503020000020004" pitchFamily="50" charset="-127"/>
                 <a:ea typeface="맑은 고딕" panose="020B0503020000020004" pitchFamily="50" charset="-127"/>
               </a:rPr>
-              <a:t>8</a:t>
+              <a:t>12</a:t>
             </a:fld>
             <a:endParaRPr lang="ko-KR" altLang="en-US">
               <a:latin typeface="맑은 고딕" panose="020B0503020000020004" pitchFamily="50" charset="-127"/>
@@ -2040,7 +2044,7 @@
                 <a:latin typeface="맑은 고딕" panose="020B0503020000020004" pitchFamily="50" charset="-127"/>
                 <a:ea typeface="맑은 고딕" panose="020B0503020000020004" pitchFamily="50" charset="-127"/>
               </a:rPr>
-              <a:t>9</a:t>
+              <a:t>13</a:t>
             </a:fld>
             <a:endParaRPr lang="ko-KR" altLang="en-US">
               <a:latin typeface="맑은 고딕" panose="020B0503020000020004" pitchFamily="50" charset="-127"/>
@@ -2135,7 +2139,7 @@
                 <a:latin typeface="맑은 고딕" panose="020B0503020000020004" pitchFamily="50" charset="-127"/>
                 <a:ea typeface="맑은 고딕" panose="020B0503020000020004" pitchFamily="50" charset="-127"/>
               </a:rPr>
-              <a:t>10</a:t>
+              <a:t>14</a:t>
             </a:fld>
             <a:endParaRPr lang="ko-KR" altLang="en-US">
               <a:latin typeface="맑은 고딕" panose="020B0503020000020004" pitchFamily="50" charset="-127"/>
@@ -4360,7 +4364,7 @@
           <a:p>
             <a:fld id="{2A5B65E4-62A8-4988-B07B-5D6D443B14ED}" type="datetime4">
               <a:rPr lang="ko-KR" altLang="en-US" smtClean="0"/>
-              <a:t>2021년 3월 7일</a:t>
+              <a:t>2021년 3월 11일</a:t>
             </a:fld>
             <a:endParaRPr lang="ko-KR" altLang="en-US"/>
           </a:p>
@@ -4616,7 +4620,7 @@
           <a:p>
             <a:fld id="{58EB6286-0DE7-4336-9826-977AD102FCF2}" type="datetime4">
               <a:rPr lang="ko-KR" altLang="en-US" noProof="0" smtClean="0"/>
-              <a:t>2021년 3월 7일</a:t>
+              <a:t>2021년 3월 11일</a:t>
             </a:fld>
             <a:endParaRPr lang="ko-KR" altLang="en-US" noProof="0"/>
           </a:p>
@@ -4812,7 +4816,7 @@
             <a:pPr rtl="0"/>
             <a:fld id="{6A5419DA-7218-42E5-A443-F000500111E1}" type="datetime4">
               <a:rPr lang="ko-KR" altLang="en-US" noProof="0" smtClean="0"/>
-              <a:t>2021년 3월 7일</a:t>
+              <a:t>2021년 3월 11일</a:t>
             </a:fld>
             <a:endParaRPr lang="ko-KR" altLang="en-US" noProof="0"/>
           </a:p>
@@ -7213,7 +7217,7 @@
           <a:p>
             <a:fld id="{E498C52F-1DF1-4226-BAB6-C1E2EE4C9D62}" type="datetime4">
               <a:rPr lang="ko-KR" altLang="en-US" noProof="0" smtClean="0"/>
-              <a:t>2021년 3월 7일</a:t>
+              <a:t>2021년 3월 11일</a:t>
             </a:fld>
             <a:endParaRPr lang="ko-KR" altLang="en-US" noProof="0"/>
           </a:p>
@@ -7732,7 +7736,7 @@
           <a:p>
             <a:fld id="{7B1E1FFC-F755-4558-8D3C-A157D1A01A8A}" type="datetime4">
               <a:rPr lang="ko-KR" altLang="en-US" noProof="0" smtClean="0"/>
-              <a:t>2021년 3월 7일</a:t>
+              <a:t>2021년 3월 11일</a:t>
             </a:fld>
             <a:endParaRPr lang="ko-KR" altLang="en-US" noProof="0"/>
           </a:p>
@@ -7876,7 +7880,7 @@
             <a:pPr rtl="0"/>
             <a:fld id="{DA2A33C0-A4A8-4C90-B6DA-35B8CF58C816}" type="datetime4">
               <a:rPr lang="ko-KR" altLang="en-US" noProof="0" smtClean="0"/>
-              <a:t>2021년 3월 7일</a:t>
+              <a:t>2021년 3월 11일</a:t>
             </a:fld>
             <a:endParaRPr lang="ko-KR" altLang="en-US" noProof="0"/>
           </a:p>
@@ -9824,7 +9828,7 @@
           <a:p>
             <a:fld id="{53CB1B8F-A14A-4BE4-A9B9-3B263F04145C}" type="datetime4">
               <a:rPr lang="ko-KR" altLang="en-US" noProof="0" smtClean="0"/>
-              <a:t>2021년 3월 7일</a:t>
+              <a:t>2021년 3월 11일</a:t>
             </a:fld>
             <a:endParaRPr lang="ko-KR" altLang="en-US" noProof="0"/>
           </a:p>
@@ -12121,7 +12125,7 @@
           <a:p>
             <a:fld id="{5B9196A3-957C-4113-A568-B6ED9AEA3D01}" type="datetime4">
               <a:rPr lang="ko-KR" altLang="en-US" noProof="0" smtClean="0"/>
-              <a:t>2021년 3월 7일</a:t>
+              <a:t>2021년 3월 11일</a:t>
             </a:fld>
             <a:endParaRPr lang="ko-KR" altLang="en-US" noProof="0"/>
           </a:p>
@@ -16438,7 +16442,7 @@
           <a:p>
             <a:fld id="{28BEB146-D335-4DA5-9826-58595BCDBE2E}" type="datetime4">
               <a:rPr lang="ko-KR" altLang="en-US" noProof="0" smtClean="0"/>
-              <a:t>2021년 3월 7일</a:t>
+              <a:t>2021년 3월 11일</a:t>
             </a:fld>
             <a:endParaRPr lang="ko-KR" altLang="en-US" noProof="0"/>
           </a:p>
@@ -16965,15 +16969,45 @@
           <a:p>
             <a:pPr rtl="0"/>
             <a:r>
-              <a:rPr lang="en-US" altLang="ko-KR"/>
-              <a:t>SQL</a:t>
-            </a:r>
-            <a:r>
-              <a:rPr lang="ko-KR" altLang="en-US"/>
-              <a:t> 의존 문제를 해결합니다</a:t>
-            </a:r>
-            <a:r>
-              <a:rPr lang="en-US" altLang="ko-KR"/>
+              <a:rPr lang="ko-KR" altLang="en-US">
+                <a:latin typeface="맑은 고딕" panose="020B0503020000020004" pitchFamily="50" charset="-127"/>
+                <a:ea typeface="맑은 고딕" panose="020B0503020000020004" pitchFamily="50" charset="-127"/>
+              </a:rPr>
+              <a:t>비즈니스 로직을 재사용할 수 있는 </a:t>
+            </a:r>
+            <a:r>
+              <a:rPr lang="en-US" altLang="ko-KR">
+                <a:latin typeface="맑은 고딕" panose="020B0503020000020004" pitchFamily="50" charset="-127"/>
+                <a:ea typeface="맑은 고딕" panose="020B0503020000020004" pitchFamily="50" charset="-127"/>
+              </a:rPr>
+              <a:t>DI </a:t>
+            </a:r>
+            <a:r>
+              <a:rPr lang="ko-KR" altLang="en-US">
+                <a:latin typeface="맑은 고딕" panose="020B0503020000020004" pitchFamily="50" charset="-127"/>
+                <a:ea typeface="맑은 고딕" panose="020B0503020000020004" pitchFamily="50" charset="-127"/>
+              </a:rPr>
+              <a:t>와 </a:t>
+            </a:r>
+            <a:r>
+              <a:rPr lang="en-US" altLang="ko-KR">
+                <a:latin typeface="맑은 고딕" panose="020B0503020000020004" pitchFamily="50" charset="-127"/>
+                <a:ea typeface="맑은 고딕" panose="020B0503020000020004" pitchFamily="50" charset="-127"/>
+              </a:rPr>
+              <a:t>IoC </a:t>
+            </a:r>
+            <a:r>
+              <a:rPr lang="ko-KR" altLang="en-US">
+                <a:latin typeface="맑은 고딕" panose="020B0503020000020004" pitchFamily="50" charset="-127"/>
+                <a:ea typeface="맑은 고딕" panose="020B0503020000020004" pitchFamily="50" charset="-127"/>
+              </a:rPr>
+              <a:t>를 구현합니다</a:t>
+            </a:r>
+            <a:r>
+              <a:rPr lang="en-US" altLang="ko-KR">
+                <a:latin typeface="맑은 고딕" panose="020B0503020000020004" pitchFamily="50" charset="-127"/>
+                <a:ea typeface="맑은 고딕" panose="020B0503020000020004" pitchFamily="50" charset="-127"/>
+              </a:rPr>
               <a:t>.</a:t>
             </a:r>
             <a:endParaRPr lang="ko-KR" altLang="en-US">
@@ -17042,1290 +17076,6 @@
           <a:p>
             <a:pPr rtl="0"/>
             <a:r>
-              <a:rPr lang="ko-KR" altLang="en-US" dirty="0"/>
-              <a:t>프레임워크가 구현할 기능 </a:t>
-            </a:r>
-            <a:r>
-              <a:rPr lang="en-US" altLang="ko-KR" dirty="0"/>
-              <a:t>- </a:t>
-            </a:r>
-            <a:r>
-              <a:rPr lang="en-US" altLang="ko-KR" dirty="0">
-                <a:latin typeface="맑은 고딕" panose="020B0503020000020004" pitchFamily="50" charset="-127"/>
-                <a:ea typeface="맑은 고딕" panose="020B0503020000020004" pitchFamily="50" charset="-127"/>
-              </a:rPr>
-              <a:t>SQL </a:t>
-            </a:r>
-            <a:r>
-              <a:rPr lang="ko-KR" altLang="en-US" dirty="0">
-                <a:latin typeface="맑은 고딕" panose="020B0503020000020004" pitchFamily="50" charset="-127"/>
-                <a:ea typeface="맑은 고딕" panose="020B0503020000020004" pitchFamily="50" charset="-127"/>
-              </a:rPr>
-              <a:t>결과</a:t>
-            </a:r>
-          </a:p>
-        </p:txBody>
-      </p:sp>
-      <p:sp>
-        <p:nvSpPr>
-          <p:cNvPr id="3" name="내용 개체 틀 2">
-            <a:extLst>
-              <a:ext uri="{FF2B5EF4-FFF2-40B4-BE49-F238E27FC236}">
-                <a16:creationId xmlns:a16="http://schemas.microsoft.com/office/drawing/2014/main" id="{490A1BEE-6582-4602-86F5-FAD490AAC13F}"/>
-              </a:ext>
-            </a:extLst>
-          </p:cNvPr>
-          <p:cNvSpPr>
-            <a:spLocks noGrp="1"/>
-          </p:cNvSpPr>
-          <p:nvPr>
-            <p:ph idx="1"/>
-          </p:nvPr>
-        </p:nvSpPr>
-        <p:spPr/>
-        <p:txBody>
-          <a:bodyPr/>
-          <a:lstStyle/>
-          <a:p>
-            <a:r>
-              <a:rPr lang="en-US" altLang="ko-KR" dirty="0"/>
-              <a:t>SQL </a:t>
-            </a:r>
-            <a:r>
-              <a:rPr lang="ko-KR" altLang="en-US" dirty="0"/>
-              <a:t>결과</a:t>
-            </a:r>
-            <a:endParaRPr lang="en-US" altLang="ko-KR" dirty="0"/>
-          </a:p>
-          <a:p>
-            <a:pPr lvl="1"/>
-            <a:r>
-              <a:rPr lang="en-US" altLang="ko-KR" dirty="0"/>
-              <a:t>SELECT SQL </a:t>
-            </a:r>
-            <a:r>
-              <a:rPr lang="ko-KR" altLang="en-US" dirty="0"/>
-              <a:t>결과 </a:t>
-            </a:r>
-            <a:r>
-              <a:rPr lang="en-US" altLang="ko-KR" dirty="0"/>
-              <a:t>TABLE</a:t>
-            </a:r>
-          </a:p>
-          <a:p>
-            <a:pPr lvl="1"/>
-            <a:r>
-              <a:rPr lang="en-US" altLang="ko-KR" dirty="0"/>
-              <a:t>INSERT / UPDATE / DELETE </a:t>
-            </a:r>
-            <a:r>
-              <a:rPr lang="ko-KR" altLang="en-US" dirty="0"/>
-              <a:t>결과 </a:t>
-            </a:r>
-            <a:r>
-              <a:rPr lang="en-US" altLang="ko-KR" dirty="0"/>
-              <a:t>int</a:t>
-            </a:r>
-          </a:p>
-        </p:txBody>
-      </p:sp>
-      <p:pic>
-        <p:nvPicPr>
-          <p:cNvPr id="4" name="Picture 2">
-            <a:extLst>
-              <a:ext uri="{FF2B5EF4-FFF2-40B4-BE49-F238E27FC236}">
-                <a16:creationId xmlns:a16="http://schemas.microsoft.com/office/drawing/2014/main" id="{B1713E50-6DA5-48FF-95C8-29B69712C9A1}"/>
-              </a:ext>
-            </a:extLst>
-          </p:cNvPr>
-          <p:cNvPicPr>
-            <a:picLocks noChangeAspect="1" noChangeArrowheads="1"/>
-          </p:cNvPicPr>
-          <p:nvPr/>
-        </p:nvPicPr>
-        <p:blipFill>
-          <a:blip r:embed="rId3">
-            <a:extLst>
-              <a:ext uri="{28A0092B-C50C-407E-A947-70E740481C1C}">
-                <a14:useLocalDpi xmlns:a14="http://schemas.microsoft.com/office/drawing/2010/main" val="0"/>
-              </a:ext>
-            </a:extLst>
-          </a:blip>
-          <a:srcRect/>
-          <a:stretch>
-            <a:fillRect/>
-          </a:stretch>
-        </p:blipFill>
-        <p:spPr bwMode="auto">
-          <a:xfrm>
-            <a:off x="2093306" y="3251366"/>
-            <a:ext cx="5676144" cy="2539834"/>
-          </a:xfrm>
-          <a:prstGeom prst="rect">
-            <a:avLst/>
-          </a:prstGeom>
-          <a:noFill/>
-          <a:extLst>
-            <a:ext uri="{909E8E84-426E-40DD-AFC4-6F175D3DCCD1}">
-              <a14:hiddenFill xmlns:a14="http://schemas.microsoft.com/office/drawing/2010/main">
-                <a:solidFill>
-                  <a:srgbClr val="FFFFFF"/>
-                </a:solidFill>
-              </a14:hiddenFill>
-            </a:ext>
-          </a:extLst>
-        </p:spPr>
-      </p:pic>
-    </p:spTree>
-    <p:extLst>
-      <p:ext uri="{BB962C8B-B14F-4D97-AF65-F5344CB8AC3E}">
-        <p14:creationId xmlns:p14="http://schemas.microsoft.com/office/powerpoint/2010/main" val="2392204457"/>
-      </p:ext>
-    </p:extLst>
-  </p:cSld>
-  <p:clrMapOvr>
-    <a:masterClrMapping/>
-  </p:clrMapOvr>
-  <mc:AlternateContent xmlns:mc="http://schemas.openxmlformats.org/markup-compatibility/2006" xmlns:p14="http://schemas.microsoft.com/office/powerpoint/2010/main">
-    <mc:Choice Requires="p14">
-      <p:transition spd="med" p14:dur="700">
-        <p:fade/>
-      </p:transition>
-    </mc:Choice>
-    <mc:Fallback xmlns="">
-      <p:transition spd="med">
-        <p:fade/>
-      </p:transition>
-    </mc:Fallback>
-  </mc:AlternateContent>
-</p:sld>
-</file>
-
-<file path=ppt/slides/slide11.xml><?xml version="1.0" encoding="utf-8"?>
-<p:sld xmlns:a="http://schemas.openxmlformats.org/drawingml/2006/main" xmlns:r="http://schemas.openxmlformats.org/officeDocument/2006/relationships" xmlns:p="http://schemas.openxmlformats.org/presentationml/2006/main">
-  <p:cSld>
-    <p:spTree>
-      <p:nvGrpSpPr>
-        <p:cNvPr id="1" name=""/>
-        <p:cNvGrpSpPr/>
-        <p:nvPr/>
-      </p:nvGrpSpPr>
-      <p:grpSpPr>
-        <a:xfrm>
-          <a:off x="0" y="0"/>
-          <a:ext cx="0" cy="0"/>
-          <a:chOff x="0" y="0"/>
-          <a:chExt cx="0" cy="0"/>
-        </a:xfrm>
-      </p:grpSpPr>
-      <p:sp>
-        <p:nvSpPr>
-          <p:cNvPr id="2" name="제목 1"/>
-          <p:cNvSpPr>
-            <a:spLocks noGrp="1"/>
-          </p:cNvSpPr>
-          <p:nvPr>
-            <p:ph type="title"/>
-          </p:nvPr>
-        </p:nvSpPr>
-        <p:spPr/>
-        <p:txBody>
-          <a:bodyPr rtlCol="0"/>
-          <a:lstStyle/>
-          <a:p>
-            <a:pPr rtl="0"/>
-            <a:r>
-              <a:rPr lang="en-US" altLang="ko-KR"/>
-              <a:t>SQL </a:t>
-            </a:r>
-            <a:r>
-              <a:rPr lang="ko-KR" altLang="en-US"/>
-              <a:t>의존 문제를 해결합니다</a:t>
-            </a:r>
-            <a:r>
-              <a:rPr lang="en-US" altLang="ko-KR"/>
-              <a:t>.</a:t>
-            </a:r>
-            <a:endParaRPr lang="ko-KR" altLang="en-US">
-              <a:latin typeface="맑은 고딕" panose="020B0503020000020004" pitchFamily="50" charset="-127"/>
-              <a:ea typeface="맑은 고딕" panose="020B0503020000020004" pitchFamily="50" charset="-127"/>
-            </a:endParaRPr>
-          </a:p>
-        </p:txBody>
-      </p:sp>
-      <p:sp>
-        <p:nvSpPr>
-          <p:cNvPr id="3" name="내용 개체 틀 2">
-            <a:extLst>
-              <a:ext uri="{FF2B5EF4-FFF2-40B4-BE49-F238E27FC236}">
-                <a16:creationId xmlns:a16="http://schemas.microsoft.com/office/drawing/2014/main" id="{DA62FCA6-426E-41D1-9AF7-D575B841741D}"/>
-              </a:ext>
-            </a:extLst>
-          </p:cNvPr>
-          <p:cNvSpPr>
-            <a:spLocks noGrp="1"/>
-          </p:cNvSpPr>
-          <p:nvPr>
-            <p:ph idx="1"/>
-          </p:nvPr>
-        </p:nvSpPr>
-        <p:spPr/>
-        <p:txBody>
-          <a:bodyPr/>
-          <a:lstStyle/>
-          <a:p>
-            <a:r>
-              <a:rPr lang="en-US" altLang="ko-KR" dirty="0">
-                <a:latin typeface="맑은 고딕" panose="020B0503020000020004" pitchFamily="50" charset="-127"/>
-                <a:ea typeface="맑은 고딕" panose="020B0503020000020004" pitchFamily="50" charset="-127"/>
-              </a:rPr>
-              <a:t>SQL</a:t>
-            </a:r>
-            <a:r>
-              <a:rPr lang="ko-KR" altLang="en-US" dirty="0">
-                <a:latin typeface="맑은 고딕" panose="020B0503020000020004" pitchFamily="50" charset="-127"/>
-                <a:ea typeface="맑은 고딕" panose="020B0503020000020004" pitchFamily="50" charset="-127"/>
-              </a:rPr>
-              <a:t> 의존 문제</a:t>
-            </a:r>
-            <a:endParaRPr lang="en-US" altLang="ko-KR" dirty="0">
-              <a:latin typeface="맑은 고딕" panose="020B0503020000020004" pitchFamily="50" charset="-127"/>
-              <a:ea typeface="맑은 고딕" panose="020B0503020000020004" pitchFamily="50" charset="-127"/>
-            </a:endParaRPr>
-          </a:p>
-          <a:p>
-            <a:pPr lvl="1"/>
-            <a:r>
-              <a:rPr lang="en-US" altLang="ko-KR" dirty="0"/>
-              <a:t>SQL</a:t>
-            </a:r>
-            <a:r>
-              <a:rPr lang="en-US" altLang="ko-KR" dirty="0">
-                <a:latin typeface="맑은 고딕" panose="020B0503020000020004" pitchFamily="50" charset="-127"/>
-                <a:ea typeface="맑은 고딕" panose="020B0503020000020004" pitchFamily="50" charset="-127"/>
-              </a:rPr>
-              <a:t> </a:t>
-            </a:r>
-            <a:r>
-              <a:rPr lang="ko-KR" altLang="en-US" dirty="0">
-                <a:latin typeface="맑은 고딕" panose="020B0503020000020004" pitchFamily="50" charset="-127"/>
-                <a:ea typeface="맑은 고딕" panose="020B0503020000020004" pitchFamily="50" charset="-127"/>
-              </a:rPr>
-              <a:t>기능과 비즈니스 로직이 복잡하게 섞여 있는 문제</a:t>
-            </a:r>
-            <a:endParaRPr lang="en-US" altLang="ko-KR" dirty="0">
-              <a:latin typeface="맑은 고딕" panose="020B0503020000020004" pitchFamily="50" charset="-127"/>
-              <a:ea typeface="맑은 고딕" panose="020B0503020000020004" pitchFamily="50" charset="-127"/>
-            </a:endParaRPr>
-          </a:p>
-          <a:p>
-            <a:pPr lvl="1"/>
-            <a:endParaRPr lang="en-US" altLang="ko-KR" dirty="0">
-              <a:latin typeface="맑은 고딕" panose="020B0503020000020004" pitchFamily="50" charset="-127"/>
-              <a:ea typeface="맑은 고딕" panose="020B0503020000020004" pitchFamily="50" charset="-127"/>
-            </a:endParaRPr>
-          </a:p>
-          <a:p>
-            <a:r>
-              <a:rPr lang="en-US" altLang="ko-KR" dirty="0">
-                <a:latin typeface="맑은 고딕" panose="020B0503020000020004" pitchFamily="50" charset="-127"/>
-                <a:ea typeface="맑은 고딕" panose="020B0503020000020004" pitchFamily="50" charset="-127"/>
-              </a:rPr>
-              <a:t>SQL </a:t>
-            </a:r>
-            <a:r>
-              <a:rPr lang="ko-KR" altLang="en-US" dirty="0">
-                <a:latin typeface="맑은 고딕" panose="020B0503020000020004" pitchFamily="50" charset="-127"/>
-                <a:ea typeface="맑은 고딕" panose="020B0503020000020004" pitchFamily="50" charset="-127"/>
-              </a:rPr>
-              <a:t>기능</a:t>
-            </a:r>
-            <a:endParaRPr lang="en-US" altLang="ko-KR" dirty="0">
-              <a:latin typeface="맑은 고딕" panose="020B0503020000020004" pitchFamily="50" charset="-127"/>
-              <a:ea typeface="맑은 고딕" panose="020B0503020000020004" pitchFamily="50" charset="-127"/>
-            </a:endParaRPr>
-          </a:p>
-          <a:p>
-            <a:pPr lvl="1"/>
-            <a:r>
-              <a:rPr lang="ko-KR" altLang="en-US" dirty="0">
-                <a:latin typeface="맑은 고딕" panose="020B0503020000020004" pitchFamily="50" charset="-127"/>
-                <a:ea typeface="맑은 고딕" panose="020B0503020000020004" pitchFamily="50" charset="-127"/>
-              </a:rPr>
-              <a:t>트랜잭션 </a:t>
-            </a:r>
-            <a:r>
-              <a:rPr lang="en-US" altLang="ko-KR" dirty="0">
-                <a:latin typeface="맑은 고딕" panose="020B0503020000020004" pitchFamily="50" charset="-127"/>
-                <a:ea typeface="맑은 고딕" panose="020B0503020000020004" pitchFamily="50" charset="-127"/>
-              </a:rPr>
-              <a:t>: Transaction.java</a:t>
-            </a:r>
-          </a:p>
-          <a:p>
-            <a:pPr lvl="1"/>
-            <a:r>
-              <a:rPr lang="en-US" altLang="ko-KR" dirty="0"/>
-              <a:t>SQL </a:t>
-            </a:r>
-            <a:r>
-              <a:rPr lang="ko-KR" altLang="en-US" dirty="0"/>
-              <a:t>실행</a:t>
-            </a:r>
-            <a:r>
-              <a:rPr lang="en-US" altLang="ko-KR" dirty="0"/>
-              <a:t> : SqlRunner</a:t>
-            </a:r>
-            <a:r>
-              <a:rPr lang="en-US" altLang="ko-KR" dirty="0">
-                <a:latin typeface="맑은 고딕" panose="020B0503020000020004" pitchFamily="50" charset="-127"/>
-                <a:ea typeface="맑은 고딕" panose="020B0503020000020004" pitchFamily="50" charset="-127"/>
-              </a:rPr>
-              <a:t>.java</a:t>
-            </a:r>
-          </a:p>
-          <a:p>
-            <a:pPr lvl="1"/>
-            <a:r>
-              <a:rPr lang="en-US" altLang="ko-KR" dirty="0"/>
-              <a:t>SQL </a:t>
-            </a:r>
-            <a:r>
-              <a:rPr lang="ko-KR" altLang="en-US" dirty="0"/>
-              <a:t>결과 </a:t>
-            </a:r>
-            <a:r>
-              <a:rPr lang="en-US" altLang="ko-KR" dirty="0"/>
-              <a:t>: Table</a:t>
-            </a:r>
-            <a:r>
-              <a:rPr lang="en-US" altLang="ko-KR" dirty="0">
-                <a:latin typeface="맑은 고딕" panose="020B0503020000020004" pitchFamily="50" charset="-127"/>
-                <a:ea typeface="맑은 고딕" panose="020B0503020000020004" pitchFamily="50" charset="-127"/>
-              </a:rPr>
-              <a:t>.java</a:t>
-            </a:r>
-          </a:p>
-        </p:txBody>
-      </p:sp>
-    </p:spTree>
-    <p:extLst>
-      <p:ext uri="{BB962C8B-B14F-4D97-AF65-F5344CB8AC3E}">
-        <p14:creationId xmlns:p14="http://schemas.microsoft.com/office/powerpoint/2010/main" val="3826954321"/>
-      </p:ext>
-    </p:extLst>
-  </p:cSld>
-  <p:clrMapOvr>
-    <a:masterClrMapping/>
-  </p:clrMapOvr>
-  <mc:AlternateContent xmlns:mc="http://schemas.openxmlformats.org/markup-compatibility/2006" xmlns:p14="http://schemas.microsoft.com/office/powerpoint/2010/main">
-    <mc:Choice Requires="p14">
-      <p:transition spd="med" p14:dur="700">
-        <p:fade/>
-      </p:transition>
-    </mc:Choice>
-    <mc:Fallback xmlns="">
-      <p:transition spd="med">
-        <p:fade/>
-      </p:transition>
-    </mc:Fallback>
-  </mc:AlternateContent>
-</p:sld>
-</file>
-
-<file path=ppt/slides/slide12.xml><?xml version="1.0" encoding="utf-8"?>
-<p:sld xmlns:a="http://schemas.openxmlformats.org/drawingml/2006/main" xmlns:r="http://schemas.openxmlformats.org/officeDocument/2006/relationships" xmlns:p="http://schemas.openxmlformats.org/presentationml/2006/main">
-  <p:cSld>
-    <p:spTree>
-      <p:nvGrpSpPr>
-        <p:cNvPr id="1" name=""/>
-        <p:cNvGrpSpPr/>
-        <p:nvPr/>
-      </p:nvGrpSpPr>
-      <p:grpSpPr>
-        <a:xfrm>
-          <a:off x="0" y="0"/>
-          <a:ext cx="0" cy="0"/>
-          <a:chOff x="0" y="0"/>
-          <a:chExt cx="0" cy="0"/>
-        </a:xfrm>
-      </p:grpSpPr>
-      <p:sp>
-        <p:nvSpPr>
-          <p:cNvPr id="2" name="제목 1"/>
-          <p:cNvSpPr>
-            <a:spLocks noGrp="1"/>
-          </p:cNvSpPr>
-          <p:nvPr>
-            <p:ph type="title"/>
-          </p:nvPr>
-        </p:nvSpPr>
-        <p:spPr/>
-        <p:txBody>
-          <a:bodyPr rtlCol="0"/>
-          <a:lstStyle/>
-          <a:p>
-            <a:pPr rtl="0"/>
-            <a:r>
-              <a:rPr lang="ko-KR" altLang="en-US">
-                <a:latin typeface="맑은 고딕" panose="020B0503020000020004" pitchFamily="50" charset="-127"/>
-                <a:ea typeface="맑은 고딕" panose="020B0503020000020004" pitchFamily="50" charset="-127"/>
-              </a:rPr>
-              <a:t>출처</a:t>
-            </a:r>
-          </a:p>
-        </p:txBody>
-      </p:sp>
-      <p:sp>
-        <p:nvSpPr>
-          <p:cNvPr id="3" name="내용 개체 틀 2">
-            <a:extLst>
-              <a:ext uri="{FF2B5EF4-FFF2-40B4-BE49-F238E27FC236}">
-                <a16:creationId xmlns:a16="http://schemas.microsoft.com/office/drawing/2014/main" id="{DA62FCA6-426E-41D1-9AF7-D575B841741D}"/>
-              </a:ext>
-            </a:extLst>
-          </p:cNvPr>
-          <p:cNvSpPr>
-            <a:spLocks noGrp="1"/>
-          </p:cNvSpPr>
-          <p:nvPr>
-            <p:ph idx="1"/>
-          </p:nvPr>
-        </p:nvSpPr>
-        <p:spPr/>
-        <p:txBody>
-          <a:bodyPr/>
-          <a:lstStyle/>
-          <a:p>
-            <a:r>
-              <a:rPr lang="ko-KR" altLang="en-US" dirty="0"/>
-              <a:t>프레임워크가 구현할 기능 </a:t>
-            </a:r>
-            <a:r>
-              <a:rPr lang="en-US" altLang="ko-KR" dirty="0"/>
-              <a:t>- </a:t>
-            </a:r>
-            <a:r>
-              <a:rPr lang="en-US" altLang="ko-KR" dirty="0">
-                <a:latin typeface="맑은 고딕" panose="020B0503020000020004" pitchFamily="50" charset="-127"/>
-                <a:ea typeface="맑은 고딕" panose="020B0503020000020004" pitchFamily="50" charset="-127"/>
-              </a:rPr>
-              <a:t>SQL </a:t>
-            </a:r>
-            <a:r>
-              <a:rPr lang="ko-KR" altLang="en-US" dirty="0">
-                <a:latin typeface="맑은 고딕" panose="020B0503020000020004" pitchFamily="50" charset="-127"/>
-                <a:ea typeface="맑은 고딕" panose="020B0503020000020004" pitchFamily="50" charset="-127"/>
-              </a:rPr>
-              <a:t>결과</a:t>
-            </a:r>
-            <a:endParaRPr lang="en-US" altLang="ko-KR" dirty="0">
-              <a:latin typeface="맑은 고딕" panose="020B0503020000020004" pitchFamily="50" charset="-127"/>
-              <a:ea typeface="맑은 고딕" panose="020B0503020000020004" pitchFamily="50" charset="-127"/>
-            </a:endParaRPr>
-          </a:p>
-          <a:p>
-            <a:pPr lvl="1"/>
-            <a:r>
-              <a:rPr lang="en-US" altLang="ko-KR" dirty="0">
-                <a:hlinkClick r:id="rId3"/>
-              </a:rPr>
-              <a:t>http://www.tcpschool.com/mysql/mysql_intro_relationalDB</a:t>
-            </a:r>
-            <a:endParaRPr lang="en-US" altLang="ko-KR" dirty="0"/>
-          </a:p>
-          <a:p>
-            <a:endParaRPr lang="ko-KR" altLang="en-US" dirty="0"/>
-          </a:p>
-        </p:txBody>
-      </p:sp>
-    </p:spTree>
-    <p:extLst>
-      <p:ext uri="{BB962C8B-B14F-4D97-AF65-F5344CB8AC3E}">
-        <p14:creationId xmlns:p14="http://schemas.microsoft.com/office/powerpoint/2010/main" val="3164537775"/>
-      </p:ext>
-    </p:extLst>
-  </p:cSld>
-  <p:clrMapOvr>
-    <a:masterClrMapping/>
-  </p:clrMapOvr>
-  <mc:AlternateContent xmlns:mc="http://schemas.openxmlformats.org/markup-compatibility/2006" xmlns:p14="http://schemas.microsoft.com/office/powerpoint/2010/main">
-    <mc:Choice Requires="p14">
-      <p:transition spd="med" p14:dur="700">
-        <p:fade/>
-      </p:transition>
-    </mc:Choice>
-    <mc:Fallback xmlns="">
-      <p:transition spd="med">
-        <p:fade/>
-      </p:transition>
-    </mc:Fallback>
-  </mc:AlternateContent>
-</p:sld>
-</file>
-
-<file path=ppt/slides/slide2.xml><?xml version="1.0" encoding="utf-8"?>
-<p:sld xmlns:a="http://schemas.openxmlformats.org/drawingml/2006/main" xmlns:r="http://schemas.openxmlformats.org/officeDocument/2006/relationships" xmlns:p="http://schemas.openxmlformats.org/presentationml/2006/main">
-  <p:cSld>
-    <p:spTree>
-      <p:nvGrpSpPr>
-        <p:cNvPr id="1" name=""/>
-        <p:cNvGrpSpPr/>
-        <p:nvPr/>
-      </p:nvGrpSpPr>
-      <p:grpSpPr>
-        <a:xfrm>
-          <a:off x="0" y="0"/>
-          <a:ext cx="0" cy="0"/>
-          <a:chOff x="0" y="0"/>
-          <a:chExt cx="0" cy="0"/>
-        </a:xfrm>
-      </p:grpSpPr>
-      <p:sp>
-        <p:nvSpPr>
-          <p:cNvPr id="2" name="제목 1">
-            <a:extLst>
-              <a:ext uri="{FF2B5EF4-FFF2-40B4-BE49-F238E27FC236}">
-                <a16:creationId xmlns:a16="http://schemas.microsoft.com/office/drawing/2014/main" id="{BA5D0597-4C5A-4BCD-822E-643F66B48745}"/>
-              </a:ext>
-            </a:extLst>
-          </p:cNvPr>
-          <p:cNvSpPr>
-            <a:spLocks noGrp="1"/>
-          </p:cNvSpPr>
-          <p:nvPr>
-            <p:ph type="title"/>
-          </p:nvPr>
-        </p:nvSpPr>
-        <p:spPr/>
-        <p:txBody>
-          <a:bodyPr/>
-          <a:lstStyle/>
-          <a:p>
-            <a:r>
-              <a:rPr lang="en-US" altLang="ko-KR" dirty="0"/>
-              <a:t>DBMS </a:t>
-            </a:r>
-            <a:r>
-              <a:rPr lang="ko-KR" altLang="en-US" dirty="0"/>
-              <a:t>를 사용하는 이유</a:t>
-            </a:r>
-          </a:p>
-        </p:txBody>
-      </p:sp>
-      <p:sp>
-        <p:nvSpPr>
-          <p:cNvPr id="3" name="내용 개체 틀 2">
-            <a:extLst>
-              <a:ext uri="{FF2B5EF4-FFF2-40B4-BE49-F238E27FC236}">
-                <a16:creationId xmlns:a16="http://schemas.microsoft.com/office/drawing/2014/main" id="{0C9231FF-28EB-4164-A188-3E920050747B}"/>
-              </a:ext>
-            </a:extLst>
-          </p:cNvPr>
-          <p:cNvSpPr>
-            <a:spLocks noGrp="1"/>
-          </p:cNvSpPr>
-          <p:nvPr>
-            <p:ph idx="1"/>
-          </p:nvPr>
-        </p:nvSpPr>
-        <p:spPr/>
-        <p:txBody>
-          <a:bodyPr/>
-          <a:lstStyle/>
-          <a:p>
-            <a:r>
-              <a:rPr lang="ko-KR" altLang="en-US" dirty="0" err="1"/>
-              <a:t>비즈니스로직의</a:t>
-            </a:r>
-            <a:r>
-              <a:rPr lang="ko-KR" altLang="en-US" dirty="0"/>
-              <a:t> 실행 결과 </a:t>
-            </a:r>
-            <a:r>
-              <a:rPr lang="en-US" altLang="ko-KR" dirty="0"/>
-              <a:t>= </a:t>
-            </a:r>
-            <a:r>
-              <a:rPr lang="ko-KR" altLang="en-US" dirty="0"/>
-              <a:t>데이터</a:t>
-            </a:r>
-            <a:endParaRPr lang="en-US" altLang="ko-KR" dirty="0"/>
-          </a:p>
-          <a:p>
-            <a:r>
-              <a:rPr lang="ko-KR" altLang="en-US" dirty="0"/>
-              <a:t>일관성 </a:t>
-            </a:r>
-            <a:r>
-              <a:rPr lang="en-US" altLang="ko-KR" dirty="0"/>
-              <a:t>: </a:t>
-            </a:r>
-            <a:r>
-              <a:rPr lang="ko-KR" altLang="en-US" dirty="0"/>
-              <a:t>데이터가 같은 것</a:t>
-            </a:r>
-            <a:endParaRPr lang="en-US" altLang="ko-KR" dirty="0"/>
-          </a:p>
-          <a:p>
-            <a:r>
-              <a:rPr lang="ko-KR" altLang="en-US" dirty="0"/>
-              <a:t>무결성 </a:t>
-            </a:r>
-            <a:r>
-              <a:rPr lang="en-US" altLang="ko-KR" dirty="0"/>
-              <a:t>: </a:t>
-            </a:r>
-            <a:r>
-              <a:rPr lang="ko-KR" altLang="en-US" dirty="0"/>
-              <a:t>데이터의 규칙이 같은 것</a:t>
-            </a:r>
-            <a:endParaRPr lang="en-US" altLang="ko-KR" dirty="0"/>
-          </a:p>
-          <a:p>
-            <a:r>
-              <a:rPr lang="ko-KR" altLang="en-US" dirty="0"/>
-              <a:t>영속성 </a:t>
-            </a:r>
-            <a:r>
-              <a:rPr lang="en-US" altLang="ko-KR" dirty="0"/>
-              <a:t>: </a:t>
-            </a:r>
-            <a:r>
-              <a:rPr lang="ko-KR" altLang="en-US" dirty="0"/>
-              <a:t>시스템이 다시 시작할 때 데이터가 같은 것</a:t>
-            </a:r>
-            <a:endParaRPr lang="en-US" altLang="ko-KR" dirty="0"/>
-          </a:p>
-        </p:txBody>
-      </p:sp>
-    </p:spTree>
-    <p:extLst>
-      <p:ext uri="{BB962C8B-B14F-4D97-AF65-F5344CB8AC3E}">
-        <p14:creationId xmlns:p14="http://schemas.microsoft.com/office/powerpoint/2010/main" val="404669511"/>
-      </p:ext>
-    </p:extLst>
-  </p:cSld>
-  <p:clrMapOvr>
-    <a:masterClrMapping/>
-  </p:clrMapOvr>
-  <mc:AlternateContent xmlns:mc="http://schemas.openxmlformats.org/markup-compatibility/2006" xmlns:p14="http://schemas.microsoft.com/office/powerpoint/2010/main">
-    <mc:Choice Requires="p14">
-      <p:transition spd="med" p14:dur="700">
-        <p:fade/>
-      </p:transition>
-    </mc:Choice>
-    <mc:Fallback xmlns="">
-      <p:transition spd="med">
-        <p:fade/>
-      </p:transition>
-    </mc:Fallback>
-  </mc:AlternateContent>
-</p:sld>
-</file>
-
-<file path=ppt/slides/slide3.xml><?xml version="1.0" encoding="utf-8"?>
-<p:sld xmlns:a="http://schemas.openxmlformats.org/drawingml/2006/main" xmlns:r="http://schemas.openxmlformats.org/officeDocument/2006/relationships" xmlns:p="http://schemas.openxmlformats.org/presentationml/2006/main">
-  <p:cSld>
-    <p:spTree>
-      <p:nvGrpSpPr>
-        <p:cNvPr id="1" name=""/>
-        <p:cNvGrpSpPr/>
-        <p:nvPr/>
-      </p:nvGrpSpPr>
-      <p:grpSpPr>
-        <a:xfrm>
-          <a:off x="0" y="0"/>
-          <a:ext cx="0" cy="0"/>
-          <a:chOff x="0" y="0"/>
-          <a:chExt cx="0" cy="0"/>
-        </a:xfrm>
-      </p:grpSpPr>
-      <p:sp>
-        <p:nvSpPr>
-          <p:cNvPr id="2" name="제목 1"/>
-          <p:cNvSpPr>
-            <a:spLocks noGrp="1"/>
-          </p:cNvSpPr>
-          <p:nvPr>
-            <p:ph type="title"/>
-          </p:nvPr>
-        </p:nvSpPr>
-        <p:spPr/>
-        <p:txBody>
-          <a:bodyPr rtlCol="0"/>
-          <a:lstStyle/>
-          <a:p>
-            <a:pPr rtl="0"/>
-            <a:r>
-              <a:rPr lang="ko-KR" altLang="en-US" dirty="0"/>
-              <a:t>일관성과 무결성을 위해 </a:t>
-            </a:r>
-            <a:r>
-              <a:rPr lang="en-US" altLang="ko-KR" dirty="0">
-                <a:latin typeface="맑은 고딕" panose="020B0503020000020004" pitchFamily="50" charset="-127"/>
-                <a:ea typeface="맑은 고딕" panose="020B0503020000020004" pitchFamily="50" charset="-127"/>
-              </a:rPr>
-              <a:t>DBMS </a:t>
-            </a:r>
-            <a:r>
-              <a:rPr lang="ko-KR" altLang="en-US" dirty="0">
-                <a:latin typeface="맑은 고딕" panose="020B0503020000020004" pitchFamily="50" charset="-127"/>
-                <a:ea typeface="맑은 고딕" panose="020B0503020000020004" pitchFamily="50" charset="-127"/>
-              </a:rPr>
-              <a:t>가 제공하는 기능</a:t>
-            </a:r>
-          </a:p>
-        </p:txBody>
-      </p:sp>
-      <p:sp>
-        <p:nvSpPr>
-          <p:cNvPr id="3" name="내용 개체 틀 2"/>
-          <p:cNvSpPr>
-            <a:spLocks noGrp="1"/>
-          </p:cNvSpPr>
-          <p:nvPr>
-            <p:ph idx="1"/>
-          </p:nvPr>
-        </p:nvSpPr>
-        <p:spPr/>
-        <p:txBody>
-          <a:bodyPr rtlCol="0">
-            <a:normAutofit/>
-          </a:bodyPr>
-          <a:lstStyle/>
-          <a:p>
-            <a:pPr rtl="0"/>
-            <a:r>
-              <a:rPr lang="ko-KR" altLang="en-US" dirty="0">
-                <a:latin typeface="맑은 고딕" panose="020B0503020000020004" pitchFamily="50" charset="-127"/>
-                <a:ea typeface="맑은 고딕" panose="020B0503020000020004" pitchFamily="50" charset="-127"/>
-              </a:rPr>
-              <a:t>트랜잭션</a:t>
-            </a:r>
-            <a:endParaRPr lang="en-US" altLang="ko-KR" dirty="0">
-              <a:latin typeface="맑은 고딕" panose="020B0503020000020004" pitchFamily="50" charset="-127"/>
-              <a:ea typeface="맑은 고딕" panose="020B0503020000020004" pitchFamily="50" charset="-127"/>
-            </a:endParaRPr>
-          </a:p>
-          <a:p>
-            <a:pPr lvl="1"/>
-            <a:r>
-              <a:rPr lang="ko-KR" altLang="en-US" dirty="0"/>
-              <a:t>한 개 이상의 </a:t>
-            </a:r>
-            <a:r>
-              <a:rPr lang="en-US" altLang="ko-KR" dirty="0"/>
-              <a:t>SQL </a:t>
-            </a:r>
-            <a:r>
-              <a:rPr lang="ko-KR" altLang="en-US" dirty="0"/>
-              <a:t>이 논리적으로 묶인 단위 </a:t>
-            </a:r>
-            <a:r>
-              <a:rPr lang="en-US" altLang="ko-KR" dirty="0"/>
-              <a:t>(</a:t>
-            </a:r>
-            <a:r>
-              <a:rPr lang="en-US" altLang="ko-KR" dirty="0">
-                <a:solidFill>
-                  <a:srgbClr val="FF0000"/>
-                </a:solidFill>
-              </a:rPr>
-              <a:t>ALL or NOTHING</a:t>
-            </a:r>
-            <a:r>
-              <a:rPr lang="en-US" altLang="ko-KR" dirty="0"/>
-              <a:t>)</a:t>
-            </a:r>
-          </a:p>
-          <a:p>
-            <a:pPr lvl="1"/>
-            <a:r>
-              <a:rPr lang="en-US" altLang="ko-KR" dirty="0">
-                <a:latin typeface="맑은 고딕" panose="020B0503020000020004" pitchFamily="50" charset="-127"/>
-                <a:ea typeface="맑은 고딕" panose="020B0503020000020004" pitchFamily="50" charset="-127"/>
-              </a:rPr>
-              <a:t>ACID : </a:t>
-            </a:r>
-            <a:r>
-              <a:rPr lang="ko-KR" altLang="en-US" dirty="0">
-                <a:latin typeface="맑은 고딕" panose="020B0503020000020004" pitchFamily="50" charset="-127"/>
-                <a:ea typeface="맑은 고딕" panose="020B0503020000020004" pitchFamily="50" charset="-127"/>
-              </a:rPr>
-              <a:t>트랜잭션이 가져야 할 조건</a:t>
-            </a:r>
-            <a:endParaRPr lang="en-US" altLang="ko-KR" dirty="0">
-              <a:latin typeface="맑은 고딕" panose="020B0503020000020004" pitchFamily="50" charset="-127"/>
-              <a:ea typeface="맑은 고딕" panose="020B0503020000020004" pitchFamily="50" charset="-127"/>
-            </a:endParaRPr>
-          </a:p>
-          <a:p>
-            <a:pPr lvl="1"/>
-            <a:r>
-              <a:rPr lang="en-US" altLang="ko-KR" dirty="0">
-                <a:latin typeface="맑은 고딕" panose="020B0503020000020004" pitchFamily="50" charset="-127"/>
-                <a:ea typeface="맑은 고딕" panose="020B0503020000020004" pitchFamily="50" charset="-127"/>
-              </a:rPr>
-              <a:t>LDIC : </a:t>
-            </a:r>
-            <a:r>
-              <a:rPr lang="ko-KR" altLang="en-US" dirty="0">
-                <a:latin typeface="맑은 고딕" panose="020B0503020000020004" pitchFamily="50" charset="-127"/>
-                <a:ea typeface="맑은 고딕" panose="020B0503020000020004" pitchFamily="50" charset="-127"/>
-              </a:rPr>
-              <a:t>트랜잭션 직렬성을 위해 하지 말아야 할 조건</a:t>
-            </a:r>
-            <a:endParaRPr lang="en-US" altLang="ko-KR" dirty="0">
-              <a:latin typeface="맑은 고딕" panose="020B0503020000020004" pitchFamily="50" charset="-127"/>
-              <a:ea typeface="맑은 고딕" panose="020B0503020000020004" pitchFamily="50" charset="-127"/>
-            </a:endParaRPr>
-          </a:p>
-          <a:p>
-            <a:pPr lvl="1"/>
-            <a:r>
-              <a:rPr lang="en-US" altLang="ko-KR" dirty="0"/>
-              <a:t>MVCC</a:t>
-            </a:r>
-            <a:r>
-              <a:rPr lang="ko-KR" altLang="en-US" dirty="0"/>
-              <a:t> </a:t>
-            </a:r>
-            <a:r>
-              <a:rPr lang="en-US" altLang="ko-KR" dirty="0"/>
-              <a:t>:</a:t>
-            </a:r>
-            <a:r>
-              <a:rPr lang="ko-KR" altLang="en-US" dirty="0"/>
-              <a:t> 로그선행기록</a:t>
-            </a:r>
-            <a:r>
-              <a:rPr lang="en-US" altLang="ko-KR" dirty="0"/>
-              <a:t>(WAL), </a:t>
-            </a:r>
-            <a:r>
-              <a:rPr lang="ko-KR" altLang="en-US" dirty="0"/>
-              <a:t>조회성능향상</a:t>
-            </a:r>
-            <a:endParaRPr lang="ko-KR" altLang="en-US" dirty="0">
-              <a:latin typeface="맑은 고딕" panose="020B0503020000020004" pitchFamily="50" charset="-127"/>
-              <a:ea typeface="맑은 고딕" panose="020B0503020000020004" pitchFamily="50" charset="-127"/>
-            </a:endParaRPr>
-          </a:p>
-        </p:txBody>
-      </p:sp>
-    </p:spTree>
-    <p:extLst>
-      <p:ext uri="{BB962C8B-B14F-4D97-AF65-F5344CB8AC3E}">
-        <p14:creationId xmlns:p14="http://schemas.microsoft.com/office/powerpoint/2010/main" val="3984617762"/>
-      </p:ext>
-    </p:extLst>
-  </p:cSld>
-  <p:clrMapOvr>
-    <a:masterClrMapping/>
-  </p:clrMapOvr>
-  <mc:AlternateContent xmlns:mc="http://schemas.openxmlformats.org/markup-compatibility/2006" xmlns:p14="http://schemas.microsoft.com/office/powerpoint/2010/main">
-    <mc:Choice Requires="p14">
-      <p:transition spd="med" p14:dur="700">
-        <p:fade/>
-      </p:transition>
-    </mc:Choice>
-    <mc:Fallback xmlns="">
-      <p:transition spd="med">
-        <p:fade/>
-      </p:transition>
-    </mc:Fallback>
-  </mc:AlternateContent>
-</p:sld>
-</file>
-
-<file path=ppt/slides/slide4.xml><?xml version="1.0" encoding="utf-8"?>
-<p:sld xmlns:a="http://schemas.openxmlformats.org/drawingml/2006/main" xmlns:r="http://schemas.openxmlformats.org/officeDocument/2006/relationships" xmlns:p="http://schemas.openxmlformats.org/presentationml/2006/main">
-  <p:cSld>
-    <p:spTree>
-      <p:nvGrpSpPr>
-        <p:cNvPr id="1" name=""/>
-        <p:cNvGrpSpPr/>
-        <p:nvPr/>
-      </p:nvGrpSpPr>
-      <p:grpSpPr>
-        <a:xfrm>
-          <a:off x="0" y="0"/>
-          <a:ext cx="0" cy="0"/>
-          <a:chOff x="0" y="0"/>
-          <a:chExt cx="0" cy="0"/>
-        </a:xfrm>
-      </p:grpSpPr>
-      <p:sp>
-        <p:nvSpPr>
-          <p:cNvPr id="2" name="제목 1"/>
-          <p:cNvSpPr>
-            <a:spLocks noGrp="1"/>
-          </p:cNvSpPr>
-          <p:nvPr>
-            <p:ph type="title"/>
-          </p:nvPr>
-        </p:nvSpPr>
-        <p:spPr/>
-        <p:txBody>
-          <a:bodyPr rtlCol="0"/>
-          <a:lstStyle/>
-          <a:p>
-            <a:pPr rtl="0"/>
-            <a:r>
-              <a:rPr lang="ko-KR" altLang="en-US" dirty="0"/>
-              <a:t>일관성과 무결성을 위해 </a:t>
-            </a:r>
-            <a:r>
-              <a:rPr lang="en-US" altLang="ko-KR" dirty="0">
-                <a:latin typeface="맑은 고딕" panose="020B0503020000020004" pitchFamily="50" charset="-127"/>
-                <a:ea typeface="맑은 고딕" panose="020B0503020000020004" pitchFamily="50" charset="-127"/>
-              </a:rPr>
-              <a:t>DBMS </a:t>
-            </a:r>
-            <a:r>
-              <a:rPr lang="ko-KR" altLang="en-US" dirty="0">
-                <a:latin typeface="맑은 고딕" panose="020B0503020000020004" pitchFamily="50" charset="-127"/>
-                <a:ea typeface="맑은 고딕" panose="020B0503020000020004" pitchFamily="50" charset="-127"/>
-              </a:rPr>
-              <a:t>가 제공하는 기능</a:t>
-            </a:r>
-          </a:p>
-        </p:txBody>
-      </p:sp>
-      <p:sp>
-        <p:nvSpPr>
-          <p:cNvPr id="3" name="내용 개체 틀 2"/>
-          <p:cNvSpPr>
-            <a:spLocks noGrp="1"/>
-          </p:cNvSpPr>
-          <p:nvPr>
-            <p:ph idx="1"/>
-          </p:nvPr>
-        </p:nvSpPr>
-        <p:spPr/>
-        <p:txBody>
-          <a:bodyPr rtlCol="0">
-            <a:normAutofit/>
-          </a:bodyPr>
-          <a:lstStyle/>
-          <a:p>
-            <a:pPr rtl="0"/>
-            <a:r>
-              <a:rPr lang="en-US" altLang="ko-KR" dirty="0"/>
-              <a:t>SQL</a:t>
-            </a:r>
-          </a:p>
-          <a:p>
-            <a:pPr lvl="1"/>
-            <a:r>
-              <a:rPr lang="en-US" altLang="ko-KR" dirty="0">
-                <a:latin typeface="맑은 고딕" panose="020B0503020000020004" pitchFamily="50" charset="-127"/>
-                <a:ea typeface="맑은 고딕" panose="020B0503020000020004" pitchFamily="50" charset="-127"/>
-              </a:rPr>
-              <a:t>DML : C / R / U / D</a:t>
-            </a:r>
-          </a:p>
-          <a:p>
-            <a:pPr lvl="1"/>
-            <a:r>
-              <a:rPr lang="en-US" altLang="ko-KR" dirty="0">
-                <a:latin typeface="맑은 고딕" panose="020B0503020000020004" pitchFamily="50" charset="-127"/>
-                <a:ea typeface="맑은 고딕" panose="020B0503020000020004" pitchFamily="50" charset="-127"/>
-              </a:rPr>
-              <a:t>DCL : commit, rollback, revoke </a:t>
-            </a:r>
-            <a:r>
-              <a:rPr lang="ko-KR" altLang="en-US" dirty="0"/>
-              <a:t>등</a:t>
-            </a:r>
-            <a:endParaRPr lang="en-US" altLang="ko-KR" dirty="0">
-              <a:latin typeface="맑은 고딕" panose="020B0503020000020004" pitchFamily="50" charset="-127"/>
-              <a:ea typeface="맑은 고딕" panose="020B0503020000020004" pitchFamily="50" charset="-127"/>
-            </a:endParaRPr>
-          </a:p>
-          <a:p>
-            <a:pPr lvl="1"/>
-            <a:r>
-              <a:rPr lang="en-US" altLang="ko-KR" dirty="0"/>
-              <a:t>DDL : create table, create datafile </a:t>
-            </a:r>
-            <a:r>
-              <a:rPr lang="ko-KR" altLang="en-US" dirty="0"/>
-              <a:t>등</a:t>
-            </a:r>
-            <a:endParaRPr lang="ko-KR" altLang="en-US" dirty="0">
-              <a:latin typeface="맑은 고딕" panose="020B0503020000020004" pitchFamily="50" charset="-127"/>
-              <a:ea typeface="맑은 고딕" panose="020B0503020000020004" pitchFamily="50" charset="-127"/>
-            </a:endParaRPr>
-          </a:p>
-        </p:txBody>
-      </p:sp>
-    </p:spTree>
-    <p:extLst>
-      <p:ext uri="{BB962C8B-B14F-4D97-AF65-F5344CB8AC3E}">
-        <p14:creationId xmlns:p14="http://schemas.microsoft.com/office/powerpoint/2010/main" val="1853879232"/>
-      </p:ext>
-    </p:extLst>
-  </p:cSld>
-  <p:clrMapOvr>
-    <a:masterClrMapping/>
-  </p:clrMapOvr>
-  <mc:AlternateContent xmlns:mc="http://schemas.openxmlformats.org/markup-compatibility/2006" xmlns:p14="http://schemas.microsoft.com/office/powerpoint/2010/main">
-    <mc:Choice Requires="p14">
-      <p:transition spd="med" p14:dur="700">
-        <p:fade/>
-      </p:transition>
-    </mc:Choice>
-    <mc:Fallback xmlns="">
-      <p:transition spd="med">
-        <p:fade/>
-      </p:transition>
-    </mc:Fallback>
-  </mc:AlternateContent>
-</p:sld>
-</file>
-
-<file path=ppt/slides/slide5.xml><?xml version="1.0" encoding="utf-8"?>
-<p:sld xmlns:a="http://schemas.openxmlformats.org/drawingml/2006/main" xmlns:r="http://schemas.openxmlformats.org/officeDocument/2006/relationships" xmlns:p="http://schemas.openxmlformats.org/presentationml/2006/main">
-  <p:cSld>
-    <p:spTree>
-      <p:nvGrpSpPr>
-        <p:cNvPr id="1" name=""/>
-        <p:cNvGrpSpPr/>
-        <p:nvPr/>
-      </p:nvGrpSpPr>
-      <p:grpSpPr>
-        <a:xfrm>
-          <a:off x="0" y="0"/>
-          <a:ext cx="0" cy="0"/>
-          <a:chOff x="0" y="0"/>
-          <a:chExt cx="0" cy="0"/>
-        </a:xfrm>
-      </p:grpSpPr>
-      <p:sp>
-        <p:nvSpPr>
-          <p:cNvPr id="2" name="제목 1"/>
-          <p:cNvSpPr>
-            <a:spLocks noGrp="1"/>
-          </p:cNvSpPr>
-          <p:nvPr>
-            <p:ph type="title"/>
-          </p:nvPr>
-        </p:nvSpPr>
-        <p:spPr/>
-        <p:txBody>
-          <a:bodyPr rtlCol="0"/>
-          <a:lstStyle/>
-          <a:p>
-            <a:pPr rtl="0"/>
-            <a:r>
-              <a:rPr lang="ko-KR" altLang="en-US" dirty="0" err="1"/>
-              <a:t>비즈니스로직에</a:t>
-            </a:r>
-            <a:r>
-              <a:rPr lang="ko-KR" altLang="en-US"/>
-              <a:t> 필요한 </a:t>
-            </a:r>
-            <a:r>
-              <a:rPr lang="en-US" altLang="ko-KR"/>
-              <a:t>DBMS </a:t>
-            </a:r>
-            <a:r>
-              <a:rPr lang="ko-KR" altLang="en-US" dirty="0"/>
-              <a:t>기능</a:t>
-            </a:r>
-            <a:endParaRPr lang="ko-KR" altLang="en-US" dirty="0">
-              <a:latin typeface="맑은 고딕" panose="020B0503020000020004" pitchFamily="50" charset="-127"/>
-              <a:ea typeface="맑은 고딕" panose="020B0503020000020004" pitchFamily="50" charset="-127"/>
-            </a:endParaRPr>
-          </a:p>
-        </p:txBody>
-      </p:sp>
-      <p:sp>
-        <p:nvSpPr>
-          <p:cNvPr id="3" name="내용 개체 틀 2"/>
-          <p:cNvSpPr>
-            <a:spLocks noGrp="1"/>
-          </p:cNvSpPr>
-          <p:nvPr>
-            <p:ph idx="1"/>
-          </p:nvPr>
-        </p:nvSpPr>
-        <p:spPr/>
-        <p:txBody>
-          <a:bodyPr rtlCol="0">
-            <a:normAutofit/>
-          </a:bodyPr>
-          <a:lstStyle/>
-          <a:p>
-            <a:r>
-              <a:rPr lang="ko-KR" altLang="en-US" dirty="0">
-                <a:latin typeface="맑은 고딕" panose="020B0503020000020004" pitchFamily="50" charset="-127"/>
-                <a:ea typeface="맑은 고딕" panose="020B0503020000020004" pitchFamily="50" charset="-127"/>
-              </a:rPr>
-              <a:t>트랜잭션</a:t>
-            </a:r>
-            <a:endParaRPr lang="en-US" altLang="ko-KR" dirty="0">
-              <a:latin typeface="맑은 고딕" panose="020B0503020000020004" pitchFamily="50" charset="-127"/>
-              <a:ea typeface="맑은 고딕" panose="020B0503020000020004" pitchFamily="50" charset="-127"/>
-            </a:endParaRPr>
-          </a:p>
-          <a:p>
-            <a:pPr lvl="1"/>
-            <a:r>
-              <a:rPr lang="ko-KR" altLang="en-US" dirty="0"/>
-              <a:t>트랜잭션 자원 관리 </a:t>
-            </a:r>
-            <a:r>
-              <a:rPr lang="en-US" altLang="ko-KR" dirty="0"/>
-              <a:t>: Connection </a:t>
-            </a:r>
-            <a:r>
-              <a:rPr lang="ko-KR" altLang="en-US" dirty="0"/>
-              <a:t>객체</a:t>
-            </a:r>
-            <a:endParaRPr lang="en-US" altLang="ko-KR" dirty="0"/>
-          </a:p>
-          <a:p>
-            <a:pPr lvl="1"/>
-            <a:r>
-              <a:rPr lang="en-US" altLang="ko-KR" dirty="0"/>
-              <a:t>ALL or NOTHING</a:t>
-            </a:r>
-            <a:r>
-              <a:rPr lang="ko-KR" altLang="en-US" dirty="0"/>
-              <a:t> 기준 정의 </a:t>
-            </a:r>
-            <a:r>
-              <a:rPr lang="en-US" altLang="ko-KR" dirty="0"/>
-              <a:t>: </a:t>
-            </a:r>
-            <a:r>
-              <a:rPr lang="en-US" altLang="ko-KR" dirty="0">
-                <a:latin typeface="맑은 고딕" panose="020B0503020000020004" pitchFamily="50" charset="-127"/>
-                <a:ea typeface="맑은 고딕" panose="020B0503020000020004" pitchFamily="50" charset="-127"/>
-              </a:rPr>
-              <a:t>commit, rollback</a:t>
-            </a:r>
-            <a:endParaRPr lang="en-US" altLang="ko-KR" dirty="0"/>
-          </a:p>
-          <a:p>
-            <a:pPr rtl="0"/>
-            <a:r>
-              <a:rPr lang="en-US" altLang="ko-KR" dirty="0"/>
-              <a:t>SQL</a:t>
-            </a:r>
-          </a:p>
-          <a:p>
-            <a:pPr lvl="1"/>
-            <a:r>
-              <a:rPr lang="en-US" altLang="ko-KR" dirty="0">
-                <a:latin typeface="맑은 고딕" panose="020B0503020000020004" pitchFamily="50" charset="-127"/>
-                <a:ea typeface="맑은 고딕" panose="020B0503020000020004" pitchFamily="50" charset="-127"/>
-              </a:rPr>
-              <a:t>SQL </a:t>
-            </a:r>
-            <a:r>
-              <a:rPr lang="ko-KR" altLang="en-US" dirty="0"/>
-              <a:t>실행</a:t>
-            </a:r>
-            <a:r>
-              <a:rPr lang="en-US" altLang="ko-KR" dirty="0">
-                <a:latin typeface="맑은 고딕" panose="020B0503020000020004" pitchFamily="50" charset="-127"/>
-                <a:ea typeface="맑은 고딕" panose="020B0503020000020004" pitchFamily="50" charset="-127"/>
-              </a:rPr>
-              <a:t> : C / R / U / D</a:t>
-            </a:r>
-          </a:p>
-          <a:p>
-            <a:pPr lvl="1"/>
-            <a:r>
-              <a:rPr lang="en-US" altLang="ko-KR" dirty="0"/>
-              <a:t>SQL </a:t>
-            </a:r>
-            <a:r>
-              <a:rPr lang="ko-KR" altLang="en-US" dirty="0"/>
-              <a:t>결과 </a:t>
-            </a:r>
-            <a:r>
-              <a:rPr lang="en-US" altLang="ko-KR" dirty="0"/>
-              <a:t>: TABLE </a:t>
-            </a:r>
-            <a:r>
-              <a:rPr lang="ko-KR" altLang="en-US" dirty="0"/>
-              <a:t>또는 </a:t>
-            </a:r>
-            <a:r>
-              <a:rPr lang="en-US" altLang="ko-KR" dirty="0"/>
-              <a:t>int</a:t>
-            </a:r>
-            <a:endParaRPr lang="ko-KR" altLang="en-US" dirty="0">
-              <a:latin typeface="맑은 고딕" panose="020B0503020000020004" pitchFamily="50" charset="-127"/>
-              <a:ea typeface="맑은 고딕" panose="020B0503020000020004" pitchFamily="50" charset="-127"/>
-            </a:endParaRPr>
-          </a:p>
-        </p:txBody>
-      </p:sp>
-    </p:spTree>
-    <p:extLst>
-      <p:ext uri="{BB962C8B-B14F-4D97-AF65-F5344CB8AC3E}">
-        <p14:creationId xmlns:p14="http://schemas.microsoft.com/office/powerpoint/2010/main" val="2631054826"/>
-      </p:ext>
-    </p:extLst>
-  </p:cSld>
-  <p:clrMapOvr>
-    <a:masterClrMapping/>
-  </p:clrMapOvr>
-  <mc:AlternateContent xmlns:mc="http://schemas.openxmlformats.org/markup-compatibility/2006" xmlns:p14="http://schemas.microsoft.com/office/powerpoint/2010/main">
-    <mc:Choice Requires="p14">
-      <p:transition spd="med" p14:dur="700">
-        <p:fade/>
-      </p:transition>
-    </mc:Choice>
-    <mc:Fallback xmlns="">
-      <p:transition spd="med">
-        <p:fade/>
-      </p:transition>
-    </mc:Fallback>
-  </mc:AlternateContent>
-</p:sld>
-</file>
-
-<file path=ppt/slides/slide6.xml><?xml version="1.0" encoding="utf-8"?>
-<p:sld xmlns:a="http://schemas.openxmlformats.org/drawingml/2006/main" xmlns:r="http://schemas.openxmlformats.org/officeDocument/2006/relationships" xmlns:p="http://schemas.openxmlformats.org/presentationml/2006/main">
-  <p:cSld>
-    <p:spTree>
-      <p:nvGrpSpPr>
-        <p:cNvPr id="1" name=""/>
-        <p:cNvGrpSpPr/>
-        <p:nvPr/>
-      </p:nvGrpSpPr>
-      <p:grpSpPr>
-        <a:xfrm>
-          <a:off x="0" y="0"/>
-          <a:ext cx="0" cy="0"/>
-          <a:chOff x="0" y="0"/>
-          <a:chExt cx="0" cy="0"/>
-        </a:xfrm>
-      </p:grpSpPr>
-      <p:sp>
-        <p:nvSpPr>
-          <p:cNvPr id="2" name="제목 1"/>
-          <p:cNvSpPr>
-            <a:spLocks noGrp="1"/>
-          </p:cNvSpPr>
-          <p:nvPr>
-            <p:ph type="title"/>
-          </p:nvPr>
-        </p:nvSpPr>
-        <p:spPr/>
-        <p:txBody>
-          <a:bodyPr rtlCol="0"/>
-          <a:lstStyle/>
-          <a:p>
-            <a:pPr rtl="0"/>
-            <a:r>
               <a:rPr lang="en-US" altLang="ko-KR"/>
               <a:t>SQL </a:t>
             </a:r>
@@ -18567,7 +17317,7 @@
 </p:sld>
 </file>
 
-<file path=ppt/slides/slide7.xml><?xml version="1.0" encoding="utf-8"?>
+<file path=ppt/slides/slide11.xml><?xml version="1.0" encoding="utf-8"?>
 <p:sld xmlns:a="http://schemas.openxmlformats.org/drawingml/2006/main" xmlns:r="http://schemas.openxmlformats.org/officeDocument/2006/relationships" xmlns:p="http://schemas.openxmlformats.org/presentationml/2006/main">
   <p:cSld>
     <p:spTree>
@@ -18794,7 +17544,7 @@
 </p:sld>
 </file>
 
-<file path=ppt/slides/slide8.xml><?xml version="1.0" encoding="utf-8"?>
+<file path=ppt/slides/slide12.xml><?xml version="1.0" encoding="utf-8"?>
 <p:sld xmlns:a="http://schemas.openxmlformats.org/drawingml/2006/main" xmlns:r="http://schemas.openxmlformats.org/officeDocument/2006/relationships" xmlns:p="http://schemas.openxmlformats.org/presentationml/2006/main">
   <p:cSld>
     <p:spTree>
@@ -19149,6 +17899,2091 @@
 </p:sld>
 </file>
 
+<file path=ppt/slides/slide13.xml><?xml version="1.0" encoding="utf-8"?>
+<p:sld xmlns:a="http://schemas.openxmlformats.org/drawingml/2006/main" xmlns:r="http://schemas.openxmlformats.org/officeDocument/2006/relationships" xmlns:p="http://schemas.openxmlformats.org/presentationml/2006/main">
+  <p:cSld>
+    <p:spTree>
+      <p:nvGrpSpPr>
+        <p:cNvPr id="1" name=""/>
+        <p:cNvGrpSpPr/>
+        <p:nvPr/>
+      </p:nvGrpSpPr>
+      <p:grpSpPr>
+        <a:xfrm>
+          <a:off x="0" y="0"/>
+          <a:ext cx="0" cy="0"/>
+          <a:chOff x="0" y="0"/>
+          <a:chExt cx="0" cy="0"/>
+        </a:xfrm>
+      </p:grpSpPr>
+      <p:sp>
+        <p:nvSpPr>
+          <p:cNvPr id="2" name="제목 1"/>
+          <p:cNvSpPr>
+            <a:spLocks noGrp="1"/>
+          </p:cNvSpPr>
+          <p:nvPr>
+            <p:ph type="title"/>
+          </p:nvPr>
+        </p:nvSpPr>
+        <p:spPr/>
+        <p:txBody>
+          <a:bodyPr rtlCol="0"/>
+          <a:lstStyle/>
+          <a:p>
+            <a:pPr rtl="0"/>
+            <a:r>
+              <a:rPr lang="ko-KR" altLang="en-US" dirty="0"/>
+              <a:t>프레임워크가 구현할 기능 </a:t>
+            </a:r>
+            <a:r>
+              <a:rPr lang="en-US" altLang="ko-KR" dirty="0"/>
+              <a:t>- </a:t>
+            </a:r>
+            <a:r>
+              <a:rPr lang="en-US" altLang="ko-KR" dirty="0">
+                <a:latin typeface="맑은 고딕" panose="020B0503020000020004" pitchFamily="50" charset="-127"/>
+                <a:ea typeface="맑은 고딕" panose="020B0503020000020004" pitchFamily="50" charset="-127"/>
+              </a:rPr>
+              <a:t>SQL </a:t>
+            </a:r>
+            <a:r>
+              <a:rPr lang="ko-KR" altLang="en-US" dirty="0">
+                <a:latin typeface="맑은 고딕" panose="020B0503020000020004" pitchFamily="50" charset="-127"/>
+                <a:ea typeface="맑은 고딕" panose="020B0503020000020004" pitchFamily="50" charset="-127"/>
+              </a:rPr>
+              <a:t>실행</a:t>
+            </a:r>
+          </a:p>
+        </p:txBody>
+      </p:sp>
+      <p:sp>
+        <p:nvSpPr>
+          <p:cNvPr id="3" name="내용 개체 틀 2">
+            <a:extLst>
+              <a:ext uri="{FF2B5EF4-FFF2-40B4-BE49-F238E27FC236}">
+                <a16:creationId xmlns:a16="http://schemas.microsoft.com/office/drawing/2014/main" id="{490A1BEE-6582-4602-86F5-FAD490AAC13F}"/>
+              </a:ext>
+            </a:extLst>
+          </p:cNvPr>
+          <p:cNvSpPr>
+            <a:spLocks noGrp="1"/>
+          </p:cNvSpPr>
+          <p:nvPr>
+            <p:ph idx="1"/>
+          </p:nvPr>
+        </p:nvSpPr>
+        <p:spPr/>
+        <p:txBody>
+          <a:bodyPr/>
+          <a:lstStyle/>
+          <a:p>
+            <a:r>
+              <a:rPr lang="en-US" altLang="ko-KR" dirty="0"/>
+              <a:t>CRUD SQL</a:t>
+            </a:r>
+            <a:r>
+              <a:rPr lang="ko-KR" altLang="en-US" dirty="0"/>
+              <a:t> 과 </a:t>
+            </a:r>
+            <a:r>
+              <a:rPr lang="en-US" altLang="ko-KR" dirty="0"/>
+              <a:t>java </a:t>
+            </a:r>
+            <a:r>
+              <a:rPr lang="ko-KR" altLang="en-US" dirty="0"/>
+              <a:t>코드의 분리</a:t>
+            </a:r>
+            <a:endParaRPr lang="en-US" altLang="ko-KR" dirty="0"/>
+          </a:p>
+          <a:p>
+            <a:pPr lvl="1"/>
+            <a:r>
+              <a:rPr lang="en-US" altLang="ko-KR" dirty="0"/>
+              <a:t>KEY = SQL</a:t>
+            </a:r>
+          </a:p>
+          <a:p>
+            <a:pPr lvl="1"/>
+            <a:r>
+              <a:rPr lang="en-US" altLang="ko-KR" dirty="0"/>
+              <a:t>FW_SQL TABLE</a:t>
+            </a:r>
+          </a:p>
+          <a:p>
+            <a:r>
+              <a:rPr lang="ko-KR" altLang="en-US" dirty="0"/>
+              <a:t>정적 </a:t>
+            </a:r>
+            <a:r>
+              <a:rPr lang="en-US" altLang="ko-KR" dirty="0"/>
+              <a:t>SQL </a:t>
+            </a:r>
+            <a:r>
+              <a:rPr lang="ko-KR" altLang="en-US" dirty="0"/>
+              <a:t>의 성능과 동적 </a:t>
+            </a:r>
+            <a:r>
+              <a:rPr lang="en-US" altLang="ko-KR" dirty="0"/>
+              <a:t>SQL </a:t>
+            </a:r>
+            <a:r>
+              <a:rPr lang="ko-KR" altLang="en-US" dirty="0"/>
+              <a:t>유연성 제공</a:t>
+            </a:r>
+            <a:endParaRPr lang="en-US" altLang="ko-KR" dirty="0"/>
+          </a:p>
+          <a:p>
+            <a:pPr lvl="1"/>
+            <a:r>
+              <a:rPr lang="ko-KR" altLang="en-US" dirty="0"/>
+              <a:t>정적 </a:t>
+            </a:r>
+            <a:r>
+              <a:rPr lang="en-US" altLang="ko-KR" dirty="0"/>
+              <a:t>SQL : </a:t>
+            </a:r>
+            <a:r>
+              <a:rPr lang="ko-KR" altLang="en-US" dirty="0"/>
+              <a:t>미리 </a:t>
+            </a:r>
+            <a:r>
+              <a:rPr lang="en-US" altLang="ko-KR" dirty="0"/>
+              <a:t>SQL </a:t>
+            </a:r>
+            <a:r>
+              <a:rPr lang="ko-KR" altLang="en-US" dirty="0"/>
+              <a:t>을 준비하고 </a:t>
+            </a:r>
+            <a:r>
+              <a:rPr lang="ko-KR" altLang="en-US" dirty="0" err="1"/>
+              <a:t>바인드</a:t>
+            </a:r>
+            <a:r>
+              <a:rPr lang="ko-KR" altLang="en-US" dirty="0"/>
+              <a:t> 변수를 넘겨 실행</a:t>
+            </a:r>
+            <a:endParaRPr lang="en-US" altLang="ko-KR" dirty="0"/>
+          </a:p>
+          <a:p>
+            <a:pPr lvl="1"/>
+            <a:r>
+              <a:rPr lang="ko-KR" altLang="en-US" dirty="0"/>
+              <a:t>동적 </a:t>
+            </a:r>
+            <a:r>
+              <a:rPr lang="en-US" altLang="ko-KR" dirty="0"/>
+              <a:t>SQL : </a:t>
+            </a:r>
+            <a:r>
+              <a:rPr lang="ko-KR" altLang="en-US" dirty="0"/>
+              <a:t>하나의 </a:t>
+            </a:r>
+            <a:r>
+              <a:rPr lang="en-US" altLang="ko-KR" dirty="0"/>
+              <a:t>String </a:t>
+            </a:r>
+            <a:r>
+              <a:rPr lang="ko-KR" altLang="en-US" dirty="0"/>
+              <a:t>객체에 </a:t>
+            </a:r>
+            <a:r>
+              <a:rPr lang="en-US" altLang="ko-KR" dirty="0"/>
+              <a:t>SQL </a:t>
+            </a:r>
+            <a:r>
+              <a:rPr lang="ko-KR" altLang="en-US" dirty="0"/>
+              <a:t>을 작성하고 바로 실행</a:t>
+            </a:r>
+            <a:endParaRPr lang="en-US" altLang="ko-KR" dirty="0"/>
+          </a:p>
+        </p:txBody>
+      </p:sp>
+    </p:spTree>
+    <p:extLst>
+      <p:ext uri="{BB962C8B-B14F-4D97-AF65-F5344CB8AC3E}">
+        <p14:creationId xmlns:p14="http://schemas.microsoft.com/office/powerpoint/2010/main" val="4145999854"/>
+      </p:ext>
+    </p:extLst>
+  </p:cSld>
+  <p:clrMapOvr>
+    <a:masterClrMapping/>
+  </p:clrMapOvr>
+  <mc:AlternateContent xmlns:mc="http://schemas.openxmlformats.org/markup-compatibility/2006" xmlns:p14="http://schemas.microsoft.com/office/powerpoint/2010/main">
+    <mc:Choice Requires="p14">
+      <p:transition spd="med" p14:dur="700">
+        <p:fade/>
+      </p:transition>
+    </mc:Choice>
+    <mc:Fallback xmlns="">
+      <p:transition spd="med">
+        <p:fade/>
+      </p:transition>
+    </mc:Fallback>
+  </mc:AlternateContent>
+</p:sld>
+</file>
+
+<file path=ppt/slides/slide14.xml><?xml version="1.0" encoding="utf-8"?>
+<p:sld xmlns:a="http://schemas.openxmlformats.org/drawingml/2006/main" xmlns:r="http://schemas.openxmlformats.org/officeDocument/2006/relationships" xmlns:p="http://schemas.openxmlformats.org/presentationml/2006/main">
+  <p:cSld>
+    <p:spTree>
+      <p:nvGrpSpPr>
+        <p:cNvPr id="1" name=""/>
+        <p:cNvGrpSpPr/>
+        <p:nvPr/>
+      </p:nvGrpSpPr>
+      <p:grpSpPr>
+        <a:xfrm>
+          <a:off x="0" y="0"/>
+          <a:ext cx="0" cy="0"/>
+          <a:chOff x="0" y="0"/>
+          <a:chExt cx="0" cy="0"/>
+        </a:xfrm>
+      </p:grpSpPr>
+      <p:sp>
+        <p:nvSpPr>
+          <p:cNvPr id="2" name="제목 1"/>
+          <p:cNvSpPr>
+            <a:spLocks noGrp="1"/>
+          </p:cNvSpPr>
+          <p:nvPr>
+            <p:ph type="title"/>
+          </p:nvPr>
+        </p:nvSpPr>
+        <p:spPr/>
+        <p:txBody>
+          <a:bodyPr rtlCol="0"/>
+          <a:lstStyle/>
+          <a:p>
+            <a:pPr rtl="0"/>
+            <a:r>
+              <a:rPr lang="ko-KR" altLang="en-US" dirty="0"/>
+              <a:t>프레임워크가 구현할 기능 </a:t>
+            </a:r>
+            <a:r>
+              <a:rPr lang="en-US" altLang="ko-KR" dirty="0"/>
+              <a:t>- </a:t>
+            </a:r>
+            <a:r>
+              <a:rPr lang="en-US" altLang="ko-KR" dirty="0">
+                <a:latin typeface="맑은 고딕" panose="020B0503020000020004" pitchFamily="50" charset="-127"/>
+                <a:ea typeface="맑은 고딕" panose="020B0503020000020004" pitchFamily="50" charset="-127"/>
+              </a:rPr>
+              <a:t>SQL </a:t>
+            </a:r>
+            <a:r>
+              <a:rPr lang="ko-KR" altLang="en-US" dirty="0">
+                <a:latin typeface="맑은 고딕" panose="020B0503020000020004" pitchFamily="50" charset="-127"/>
+                <a:ea typeface="맑은 고딕" panose="020B0503020000020004" pitchFamily="50" charset="-127"/>
+              </a:rPr>
+              <a:t>결과</a:t>
+            </a:r>
+          </a:p>
+        </p:txBody>
+      </p:sp>
+      <p:sp>
+        <p:nvSpPr>
+          <p:cNvPr id="3" name="내용 개체 틀 2">
+            <a:extLst>
+              <a:ext uri="{FF2B5EF4-FFF2-40B4-BE49-F238E27FC236}">
+                <a16:creationId xmlns:a16="http://schemas.microsoft.com/office/drawing/2014/main" id="{490A1BEE-6582-4602-86F5-FAD490AAC13F}"/>
+              </a:ext>
+            </a:extLst>
+          </p:cNvPr>
+          <p:cNvSpPr>
+            <a:spLocks noGrp="1"/>
+          </p:cNvSpPr>
+          <p:nvPr>
+            <p:ph idx="1"/>
+          </p:nvPr>
+        </p:nvSpPr>
+        <p:spPr/>
+        <p:txBody>
+          <a:bodyPr/>
+          <a:lstStyle/>
+          <a:p>
+            <a:r>
+              <a:rPr lang="en-US" altLang="ko-KR" dirty="0"/>
+              <a:t>SQL </a:t>
+            </a:r>
+            <a:r>
+              <a:rPr lang="ko-KR" altLang="en-US" dirty="0"/>
+              <a:t>결과</a:t>
+            </a:r>
+            <a:endParaRPr lang="en-US" altLang="ko-KR" dirty="0"/>
+          </a:p>
+          <a:p>
+            <a:pPr lvl="1"/>
+            <a:r>
+              <a:rPr lang="en-US" altLang="ko-KR" dirty="0"/>
+              <a:t>SELECT SQL </a:t>
+            </a:r>
+            <a:r>
+              <a:rPr lang="ko-KR" altLang="en-US" dirty="0"/>
+              <a:t>결과 </a:t>
+            </a:r>
+            <a:r>
+              <a:rPr lang="en-US" altLang="ko-KR" dirty="0"/>
+              <a:t>TABLE</a:t>
+            </a:r>
+          </a:p>
+          <a:p>
+            <a:pPr lvl="1"/>
+            <a:r>
+              <a:rPr lang="en-US" altLang="ko-KR" dirty="0"/>
+              <a:t>INSERT / UPDATE / DELETE </a:t>
+            </a:r>
+            <a:r>
+              <a:rPr lang="ko-KR" altLang="en-US" dirty="0"/>
+              <a:t>결과 </a:t>
+            </a:r>
+            <a:r>
+              <a:rPr lang="en-US" altLang="ko-KR" dirty="0"/>
+              <a:t>int</a:t>
+            </a:r>
+          </a:p>
+        </p:txBody>
+      </p:sp>
+      <p:pic>
+        <p:nvPicPr>
+          <p:cNvPr id="4" name="Picture 2">
+            <a:extLst>
+              <a:ext uri="{FF2B5EF4-FFF2-40B4-BE49-F238E27FC236}">
+                <a16:creationId xmlns:a16="http://schemas.microsoft.com/office/drawing/2014/main" id="{B1713E50-6DA5-48FF-95C8-29B69712C9A1}"/>
+              </a:ext>
+            </a:extLst>
+          </p:cNvPr>
+          <p:cNvPicPr>
+            <a:picLocks noChangeAspect="1" noChangeArrowheads="1"/>
+          </p:cNvPicPr>
+          <p:nvPr/>
+        </p:nvPicPr>
+        <p:blipFill>
+          <a:blip r:embed="rId3">
+            <a:extLst>
+              <a:ext uri="{28A0092B-C50C-407E-A947-70E740481C1C}">
+                <a14:useLocalDpi xmlns:a14="http://schemas.microsoft.com/office/drawing/2010/main" val="0"/>
+              </a:ext>
+            </a:extLst>
+          </a:blip>
+          <a:srcRect/>
+          <a:stretch>
+            <a:fillRect/>
+          </a:stretch>
+        </p:blipFill>
+        <p:spPr bwMode="auto">
+          <a:xfrm>
+            <a:off x="2093306" y="3251366"/>
+            <a:ext cx="5676144" cy="2539834"/>
+          </a:xfrm>
+          <a:prstGeom prst="rect">
+            <a:avLst/>
+          </a:prstGeom>
+          <a:noFill/>
+          <a:extLst>
+            <a:ext uri="{909E8E84-426E-40DD-AFC4-6F175D3DCCD1}">
+              <a14:hiddenFill xmlns:a14="http://schemas.microsoft.com/office/drawing/2010/main">
+                <a:solidFill>
+                  <a:srgbClr val="FFFFFF"/>
+                </a:solidFill>
+              </a14:hiddenFill>
+            </a:ext>
+          </a:extLst>
+        </p:spPr>
+      </p:pic>
+    </p:spTree>
+    <p:extLst>
+      <p:ext uri="{BB962C8B-B14F-4D97-AF65-F5344CB8AC3E}">
+        <p14:creationId xmlns:p14="http://schemas.microsoft.com/office/powerpoint/2010/main" val="2392204457"/>
+      </p:ext>
+    </p:extLst>
+  </p:cSld>
+  <p:clrMapOvr>
+    <a:masterClrMapping/>
+  </p:clrMapOvr>
+  <mc:AlternateContent xmlns:mc="http://schemas.openxmlformats.org/markup-compatibility/2006" xmlns:p14="http://schemas.microsoft.com/office/powerpoint/2010/main">
+    <mc:Choice Requires="p14">
+      <p:transition spd="med" p14:dur="700">
+        <p:fade/>
+      </p:transition>
+    </mc:Choice>
+    <mc:Fallback xmlns="">
+      <p:transition spd="med">
+        <p:fade/>
+      </p:transition>
+    </mc:Fallback>
+  </mc:AlternateContent>
+</p:sld>
+</file>
+
+<file path=ppt/slides/slide15.xml><?xml version="1.0" encoding="utf-8"?>
+<p:sld xmlns:a="http://schemas.openxmlformats.org/drawingml/2006/main" xmlns:r="http://schemas.openxmlformats.org/officeDocument/2006/relationships" xmlns:p="http://schemas.openxmlformats.org/presentationml/2006/main">
+  <p:cSld>
+    <p:spTree>
+      <p:nvGrpSpPr>
+        <p:cNvPr id="1" name=""/>
+        <p:cNvGrpSpPr/>
+        <p:nvPr/>
+      </p:nvGrpSpPr>
+      <p:grpSpPr>
+        <a:xfrm>
+          <a:off x="0" y="0"/>
+          <a:ext cx="0" cy="0"/>
+          <a:chOff x="0" y="0"/>
+          <a:chExt cx="0" cy="0"/>
+        </a:xfrm>
+      </p:grpSpPr>
+      <p:sp>
+        <p:nvSpPr>
+          <p:cNvPr id="2" name="제목 1"/>
+          <p:cNvSpPr>
+            <a:spLocks noGrp="1"/>
+          </p:cNvSpPr>
+          <p:nvPr>
+            <p:ph type="title"/>
+          </p:nvPr>
+        </p:nvSpPr>
+        <p:spPr/>
+        <p:txBody>
+          <a:bodyPr rtlCol="0"/>
+          <a:lstStyle/>
+          <a:p>
+            <a:pPr rtl="0"/>
+            <a:r>
+              <a:rPr lang="en-US" altLang="ko-KR"/>
+              <a:t>SQL </a:t>
+            </a:r>
+            <a:r>
+              <a:rPr lang="ko-KR" altLang="en-US"/>
+              <a:t>의존 문제를 해결합니다</a:t>
+            </a:r>
+            <a:r>
+              <a:rPr lang="en-US" altLang="ko-KR"/>
+              <a:t>.</a:t>
+            </a:r>
+            <a:endParaRPr lang="ko-KR" altLang="en-US">
+              <a:latin typeface="맑은 고딕" panose="020B0503020000020004" pitchFamily="50" charset="-127"/>
+              <a:ea typeface="맑은 고딕" panose="020B0503020000020004" pitchFamily="50" charset="-127"/>
+            </a:endParaRPr>
+          </a:p>
+        </p:txBody>
+      </p:sp>
+      <p:sp>
+        <p:nvSpPr>
+          <p:cNvPr id="3" name="내용 개체 틀 2">
+            <a:extLst>
+              <a:ext uri="{FF2B5EF4-FFF2-40B4-BE49-F238E27FC236}">
+                <a16:creationId xmlns:a16="http://schemas.microsoft.com/office/drawing/2014/main" id="{DA62FCA6-426E-41D1-9AF7-D575B841741D}"/>
+              </a:ext>
+            </a:extLst>
+          </p:cNvPr>
+          <p:cNvSpPr>
+            <a:spLocks noGrp="1"/>
+          </p:cNvSpPr>
+          <p:nvPr>
+            <p:ph idx="1"/>
+          </p:nvPr>
+        </p:nvSpPr>
+        <p:spPr/>
+        <p:txBody>
+          <a:bodyPr/>
+          <a:lstStyle/>
+          <a:p>
+            <a:r>
+              <a:rPr lang="en-US" altLang="ko-KR" dirty="0">
+                <a:latin typeface="맑은 고딕" panose="020B0503020000020004" pitchFamily="50" charset="-127"/>
+                <a:ea typeface="맑은 고딕" panose="020B0503020000020004" pitchFamily="50" charset="-127"/>
+              </a:rPr>
+              <a:t>SQL</a:t>
+            </a:r>
+            <a:r>
+              <a:rPr lang="ko-KR" altLang="en-US" dirty="0">
+                <a:latin typeface="맑은 고딕" panose="020B0503020000020004" pitchFamily="50" charset="-127"/>
+                <a:ea typeface="맑은 고딕" panose="020B0503020000020004" pitchFamily="50" charset="-127"/>
+              </a:rPr>
+              <a:t> 의존 문제</a:t>
+            </a:r>
+            <a:endParaRPr lang="en-US" altLang="ko-KR" dirty="0">
+              <a:latin typeface="맑은 고딕" panose="020B0503020000020004" pitchFamily="50" charset="-127"/>
+              <a:ea typeface="맑은 고딕" panose="020B0503020000020004" pitchFamily="50" charset="-127"/>
+            </a:endParaRPr>
+          </a:p>
+          <a:p>
+            <a:pPr lvl="1"/>
+            <a:r>
+              <a:rPr lang="en-US" altLang="ko-KR" dirty="0"/>
+              <a:t>SQL</a:t>
+            </a:r>
+            <a:r>
+              <a:rPr lang="en-US" altLang="ko-KR" dirty="0">
+                <a:latin typeface="맑은 고딕" panose="020B0503020000020004" pitchFamily="50" charset="-127"/>
+                <a:ea typeface="맑은 고딕" panose="020B0503020000020004" pitchFamily="50" charset="-127"/>
+              </a:rPr>
+              <a:t> </a:t>
+            </a:r>
+            <a:r>
+              <a:rPr lang="ko-KR" altLang="en-US" dirty="0">
+                <a:latin typeface="맑은 고딕" panose="020B0503020000020004" pitchFamily="50" charset="-127"/>
+                <a:ea typeface="맑은 고딕" panose="020B0503020000020004" pitchFamily="50" charset="-127"/>
+              </a:rPr>
+              <a:t>기능과 비즈니스 로직이 복잡하게 섞여 있는 문제</a:t>
+            </a:r>
+            <a:endParaRPr lang="en-US" altLang="ko-KR" dirty="0">
+              <a:latin typeface="맑은 고딕" panose="020B0503020000020004" pitchFamily="50" charset="-127"/>
+              <a:ea typeface="맑은 고딕" panose="020B0503020000020004" pitchFamily="50" charset="-127"/>
+            </a:endParaRPr>
+          </a:p>
+          <a:p>
+            <a:pPr lvl="1"/>
+            <a:endParaRPr lang="en-US" altLang="ko-KR" dirty="0">
+              <a:latin typeface="맑은 고딕" panose="020B0503020000020004" pitchFamily="50" charset="-127"/>
+              <a:ea typeface="맑은 고딕" panose="020B0503020000020004" pitchFamily="50" charset="-127"/>
+            </a:endParaRPr>
+          </a:p>
+          <a:p>
+            <a:r>
+              <a:rPr lang="en-US" altLang="ko-KR" dirty="0">
+                <a:latin typeface="맑은 고딕" panose="020B0503020000020004" pitchFamily="50" charset="-127"/>
+                <a:ea typeface="맑은 고딕" panose="020B0503020000020004" pitchFamily="50" charset="-127"/>
+              </a:rPr>
+              <a:t>SQL </a:t>
+            </a:r>
+            <a:r>
+              <a:rPr lang="ko-KR" altLang="en-US" dirty="0">
+                <a:latin typeface="맑은 고딕" panose="020B0503020000020004" pitchFamily="50" charset="-127"/>
+                <a:ea typeface="맑은 고딕" panose="020B0503020000020004" pitchFamily="50" charset="-127"/>
+              </a:rPr>
+              <a:t>기능</a:t>
+            </a:r>
+            <a:endParaRPr lang="en-US" altLang="ko-KR" dirty="0">
+              <a:latin typeface="맑은 고딕" panose="020B0503020000020004" pitchFamily="50" charset="-127"/>
+              <a:ea typeface="맑은 고딕" panose="020B0503020000020004" pitchFamily="50" charset="-127"/>
+            </a:endParaRPr>
+          </a:p>
+          <a:p>
+            <a:pPr lvl="1"/>
+            <a:r>
+              <a:rPr lang="ko-KR" altLang="en-US" dirty="0">
+                <a:latin typeface="맑은 고딕" panose="020B0503020000020004" pitchFamily="50" charset="-127"/>
+                <a:ea typeface="맑은 고딕" panose="020B0503020000020004" pitchFamily="50" charset="-127"/>
+              </a:rPr>
+              <a:t>트랜잭션 </a:t>
+            </a:r>
+            <a:r>
+              <a:rPr lang="en-US" altLang="ko-KR" dirty="0">
+                <a:latin typeface="맑은 고딕" panose="020B0503020000020004" pitchFamily="50" charset="-127"/>
+                <a:ea typeface="맑은 고딕" panose="020B0503020000020004" pitchFamily="50" charset="-127"/>
+              </a:rPr>
+              <a:t>: Transaction.java</a:t>
+            </a:r>
+          </a:p>
+          <a:p>
+            <a:pPr lvl="1"/>
+            <a:r>
+              <a:rPr lang="en-US" altLang="ko-KR" dirty="0"/>
+              <a:t>SQL </a:t>
+            </a:r>
+            <a:r>
+              <a:rPr lang="ko-KR" altLang="en-US" dirty="0"/>
+              <a:t>실행</a:t>
+            </a:r>
+            <a:r>
+              <a:rPr lang="en-US" altLang="ko-KR" dirty="0"/>
+              <a:t> : SqlRunner</a:t>
+            </a:r>
+            <a:r>
+              <a:rPr lang="en-US" altLang="ko-KR" dirty="0">
+                <a:latin typeface="맑은 고딕" panose="020B0503020000020004" pitchFamily="50" charset="-127"/>
+                <a:ea typeface="맑은 고딕" panose="020B0503020000020004" pitchFamily="50" charset="-127"/>
+              </a:rPr>
+              <a:t>.java</a:t>
+            </a:r>
+          </a:p>
+          <a:p>
+            <a:pPr lvl="1"/>
+            <a:r>
+              <a:rPr lang="en-US" altLang="ko-KR" dirty="0"/>
+              <a:t>SQL </a:t>
+            </a:r>
+            <a:r>
+              <a:rPr lang="ko-KR" altLang="en-US" dirty="0"/>
+              <a:t>결과 </a:t>
+            </a:r>
+            <a:r>
+              <a:rPr lang="en-US" altLang="ko-KR" dirty="0"/>
+              <a:t>: Table</a:t>
+            </a:r>
+            <a:r>
+              <a:rPr lang="en-US" altLang="ko-KR" dirty="0">
+                <a:latin typeface="맑은 고딕" panose="020B0503020000020004" pitchFamily="50" charset="-127"/>
+                <a:ea typeface="맑은 고딕" panose="020B0503020000020004" pitchFamily="50" charset="-127"/>
+              </a:rPr>
+              <a:t>.java</a:t>
+            </a:r>
+          </a:p>
+        </p:txBody>
+      </p:sp>
+    </p:spTree>
+    <p:extLst>
+      <p:ext uri="{BB962C8B-B14F-4D97-AF65-F5344CB8AC3E}">
+        <p14:creationId xmlns:p14="http://schemas.microsoft.com/office/powerpoint/2010/main" val="3826954321"/>
+      </p:ext>
+    </p:extLst>
+  </p:cSld>
+  <p:clrMapOvr>
+    <a:masterClrMapping/>
+  </p:clrMapOvr>
+  <mc:AlternateContent xmlns:mc="http://schemas.openxmlformats.org/markup-compatibility/2006" xmlns:p14="http://schemas.microsoft.com/office/powerpoint/2010/main">
+    <mc:Choice Requires="p14">
+      <p:transition spd="med" p14:dur="700">
+        <p:fade/>
+      </p:transition>
+    </mc:Choice>
+    <mc:Fallback xmlns="">
+      <p:transition spd="med">
+        <p:fade/>
+      </p:transition>
+    </mc:Fallback>
+  </mc:AlternateContent>
+</p:sld>
+</file>
+
+<file path=ppt/slides/slide16.xml><?xml version="1.0" encoding="utf-8"?>
+<p:sld xmlns:a="http://schemas.openxmlformats.org/drawingml/2006/main" xmlns:r="http://schemas.openxmlformats.org/officeDocument/2006/relationships" xmlns:p="http://schemas.openxmlformats.org/presentationml/2006/main">
+  <p:cSld>
+    <p:spTree>
+      <p:nvGrpSpPr>
+        <p:cNvPr id="1" name=""/>
+        <p:cNvGrpSpPr/>
+        <p:nvPr/>
+      </p:nvGrpSpPr>
+      <p:grpSpPr>
+        <a:xfrm>
+          <a:off x="0" y="0"/>
+          <a:ext cx="0" cy="0"/>
+          <a:chOff x="0" y="0"/>
+          <a:chExt cx="0" cy="0"/>
+        </a:xfrm>
+      </p:grpSpPr>
+      <p:sp>
+        <p:nvSpPr>
+          <p:cNvPr id="2" name="제목 1"/>
+          <p:cNvSpPr>
+            <a:spLocks noGrp="1"/>
+          </p:cNvSpPr>
+          <p:nvPr>
+            <p:ph type="title"/>
+          </p:nvPr>
+        </p:nvSpPr>
+        <p:spPr/>
+        <p:txBody>
+          <a:bodyPr rtlCol="0"/>
+          <a:lstStyle/>
+          <a:p>
+            <a:pPr rtl="0"/>
+            <a:r>
+              <a:rPr lang="ko-KR" altLang="en-US">
+                <a:latin typeface="맑은 고딕" panose="020B0503020000020004" pitchFamily="50" charset="-127"/>
+                <a:ea typeface="맑은 고딕" panose="020B0503020000020004" pitchFamily="50" charset="-127"/>
+              </a:rPr>
+              <a:t>출처</a:t>
+            </a:r>
+          </a:p>
+        </p:txBody>
+      </p:sp>
+      <p:sp>
+        <p:nvSpPr>
+          <p:cNvPr id="3" name="내용 개체 틀 2">
+            <a:extLst>
+              <a:ext uri="{FF2B5EF4-FFF2-40B4-BE49-F238E27FC236}">
+                <a16:creationId xmlns:a16="http://schemas.microsoft.com/office/drawing/2014/main" id="{DA62FCA6-426E-41D1-9AF7-D575B841741D}"/>
+              </a:ext>
+            </a:extLst>
+          </p:cNvPr>
+          <p:cNvSpPr>
+            <a:spLocks noGrp="1"/>
+          </p:cNvSpPr>
+          <p:nvPr>
+            <p:ph idx="1"/>
+          </p:nvPr>
+        </p:nvSpPr>
+        <p:spPr/>
+        <p:txBody>
+          <a:bodyPr/>
+          <a:lstStyle/>
+          <a:p>
+            <a:r>
+              <a:rPr lang="ko-KR" altLang="en-US" dirty="0"/>
+              <a:t>프레임워크가 구현할 기능 </a:t>
+            </a:r>
+            <a:r>
+              <a:rPr lang="en-US" altLang="ko-KR" dirty="0"/>
+              <a:t>- </a:t>
+            </a:r>
+            <a:r>
+              <a:rPr lang="en-US" altLang="ko-KR" dirty="0">
+                <a:latin typeface="맑은 고딕" panose="020B0503020000020004" pitchFamily="50" charset="-127"/>
+                <a:ea typeface="맑은 고딕" panose="020B0503020000020004" pitchFamily="50" charset="-127"/>
+              </a:rPr>
+              <a:t>SQL </a:t>
+            </a:r>
+            <a:r>
+              <a:rPr lang="ko-KR" altLang="en-US" dirty="0">
+                <a:latin typeface="맑은 고딕" panose="020B0503020000020004" pitchFamily="50" charset="-127"/>
+                <a:ea typeface="맑은 고딕" panose="020B0503020000020004" pitchFamily="50" charset="-127"/>
+              </a:rPr>
+              <a:t>결과</a:t>
+            </a:r>
+            <a:endParaRPr lang="en-US" altLang="ko-KR" dirty="0">
+              <a:latin typeface="맑은 고딕" panose="020B0503020000020004" pitchFamily="50" charset="-127"/>
+              <a:ea typeface="맑은 고딕" panose="020B0503020000020004" pitchFamily="50" charset="-127"/>
+            </a:endParaRPr>
+          </a:p>
+          <a:p>
+            <a:pPr lvl="1"/>
+            <a:r>
+              <a:rPr lang="en-US" altLang="ko-KR" dirty="0">
+                <a:hlinkClick r:id="rId3"/>
+              </a:rPr>
+              <a:t>http://www.tcpschool.com/mysql/mysql_intro_relationalDB</a:t>
+            </a:r>
+            <a:endParaRPr lang="en-US" altLang="ko-KR" dirty="0"/>
+          </a:p>
+          <a:p>
+            <a:endParaRPr lang="ko-KR" altLang="en-US" dirty="0"/>
+          </a:p>
+        </p:txBody>
+      </p:sp>
+    </p:spTree>
+    <p:extLst>
+      <p:ext uri="{BB962C8B-B14F-4D97-AF65-F5344CB8AC3E}">
+        <p14:creationId xmlns:p14="http://schemas.microsoft.com/office/powerpoint/2010/main" val="3164537775"/>
+      </p:ext>
+    </p:extLst>
+  </p:cSld>
+  <p:clrMapOvr>
+    <a:masterClrMapping/>
+  </p:clrMapOvr>
+  <mc:AlternateContent xmlns:mc="http://schemas.openxmlformats.org/markup-compatibility/2006" xmlns:p14="http://schemas.microsoft.com/office/powerpoint/2010/main">
+    <mc:Choice Requires="p14">
+      <p:transition spd="med" p14:dur="700">
+        <p:fade/>
+      </p:transition>
+    </mc:Choice>
+    <mc:Fallback xmlns="">
+      <p:transition spd="med">
+        <p:fade/>
+      </p:transition>
+    </mc:Fallback>
+  </mc:AlternateContent>
+</p:sld>
+</file>
+
+<file path=ppt/slides/slide2.xml><?xml version="1.0" encoding="utf-8"?>
+<p:sld xmlns:a="http://schemas.openxmlformats.org/drawingml/2006/main" xmlns:r="http://schemas.openxmlformats.org/officeDocument/2006/relationships" xmlns:p="http://schemas.openxmlformats.org/presentationml/2006/main">
+  <p:cSld>
+    <p:spTree>
+      <p:nvGrpSpPr>
+        <p:cNvPr id="1" name=""/>
+        <p:cNvGrpSpPr/>
+        <p:nvPr/>
+      </p:nvGrpSpPr>
+      <p:grpSpPr>
+        <a:xfrm>
+          <a:off x="0" y="0"/>
+          <a:ext cx="0" cy="0"/>
+          <a:chOff x="0" y="0"/>
+          <a:chExt cx="0" cy="0"/>
+        </a:xfrm>
+      </p:grpSpPr>
+      <p:sp>
+        <p:nvSpPr>
+          <p:cNvPr id="2" name="제목 1">
+            <a:extLst>
+              <a:ext uri="{FF2B5EF4-FFF2-40B4-BE49-F238E27FC236}">
+                <a16:creationId xmlns:a16="http://schemas.microsoft.com/office/drawing/2014/main" id="{BA5D0597-4C5A-4BCD-822E-643F66B48745}"/>
+              </a:ext>
+            </a:extLst>
+          </p:cNvPr>
+          <p:cNvSpPr>
+            <a:spLocks noGrp="1"/>
+          </p:cNvSpPr>
+          <p:nvPr>
+            <p:ph type="title"/>
+          </p:nvPr>
+        </p:nvSpPr>
+        <p:spPr/>
+        <p:txBody>
+          <a:bodyPr/>
+          <a:lstStyle/>
+          <a:p>
+            <a:r>
+              <a:rPr lang="en-US" altLang="ko-KR"/>
+              <a:t>A </a:t>
+            </a:r>
+            <a:r>
+              <a:rPr lang="ko-KR" altLang="en-US"/>
+              <a:t>모듈이 </a:t>
+            </a:r>
+            <a:r>
+              <a:rPr lang="en-US" altLang="ko-KR"/>
+              <a:t>B </a:t>
+            </a:r>
+            <a:r>
+              <a:rPr lang="ko-KR" altLang="en-US"/>
+              <a:t>모듈의 기능을 사용하는 방법</a:t>
+            </a:r>
+            <a:endParaRPr lang="ko-KR" altLang="en-US" dirty="0"/>
+          </a:p>
+        </p:txBody>
+      </p:sp>
+      <p:sp>
+        <p:nvSpPr>
+          <p:cNvPr id="3" name="내용 개체 틀 2">
+            <a:extLst>
+              <a:ext uri="{FF2B5EF4-FFF2-40B4-BE49-F238E27FC236}">
+                <a16:creationId xmlns:a16="http://schemas.microsoft.com/office/drawing/2014/main" id="{0C9231FF-28EB-4164-A188-3E920050747B}"/>
+              </a:ext>
+            </a:extLst>
+          </p:cNvPr>
+          <p:cNvSpPr>
+            <a:spLocks noGrp="1"/>
+          </p:cNvSpPr>
+          <p:nvPr>
+            <p:ph idx="1"/>
+          </p:nvPr>
+        </p:nvSpPr>
+        <p:spPr/>
+        <p:txBody>
+          <a:bodyPr>
+            <a:normAutofit/>
+          </a:bodyPr>
+          <a:lstStyle/>
+          <a:p>
+            <a:r>
+              <a:rPr lang="ko-KR" altLang="en-US"/>
+              <a:t>클래스지향</a:t>
+            </a:r>
+            <a:endParaRPr lang="en-US" altLang="ko-KR"/>
+          </a:p>
+          <a:p>
+            <a:pPr lvl="1"/>
+            <a:r>
+              <a:rPr lang="ko-KR" altLang="en-US"/>
+              <a:t>기능과 데이터가 컴파일 시점에 결정</a:t>
+            </a:r>
+            <a:endParaRPr lang="en-US" altLang="ko-KR"/>
+          </a:p>
+          <a:p>
+            <a:pPr lvl="1"/>
+            <a:r>
+              <a:rPr lang="ko-KR" altLang="en-US"/>
+              <a:t>링킹</a:t>
+            </a:r>
+            <a:r>
+              <a:rPr lang="en-US" altLang="ko-KR"/>
+              <a:t>(</a:t>
+            </a:r>
+            <a:r>
+              <a:rPr lang="ko-KR" altLang="en-US"/>
+              <a:t>정적바인딩</a:t>
+            </a:r>
+            <a:r>
+              <a:rPr lang="en-US" altLang="ko-KR"/>
+              <a:t>) -&gt; </a:t>
+            </a:r>
+            <a:r>
+              <a:rPr lang="ko-KR" altLang="en-US"/>
+              <a:t>순차적 실행</a:t>
+            </a:r>
+            <a:r>
+              <a:rPr lang="en-US" altLang="ko-KR"/>
+              <a:t>, </a:t>
+            </a:r>
+            <a:r>
+              <a:rPr lang="ko-KR" altLang="en-US"/>
+              <a:t>성능</a:t>
+            </a:r>
+            <a:endParaRPr lang="en-US" altLang="ko-KR"/>
+          </a:p>
+          <a:p>
+            <a:r>
+              <a:rPr lang="ko-KR" altLang="en-US"/>
+              <a:t>객체지향</a:t>
+            </a:r>
+            <a:endParaRPr lang="en-US" altLang="ko-KR"/>
+          </a:p>
+          <a:p>
+            <a:pPr lvl="1"/>
+            <a:r>
+              <a:rPr lang="ko-KR" altLang="en-US"/>
+              <a:t>기능과 데이터가 실행 시점에 결정</a:t>
+            </a:r>
+            <a:endParaRPr lang="en-US" altLang="ko-KR"/>
+          </a:p>
+          <a:p>
+            <a:pPr lvl="1"/>
+            <a:r>
+              <a:rPr lang="ko-KR" altLang="en-US"/>
+              <a:t>리플렉션</a:t>
+            </a:r>
+            <a:r>
+              <a:rPr lang="en-US" altLang="ko-KR"/>
+              <a:t>(</a:t>
+            </a:r>
+            <a:r>
+              <a:rPr lang="ko-KR" altLang="en-US"/>
+              <a:t>동적바인딩</a:t>
+            </a:r>
+            <a:r>
+              <a:rPr lang="en-US" altLang="ko-KR"/>
+              <a:t>) -&gt; </a:t>
+            </a:r>
+            <a:r>
+              <a:rPr lang="ko-KR" altLang="en-US"/>
+              <a:t>동적 실행</a:t>
+            </a:r>
+            <a:r>
+              <a:rPr lang="en-US" altLang="ko-KR"/>
+              <a:t>, </a:t>
+            </a:r>
+            <a:r>
+              <a:rPr lang="ko-KR" altLang="en-US"/>
+              <a:t>유연성</a:t>
+            </a:r>
+            <a:endParaRPr lang="en-US" altLang="ko-KR" dirty="0"/>
+          </a:p>
+        </p:txBody>
+      </p:sp>
+    </p:spTree>
+    <p:extLst>
+      <p:ext uri="{BB962C8B-B14F-4D97-AF65-F5344CB8AC3E}">
+        <p14:creationId xmlns:p14="http://schemas.microsoft.com/office/powerpoint/2010/main" val="1840469481"/>
+      </p:ext>
+    </p:extLst>
+  </p:cSld>
+  <p:clrMapOvr>
+    <a:masterClrMapping/>
+  </p:clrMapOvr>
+  <mc:AlternateContent xmlns:mc="http://schemas.openxmlformats.org/markup-compatibility/2006" xmlns:p14="http://schemas.microsoft.com/office/powerpoint/2010/main">
+    <mc:Choice Requires="p14">
+      <p:transition spd="med" p14:dur="700">
+        <p:fade/>
+      </p:transition>
+    </mc:Choice>
+    <mc:Fallback xmlns="">
+      <p:transition spd="med">
+        <p:fade/>
+      </p:transition>
+    </mc:Fallback>
+  </mc:AlternateContent>
+</p:sld>
+</file>
+
+<file path=ppt/slides/slide3.xml><?xml version="1.0" encoding="utf-8"?>
+<p:sld xmlns:a="http://schemas.openxmlformats.org/drawingml/2006/main" xmlns:r="http://schemas.openxmlformats.org/officeDocument/2006/relationships" xmlns:p="http://schemas.openxmlformats.org/presentationml/2006/main">
+  <p:cSld>
+    <p:spTree>
+      <p:nvGrpSpPr>
+        <p:cNvPr id="1" name=""/>
+        <p:cNvGrpSpPr/>
+        <p:nvPr/>
+      </p:nvGrpSpPr>
+      <p:grpSpPr>
+        <a:xfrm>
+          <a:off x="0" y="0"/>
+          <a:ext cx="0" cy="0"/>
+          <a:chOff x="0" y="0"/>
+          <a:chExt cx="0" cy="0"/>
+        </a:xfrm>
+      </p:grpSpPr>
+      <p:sp>
+        <p:nvSpPr>
+          <p:cNvPr id="2" name="제목 1">
+            <a:extLst>
+              <a:ext uri="{FF2B5EF4-FFF2-40B4-BE49-F238E27FC236}">
+                <a16:creationId xmlns:a16="http://schemas.microsoft.com/office/drawing/2014/main" id="{BA5D0597-4C5A-4BCD-822E-643F66B48745}"/>
+              </a:ext>
+            </a:extLst>
+          </p:cNvPr>
+          <p:cNvSpPr>
+            <a:spLocks noGrp="1"/>
+          </p:cNvSpPr>
+          <p:nvPr>
+            <p:ph type="title"/>
+          </p:nvPr>
+        </p:nvSpPr>
+        <p:spPr/>
+        <p:txBody>
+          <a:bodyPr/>
+          <a:lstStyle/>
+          <a:p>
+            <a:r>
+              <a:rPr lang="en-US" altLang="ko-KR"/>
+              <a:t>A </a:t>
+            </a:r>
+            <a:r>
+              <a:rPr lang="ko-KR" altLang="en-US"/>
+              <a:t>모듈이 </a:t>
+            </a:r>
+            <a:r>
+              <a:rPr lang="en-US" altLang="ko-KR"/>
+              <a:t>B </a:t>
+            </a:r>
+            <a:r>
+              <a:rPr lang="ko-KR" altLang="en-US"/>
+              <a:t>모듈의 기능을 사용하는 방법</a:t>
+            </a:r>
+            <a:endParaRPr lang="ko-KR" altLang="en-US" dirty="0"/>
+          </a:p>
+        </p:txBody>
+      </p:sp>
+      <p:sp>
+        <p:nvSpPr>
+          <p:cNvPr id="3" name="내용 개체 틀 2">
+            <a:extLst>
+              <a:ext uri="{FF2B5EF4-FFF2-40B4-BE49-F238E27FC236}">
+                <a16:creationId xmlns:a16="http://schemas.microsoft.com/office/drawing/2014/main" id="{0C9231FF-28EB-4164-A188-3E920050747B}"/>
+              </a:ext>
+            </a:extLst>
+          </p:cNvPr>
+          <p:cNvSpPr>
+            <a:spLocks noGrp="1"/>
+          </p:cNvSpPr>
+          <p:nvPr>
+            <p:ph idx="1"/>
+          </p:nvPr>
+        </p:nvSpPr>
+        <p:spPr/>
+        <p:txBody>
+          <a:bodyPr/>
+          <a:lstStyle/>
+          <a:p>
+            <a:r>
+              <a:rPr lang="ko-KR" altLang="en-US"/>
+              <a:t>이미 생성된 </a:t>
+            </a:r>
+            <a:r>
+              <a:rPr lang="en-US" altLang="ko-KR"/>
+              <a:t>B </a:t>
+            </a:r>
+            <a:r>
+              <a:rPr lang="ko-KR" altLang="en-US"/>
+              <a:t>모듈을 받아 특정 기능을 실행</a:t>
+            </a:r>
+            <a:endParaRPr lang="en-US" altLang="ko-KR"/>
+          </a:p>
+          <a:p>
+            <a:pPr lvl="1"/>
+            <a:r>
+              <a:rPr lang="ko-KR" altLang="en-US"/>
+              <a:t>파라메터</a:t>
+            </a:r>
+            <a:r>
+              <a:rPr lang="en-US" altLang="ko-KR"/>
+              <a:t>, AOP(ThreadLocal)</a:t>
+            </a:r>
+            <a:endParaRPr lang="en-US" altLang="ko-KR" dirty="0"/>
+          </a:p>
+          <a:p>
+            <a:r>
+              <a:rPr lang="en-US" altLang="ko-KR"/>
+              <a:t>B </a:t>
+            </a:r>
+            <a:r>
+              <a:rPr lang="ko-KR" altLang="en-US"/>
+              <a:t>모듈을 직접 생성하고 특정 기능을 실행</a:t>
+            </a:r>
+            <a:endParaRPr lang="en-US" altLang="ko-KR"/>
+          </a:p>
+          <a:p>
+            <a:pPr lvl="1"/>
+            <a:r>
+              <a:rPr lang="ko-KR" altLang="en-US"/>
+              <a:t>지역객체</a:t>
+            </a:r>
+            <a:r>
+              <a:rPr lang="en-US" altLang="ko-KR"/>
+              <a:t>, </a:t>
+            </a:r>
+            <a:r>
+              <a:rPr lang="ko-KR" altLang="en-US"/>
+              <a:t>멤버객체</a:t>
+            </a:r>
+            <a:endParaRPr lang="en-US" altLang="ko-KR"/>
+          </a:p>
+          <a:p>
+            <a:r>
+              <a:rPr lang="en-US" altLang="ko-KR"/>
+              <a:t>B </a:t>
+            </a:r>
+            <a:r>
+              <a:rPr lang="ko-KR" altLang="en-US"/>
+              <a:t>모듈의 생성과 특정 기능의 실행을 알아서 하는 기능 사용</a:t>
+            </a:r>
+            <a:endParaRPr lang="en-US" altLang="ko-KR"/>
+          </a:p>
+          <a:p>
+            <a:pPr lvl="1"/>
+            <a:r>
+              <a:rPr lang="en-US" altLang="ko-KR"/>
+              <a:t>IoC + DI</a:t>
+            </a:r>
+            <a:endParaRPr lang="en-US" altLang="ko-KR" dirty="0"/>
+          </a:p>
+        </p:txBody>
+      </p:sp>
+    </p:spTree>
+    <p:extLst>
+      <p:ext uri="{BB962C8B-B14F-4D97-AF65-F5344CB8AC3E}">
+        <p14:creationId xmlns:p14="http://schemas.microsoft.com/office/powerpoint/2010/main" val="404669511"/>
+      </p:ext>
+    </p:extLst>
+  </p:cSld>
+  <p:clrMapOvr>
+    <a:masterClrMapping/>
+  </p:clrMapOvr>
+  <mc:AlternateContent xmlns:mc="http://schemas.openxmlformats.org/markup-compatibility/2006" xmlns:p14="http://schemas.microsoft.com/office/powerpoint/2010/main">
+    <mc:Choice Requires="p14">
+      <p:transition spd="med" p14:dur="700">
+        <p:fade/>
+      </p:transition>
+    </mc:Choice>
+    <mc:Fallback xmlns="">
+      <p:transition spd="med">
+        <p:fade/>
+      </p:transition>
+    </mc:Fallback>
+  </mc:AlternateContent>
+</p:sld>
+</file>
+
+<file path=ppt/slides/slide4.xml><?xml version="1.0" encoding="utf-8"?>
+<p:sld xmlns:a="http://schemas.openxmlformats.org/drawingml/2006/main" xmlns:r="http://schemas.openxmlformats.org/officeDocument/2006/relationships" xmlns:p="http://schemas.openxmlformats.org/presentationml/2006/main">
+  <p:cSld>
+    <p:spTree>
+      <p:nvGrpSpPr>
+        <p:cNvPr id="1" name=""/>
+        <p:cNvGrpSpPr/>
+        <p:nvPr/>
+      </p:nvGrpSpPr>
+      <p:grpSpPr>
+        <a:xfrm>
+          <a:off x="0" y="0"/>
+          <a:ext cx="0" cy="0"/>
+          <a:chOff x="0" y="0"/>
+          <a:chExt cx="0" cy="0"/>
+        </a:xfrm>
+      </p:grpSpPr>
+      <p:sp>
+        <p:nvSpPr>
+          <p:cNvPr id="2" name="제목 1">
+            <a:extLst>
+              <a:ext uri="{FF2B5EF4-FFF2-40B4-BE49-F238E27FC236}">
+                <a16:creationId xmlns:a16="http://schemas.microsoft.com/office/drawing/2014/main" id="{BA5D0597-4C5A-4BCD-822E-643F66B48745}"/>
+              </a:ext>
+            </a:extLst>
+          </p:cNvPr>
+          <p:cNvSpPr>
+            <a:spLocks noGrp="1"/>
+          </p:cNvSpPr>
+          <p:nvPr>
+            <p:ph type="title"/>
+          </p:nvPr>
+        </p:nvSpPr>
+        <p:spPr/>
+        <p:txBody>
+          <a:bodyPr/>
+          <a:lstStyle/>
+          <a:p>
+            <a:r>
+              <a:rPr lang="ko-KR" altLang="en-US"/>
+              <a:t>의존</a:t>
+            </a:r>
+            <a:r>
+              <a:rPr lang="en-US" altLang="ko-KR"/>
+              <a:t>, </a:t>
+            </a:r>
+            <a:r>
+              <a:rPr lang="ko-KR" altLang="en-US"/>
+              <a:t>주입</a:t>
+            </a:r>
+            <a:r>
+              <a:rPr lang="en-US" altLang="ko-KR"/>
+              <a:t>, </a:t>
+            </a:r>
+            <a:r>
+              <a:rPr lang="ko-KR" altLang="en-US"/>
+              <a:t>제어</a:t>
+            </a:r>
+            <a:endParaRPr lang="ko-KR" altLang="en-US" dirty="0"/>
+          </a:p>
+        </p:txBody>
+      </p:sp>
+      <p:sp>
+        <p:nvSpPr>
+          <p:cNvPr id="3" name="내용 개체 틀 2">
+            <a:extLst>
+              <a:ext uri="{FF2B5EF4-FFF2-40B4-BE49-F238E27FC236}">
+                <a16:creationId xmlns:a16="http://schemas.microsoft.com/office/drawing/2014/main" id="{0C9231FF-28EB-4164-A188-3E920050747B}"/>
+              </a:ext>
+            </a:extLst>
+          </p:cNvPr>
+          <p:cNvSpPr>
+            <a:spLocks noGrp="1"/>
+          </p:cNvSpPr>
+          <p:nvPr>
+            <p:ph idx="1"/>
+          </p:nvPr>
+        </p:nvSpPr>
+        <p:spPr/>
+        <p:txBody>
+          <a:bodyPr>
+            <a:normAutofit/>
+          </a:bodyPr>
+          <a:lstStyle/>
+          <a:p>
+            <a:r>
+              <a:rPr lang="en-US" altLang="ko-KR"/>
+              <a:t>A </a:t>
+            </a:r>
+            <a:r>
+              <a:rPr lang="ko-KR" altLang="en-US"/>
+              <a:t>가 </a:t>
+            </a:r>
+            <a:r>
+              <a:rPr lang="en-US" altLang="ko-KR"/>
+              <a:t>B </a:t>
+            </a:r>
+            <a:r>
+              <a:rPr lang="ko-KR" altLang="en-US"/>
+              <a:t>에 의존한다</a:t>
+            </a:r>
+            <a:r>
+              <a:rPr lang="en-US" altLang="ko-KR"/>
+              <a:t>.</a:t>
+            </a:r>
+          </a:p>
+          <a:p>
+            <a:pPr lvl="1"/>
+            <a:r>
+              <a:rPr lang="en-US" altLang="ko-KR"/>
+              <a:t> A </a:t>
+            </a:r>
+            <a:r>
+              <a:rPr lang="ko-KR" altLang="en-US"/>
+              <a:t>가 </a:t>
+            </a:r>
+            <a:r>
+              <a:rPr lang="en-US" altLang="ko-KR"/>
+              <a:t>B </a:t>
+            </a:r>
+            <a:r>
+              <a:rPr lang="ko-KR" altLang="en-US"/>
+              <a:t>의 기능을 이용한다</a:t>
+            </a:r>
+            <a:r>
+              <a:rPr lang="en-US" altLang="ko-KR"/>
+              <a:t>.</a:t>
+            </a:r>
+          </a:p>
+          <a:p>
+            <a:r>
+              <a:rPr lang="en-US" altLang="ko-KR"/>
+              <a:t>A </a:t>
+            </a:r>
+            <a:r>
+              <a:rPr lang="ko-KR" altLang="en-US"/>
+              <a:t>에 </a:t>
+            </a:r>
+            <a:r>
+              <a:rPr lang="en-US" altLang="ko-KR"/>
+              <a:t>B </a:t>
+            </a:r>
+            <a:r>
+              <a:rPr lang="ko-KR" altLang="en-US"/>
+              <a:t>를 주입한다</a:t>
+            </a:r>
+            <a:r>
+              <a:rPr lang="en-US" altLang="ko-KR"/>
+              <a:t>.</a:t>
+            </a:r>
+          </a:p>
+          <a:p>
+            <a:pPr lvl="1"/>
+            <a:r>
+              <a:rPr lang="en-US" altLang="ko-KR"/>
+              <a:t> A </a:t>
+            </a:r>
+            <a:r>
+              <a:rPr lang="ko-KR" altLang="en-US"/>
+              <a:t>에서 </a:t>
+            </a:r>
+            <a:r>
+              <a:rPr lang="en-US" altLang="ko-KR"/>
+              <a:t>B </a:t>
+            </a:r>
+            <a:r>
+              <a:rPr lang="ko-KR" altLang="en-US"/>
+              <a:t>의 기능을 실행할 수 있도록 구성한다</a:t>
+            </a:r>
+            <a:r>
+              <a:rPr lang="en-US" altLang="ko-KR"/>
+              <a:t>.</a:t>
+            </a:r>
+          </a:p>
+          <a:p>
+            <a:r>
+              <a:rPr lang="en-US" altLang="ko-KR"/>
+              <a:t>A </a:t>
+            </a:r>
+            <a:r>
+              <a:rPr lang="ko-KR" altLang="en-US"/>
+              <a:t>가 </a:t>
+            </a:r>
+            <a:r>
+              <a:rPr lang="en-US" altLang="ko-KR"/>
+              <a:t>B </a:t>
+            </a:r>
+            <a:r>
+              <a:rPr lang="ko-KR" altLang="en-US"/>
+              <a:t>를 제어한다</a:t>
+            </a:r>
+            <a:r>
+              <a:rPr lang="en-US" altLang="ko-KR"/>
+              <a:t>.</a:t>
+            </a:r>
+          </a:p>
+          <a:p>
+            <a:pPr lvl="1"/>
+            <a:r>
+              <a:rPr lang="en-US" altLang="ko-KR"/>
+              <a:t>A </a:t>
+            </a:r>
+            <a:r>
+              <a:rPr lang="ko-KR" altLang="en-US"/>
+              <a:t>가 </a:t>
+            </a:r>
+            <a:r>
+              <a:rPr lang="en-US" altLang="ko-KR"/>
+              <a:t>B </a:t>
+            </a:r>
+            <a:r>
+              <a:rPr lang="ko-KR" altLang="en-US"/>
+              <a:t>의 기능을 실행할 수 있게 해준다</a:t>
+            </a:r>
+            <a:r>
+              <a:rPr lang="en-US" altLang="ko-KR"/>
+              <a:t>.</a:t>
+            </a:r>
+          </a:p>
+        </p:txBody>
+      </p:sp>
+    </p:spTree>
+    <p:extLst>
+      <p:ext uri="{BB962C8B-B14F-4D97-AF65-F5344CB8AC3E}">
+        <p14:creationId xmlns:p14="http://schemas.microsoft.com/office/powerpoint/2010/main" val="3028442928"/>
+      </p:ext>
+    </p:extLst>
+  </p:cSld>
+  <p:clrMapOvr>
+    <a:masterClrMapping/>
+  </p:clrMapOvr>
+  <mc:AlternateContent xmlns:mc="http://schemas.openxmlformats.org/markup-compatibility/2006" xmlns:p14="http://schemas.microsoft.com/office/powerpoint/2010/main">
+    <mc:Choice Requires="p14">
+      <p:transition spd="med" p14:dur="700">
+        <p:fade/>
+      </p:transition>
+    </mc:Choice>
+    <mc:Fallback xmlns="">
+      <p:transition spd="med">
+        <p:fade/>
+      </p:transition>
+    </mc:Fallback>
+  </mc:AlternateContent>
+</p:sld>
+</file>
+
+<file path=ppt/slides/slide5.xml><?xml version="1.0" encoding="utf-8"?>
+<p:sld xmlns:a="http://schemas.openxmlformats.org/drawingml/2006/main" xmlns:r="http://schemas.openxmlformats.org/officeDocument/2006/relationships" xmlns:p="http://schemas.openxmlformats.org/presentationml/2006/main">
+  <p:cSld>
+    <p:spTree>
+      <p:nvGrpSpPr>
+        <p:cNvPr id="1" name=""/>
+        <p:cNvGrpSpPr/>
+        <p:nvPr/>
+      </p:nvGrpSpPr>
+      <p:grpSpPr>
+        <a:xfrm>
+          <a:off x="0" y="0"/>
+          <a:ext cx="0" cy="0"/>
+          <a:chOff x="0" y="0"/>
+          <a:chExt cx="0" cy="0"/>
+        </a:xfrm>
+      </p:grpSpPr>
+      <p:sp>
+        <p:nvSpPr>
+          <p:cNvPr id="2" name="제목 1">
+            <a:extLst>
+              <a:ext uri="{FF2B5EF4-FFF2-40B4-BE49-F238E27FC236}">
+                <a16:creationId xmlns:a16="http://schemas.microsoft.com/office/drawing/2014/main" id="{BA5D0597-4C5A-4BCD-822E-643F66B48745}"/>
+              </a:ext>
+            </a:extLst>
+          </p:cNvPr>
+          <p:cNvSpPr>
+            <a:spLocks noGrp="1"/>
+          </p:cNvSpPr>
+          <p:nvPr>
+            <p:ph type="title"/>
+          </p:nvPr>
+        </p:nvSpPr>
+        <p:spPr/>
+        <p:txBody>
+          <a:bodyPr>
+            <a:normAutofit/>
+          </a:bodyPr>
+          <a:lstStyle/>
+          <a:p>
+            <a:r>
+              <a:rPr lang="ko-KR" altLang="en-US"/>
+              <a:t>의존성주입 </a:t>
+            </a:r>
+            <a:r>
+              <a:rPr lang="en-US" altLang="ko-KR"/>
+              <a:t>(DI, Dependency Injection)</a:t>
+            </a:r>
+            <a:endParaRPr lang="ko-KR" altLang="en-US" dirty="0"/>
+          </a:p>
+        </p:txBody>
+      </p:sp>
+      <p:sp>
+        <p:nvSpPr>
+          <p:cNvPr id="3" name="내용 개체 틀 2">
+            <a:extLst>
+              <a:ext uri="{FF2B5EF4-FFF2-40B4-BE49-F238E27FC236}">
+                <a16:creationId xmlns:a16="http://schemas.microsoft.com/office/drawing/2014/main" id="{0C9231FF-28EB-4164-A188-3E920050747B}"/>
+              </a:ext>
+            </a:extLst>
+          </p:cNvPr>
+          <p:cNvSpPr>
+            <a:spLocks noGrp="1"/>
+          </p:cNvSpPr>
+          <p:nvPr>
+            <p:ph idx="1"/>
+          </p:nvPr>
+        </p:nvSpPr>
+        <p:spPr/>
+        <p:txBody>
+          <a:bodyPr>
+            <a:normAutofit/>
+          </a:bodyPr>
+          <a:lstStyle/>
+          <a:p>
+            <a:r>
+              <a:rPr lang="ko-KR" altLang="en-US"/>
+              <a:t>의존성 주입 </a:t>
+            </a:r>
+            <a:r>
+              <a:rPr lang="en-US" altLang="ko-KR"/>
+              <a:t>(DI, Dependency Injection)</a:t>
+            </a:r>
+            <a:endParaRPr lang="ko-KR" altLang="en-US"/>
+          </a:p>
+          <a:p>
+            <a:pPr lvl="1"/>
+            <a:r>
+              <a:rPr lang="ko-KR" altLang="en-US"/>
+              <a:t>어떤 기능을 사용할 지 알려준다</a:t>
+            </a:r>
+            <a:r>
+              <a:rPr lang="en-US" altLang="ko-KR"/>
+              <a:t>.</a:t>
+            </a:r>
+          </a:p>
+          <a:p>
+            <a:pPr lvl="1"/>
+            <a:r>
+              <a:rPr lang="ko-KR" altLang="en-US"/>
+              <a:t>서비스키</a:t>
+            </a:r>
+            <a:endParaRPr lang="en-US" altLang="ko-KR"/>
+          </a:p>
+          <a:p>
+            <a:pPr lvl="2"/>
+            <a:r>
+              <a:rPr lang="en-US" altLang="ko-KR"/>
+              <a:t>http://localhost:18080/waf/welcome </a:t>
+            </a:r>
+          </a:p>
+          <a:p>
+            <a:pPr lvl="2"/>
+            <a:r>
+              <a:rPr lang="en-US" altLang="ko-KR"/>
+              <a:t>http://localhost:18080/waf/emp00110</a:t>
+            </a:r>
+          </a:p>
+          <a:p>
+            <a:pPr lvl="2"/>
+            <a:r>
+              <a:rPr lang="en-US" altLang="ko-KR"/>
+              <a:t>http://localhost:18080/waf/login</a:t>
+            </a:r>
+          </a:p>
+        </p:txBody>
+      </p:sp>
+    </p:spTree>
+    <p:extLst>
+      <p:ext uri="{BB962C8B-B14F-4D97-AF65-F5344CB8AC3E}">
+        <p14:creationId xmlns:p14="http://schemas.microsoft.com/office/powerpoint/2010/main" val="1147135051"/>
+      </p:ext>
+    </p:extLst>
+  </p:cSld>
+  <p:clrMapOvr>
+    <a:masterClrMapping/>
+  </p:clrMapOvr>
+  <mc:AlternateContent xmlns:mc="http://schemas.openxmlformats.org/markup-compatibility/2006" xmlns:p14="http://schemas.microsoft.com/office/powerpoint/2010/main">
+    <mc:Choice Requires="p14">
+      <p:transition spd="med" p14:dur="700">
+        <p:fade/>
+      </p:transition>
+    </mc:Choice>
+    <mc:Fallback xmlns="">
+      <p:transition spd="med">
+        <p:fade/>
+      </p:transition>
+    </mc:Fallback>
+  </mc:AlternateContent>
+</p:sld>
+</file>
+
+<file path=ppt/slides/slide6.xml><?xml version="1.0" encoding="utf-8"?>
+<p:sld xmlns:a="http://schemas.openxmlformats.org/drawingml/2006/main" xmlns:r="http://schemas.openxmlformats.org/officeDocument/2006/relationships" xmlns:p="http://schemas.openxmlformats.org/presentationml/2006/main">
+  <p:cSld>
+    <p:spTree>
+      <p:nvGrpSpPr>
+        <p:cNvPr id="1" name=""/>
+        <p:cNvGrpSpPr/>
+        <p:nvPr/>
+      </p:nvGrpSpPr>
+      <p:grpSpPr>
+        <a:xfrm>
+          <a:off x="0" y="0"/>
+          <a:ext cx="0" cy="0"/>
+          <a:chOff x="0" y="0"/>
+          <a:chExt cx="0" cy="0"/>
+        </a:xfrm>
+      </p:grpSpPr>
+      <p:sp>
+        <p:nvSpPr>
+          <p:cNvPr id="2" name="제목 1">
+            <a:extLst>
+              <a:ext uri="{FF2B5EF4-FFF2-40B4-BE49-F238E27FC236}">
+                <a16:creationId xmlns:a16="http://schemas.microsoft.com/office/drawing/2014/main" id="{BA5D0597-4C5A-4BCD-822E-643F66B48745}"/>
+              </a:ext>
+            </a:extLst>
+          </p:cNvPr>
+          <p:cNvSpPr>
+            <a:spLocks noGrp="1"/>
+          </p:cNvSpPr>
+          <p:nvPr>
+            <p:ph type="title"/>
+          </p:nvPr>
+        </p:nvSpPr>
+        <p:spPr/>
+        <p:txBody>
+          <a:bodyPr>
+            <a:normAutofit/>
+          </a:bodyPr>
+          <a:lstStyle/>
+          <a:p>
+            <a:r>
+              <a:rPr lang="ko-KR" altLang="en-US"/>
+              <a:t>역전제어 </a:t>
+            </a:r>
+            <a:r>
+              <a:rPr lang="en-US" altLang="ko-KR"/>
+              <a:t>(IoC, Inversion of Control)</a:t>
+            </a:r>
+            <a:endParaRPr lang="ko-KR" altLang="en-US" dirty="0"/>
+          </a:p>
+        </p:txBody>
+      </p:sp>
+      <p:sp>
+        <p:nvSpPr>
+          <p:cNvPr id="3" name="내용 개체 틀 2">
+            <a:extLst>
+              <a:ext uri="{FF2B5EF4-FFF2-40B4-BE49-F238E27FC236}">
+                <a16:creationId xmlns:a16="http://schemas.microsoft.com/office/drawing/2014/main" id="{0C9231FF-28EB-4164-A188-3E920050747B}"/>
+              </a:ext>
+            </a:extLst>
+          </p:cNvPr>
+          <p:cNvSpPr>
+            <a:spLocks noGrp="1"/>
+          </p:cNvSpPr>
+          <p:nvPr>
+            <p:ph idx="1"/>
+          </p:nvPr>
+        </p:nvSpPr>
+        <p:spPr/>
+        <p:txBody>
+          <a:bodyPr>
+            <a:normAutofit/>
+          </a:bodyPr>
+          <a:lstStyle/>
+          <a:p>
+            <a:r>
+              <a:rPr lang="ko-KR" altLang="en-US"/>
+              <a:t>역전제어 </a:t>
+            </a:r>
+            <a:r>
+              <a:rPr lang="en-US" altLang="ko-KR"/>
+              <a:t>(IoC, Inversion of Control)</a:t>
+            </a:r>
+          </a:p>
+          <a:p>
+            <a:pPr lvl="1"/>
+            <a:r>
+              <a:rPr lang="ko-KR" altLang="en-US"/>
+              <a:t>요청한 기능을 개발자가 실행하지 않는다</a:t>
+            </a:r>
+            <a:r>
+              <a:rPr lang="en-US" altLang="ko-KR"/>
+              <a:t>.</a:t>
+            </a:r>
+          </a:p>
+          <a:p>
+            <a:pPr lvl="1"/>
+            <a:r>
+              <a:rPr lang="ko-KR" altLang="en-US"/>
+              <a:t>요청한 기능을 컴파일 시점에 결정하지 않는다</a:t>
+            </a:r>
+            <a:r>
+              <a:rPr lang="en-US" altLang="ko-KR"/>
+              <a:t>.</a:t>
+            </a:r>
+          </a:p>
+          <a:p>
+            <a:pPr lvl="1"/>
+            <a:r>
+              <a:rPr lang="en-US" altLang="ko-KR"/>
+              <a:t>MasterController.execute(“welcome")</a:t>
+            </a:r>
+          </a:p>
+          <a:p>
+            <a:pPr lvl="1"/>
+            <a:r>
+              <a:rPr lang="en-US" altLang="ko-KR"/>
+              <a:t>MasterController.execute(“emp00110")</a:t>
+            </a:r>
+          </a:p>
+          <a:p>
+            <a:pPr lvl="1"/>
+            <a:r>
+              <a:rPr lang="en-US" altLang="ko-KR"/>
+              <a:t>MasterController.execute(“login")</a:t>
+            </a:r>
+          </a:p>
+          <a:p>
+            <a:pPr lvl="1"/>
+            <a:endParaRPr lang="en-US" altLang="ko-KR"/>
+          </a:p>
+        </p:txBody>
+      </p:sp>
+    </p:spTree>
+    <p:extLst>
+      <p:ext uri="{BB962C8B-B14F-4D97-AF65-F5344CB8AC3E}">
+        <p14:creationId xmlns:p14="http://schemas.microsoft.com/office/powerpoint/2010/main" val="2019822412"/>
+      </p:ext>
+    </p:extLst>
+  </p:cSld>
+  <p:clrMapOvr>
+    <a:masterClrMapping/>
+  </p:clrMapOvr>
+  <mc:AlternateContent xmlns:mc="http://schemas.openxmlformats.org/markup-compatibility/2006" xmlns:p14="http://schemas.microsoft.com/office/powerpoint/2010/main">
+    <mc:Choice Requires="p14">
+      <p:transition spd="med" p14:dur="700">
+        <p:fade/>
+      </p:transition>
+    </mc:Choice>
+    <mc:Fallback xmlns="">
+      <p:transition spd="med">
+        <p:fade/>
+      </p:transition>
+    </mc:Fallback>
+  </mc:AlternateContent>
+</p:sld>
+</file>
+
+<file path=ppt/slides/slide7.xml><?xml version="1.0" encoding="utf-8"?>
+<p:sld xmlns:a="http://schemas.openxmlformats.org/drawingml/2006/main" xmlns:r="http://schemas.openxmlformats.org/officeDocument/2006/relationships" xmlns:p="http://schemas.openxmlformats.org/presentationml/2006/main">
+  <p:cSld>
+    <p:spTree>
+      <p:nvGrpSpPr>
+        <p:cNvPr id="1" name=""/>
+        <p:cNvGrpSpPr/>
+        <p:nvPr/>
+      </p:nvGrpSpPr>
+      <p:grpSpPr>
+        <a:xfrm>
+          <a:off x="0" y="0"/>
+          <a:ext cx="0" cy="0"/>
+          <a:chOff x="0" y="0"/>
+          <a:chExt cx="0" cy="0"/>
+        </a:xfrm>
+      </p:grpSpPr>
+      <p:sp>
+        <p:nvSpPr>
+          <p:cNvPr id="2" name="제목 1"/>
+          <p:cNvSpPr>
+            <a:spLocks noGrp="1"/>
+          </p:cNvSpPr>
+          <p:nvPr>
+            <p:ph type="title"/>
+          </p:nvPr>
+        </p:nvSpPr>
+        <p:spPr/>
+        <p:txBody>
+          <a:bodyPr rtlCol="0"/>
+          <a:lstStyle/>
+          <a:p>
+            <a:pPr rtl="0"/>
+            <a:r>
+              <a:rPr lang="en-US" altLang="ko-KR">
+                <a:latin typeface="맑은 고딕" panose="020B0503020000020004" pitchFamily="50" charset="-127"/>
+                <a:ea typeface="맑은 고딕" panose="020B0503020000020004" pitchFamily="50" charset="-127"/>
+              </a:rPr>
+              <a:t>DI (</a:t>
+            </a:r>
+            <a:r>
+              <a:rPr lang="ko-KR" altLang="en-US">
+                <a:latin typeface="맑은 고딕" panose="020B0503020000020004" pitchFamily="50" charset="-127"/>
+                <a:ea typeface="맑은 고딕" panose="020B0503020000020004" pitchFamily="50" charset="-127"/>
+              </a:rPr>
+              <a:t>어쩌구</a:t>
+            </a:r>
+            <a:r>
+              <a:rPr lang="en-US" altLang="ko-KR">
+                <a:latin typeface="맑은 고딕" panose="020B0503020000020004" pitchFamily="50" charset="-127"/>
+                <a:ea typeface="맑은 고딕" panose="020B0503020000020004" pitchFamily="50" charset="-127"/>
+              </a:rPr>
+              <a:t>)</a:t>
+            </a:r>
+            <a:endParaRPr lang="ko-KR" altLang="en-US" dirty="0">
+              <a:latin typeface="맑은 고딕" panose="020B0503020000020004" pitchFamily="50" charset="-127"/>
+              <a:ea typeface="맑은 고딕" panose="020B0503020000020004" pitchFamily="50" charset="-127"/>
+            </a:endParaRPr>
+          </a:p>
+        </p:txBody>
+      </p:sp>
+      <p:sp>
+        <p:nvSpPr>
+          <p:cNvPr id="3" name="내용 개체 틀 2"/>
+          <p:cNvSpPr>
+            <a:spLocks noGrp="1"/>
+          </p:cNvSpPr>
+          <p:nvPr>
+            <p:ph idx="1"/>
+          </p:nvPr>
+        </p:nvSpPr>
+        <p:spPr/>
+        <p:txBody>
+          <a:bodyPr rtlCol="0">
+            <a:normAutofit/>
+          </a:bodyPr>
+          <a:lstStyle/>
+          <a:p>
+            <a:pPr rtl="0"/>
+            <a:r>
+              <a:rPr lang="ko-KR" altLang="en-US" dirty="0">
+                <a:latin typeface="맑은 고딕" panose="020B0503020000020004" pitchFamily="50" charset="-127"/>
+                <a:ea typeface="맑은 고딕" panose="020B0503020000020004" pitchFamily="50" charset="-127"/>
+              </a:rPr>
+              <a:t>트랜잭션</a:t>
+            </a:r>
+            <a:endParaRPr lang="en-US" altLang="ko-KR" dirty="0">
+              <a:latin typeface="맑은 고딕" panose="020B0503020000020004" pitchFamily="50" charset="-127"/>
+              <a:ea typeface="맑은 고딕" panose="020B0503020000020004" pitchFamily="50" charset="-127"/>
+            </a:endParaRPr>
+          </a:p>
+          <a:p>
+            <a:pPr lvl="1"/>
+            <a:r>
+              <a:rPr lang="ko-KR" altLang="en-US" dirty="0"/>
+              <a:t>한 개 이상의 </a:t>
+            </a:r>
+            <a:r>
+              <a:rPr lang="en-US" altLang="ko-KR" dirty="0"/>
+              <a:t>SQL </a:t>
+            </a:r>
+            <a:r>
+              <a:rPr lang="ko-KR" altLang="en-US" dirty="0"/>
+              <a:t>이 논리적으로 묶인 단위 </a:t>
+            </a:r>
+            <a:r>
+              <a:rPr lang="en-US" altLang="ko-KR" dirty="0"/>
+              <a:t>(</a:t>
+            </a:r>
+            <a:r>
+              <a:rPr lang="en-US" altLang="ko-KR" dirty="0">
+                <a:solidFill>
+                  <a:srgbClr val="FF0000"/>
+                </a:solidFill>
+              </a:rPr>
+              <a:t>ALL or NOTHING</a:t>
+            </a:r>
+            <a:r>
+              <a:rPr lang="en-US" altLang="ko-KR" dirty="0"/>
+              <a:t>)</a:t>
+            </a:r>
+          </a:p>
+          <a:p>
+            <a:pPr lvl="1"/>
+            <a:r>
+              <a:rPr lang="en-US" altLang="ko-KR" dirty="0">
+                <a:latin typeface="맑은 고딕" panose="020B0503020000020004" pitchFamily="50" charset="-127"/>
+                <a:ea typeface="맑은 고딕" panose="020B0503020000020004" pitchFamily="50" charset="-127"/>
+              </a:rPr>
+              <a:t>ACID : </a:t>
+            </a:r>
+            <a:r>
+              <a:rPr lang="ko-KR" altLang="en-US" dirty="0">
+                <a:latin typeface="맑은 고딕" panose="020B0503020000020004" pitchFamily="50" charset="-127"/>
+                <a:ea typeface="맑은 고딕" panose="020B0503020000020004" pitchFamily="50" charset="-127"/>
+              </a:rPr>
+              <a:t>트랜잭션이 가져야 할 조건</a:t>
+            </a:r>
+            <a:endParaRPr lang="en-US" altLang="ko-KR" dirty="0">
+              <a:latin typeface="맑은 고딕" panose="020B0503020000020004" pitchFamily="50" charset="-127"/>
+              <a:ea typeface="맑은 고딕" panose="020B0503020000020004" pitchFamily="50" charset="-127"/>
+            </a:endParaRPr>
+          </a:p>
+          <a:p>
+            <a:pPr lvl="1"/>
+            <a:r>
+              <a:rPr lang="en-US" altLang="ko-KR" dirty="0">
+                <a:latin typeface="맑은 고딕" panose="020B0503020000020004" pitchFamily="50" charset="-127"/>
+                <a:ea typeface="맑은 고딕" panose="020B0503020000020004" pitchFamily="50" charset="-127"/>
+              </a:rPr>
+              <a:t>LDIC : </a:t>
+            </a:r>
+            <a:r>
+              <a:rPr lang="ko-KR" altLang="en-US" dirty="0">
+                <a:latin typeface="맑은 고딕" panose="020B0503020000020004" pitchFamily="50" charset="-127"/>
+                <a:ea typeface="맑은 고딕" panose="020B0503020000020004" pitchFamily="50" charset="-127"/>
+              </a:rPr>
+              <a:t>트랜잭션 직렬성을 위해 하지 말아야 할 조건</a:t>
+            </a:r>
+            <a:endParaRPr lang="en-US" altLang="ko-KR" dirty="0">
+              <a:latin typeface="맑은 고딕" panose="020B0503020000020004" pitchFamily="50" charset="-127"/>
+              <a:ea typeface="맑은 고딕" panose="020B0503020000020004" pitchFamily="50" charset="-127"/>
+            </a:endParaRPr>
+          </a:p>
+          <a:p>
+            <a:pPr lvl="1"/>
+            <a:r>
+              <a:rPr lang="en-US" altLang="ko-KR" dirty="0"/>
+              <a:t>MVCC</a:t>
+            </a:r>
+            <a:r>
+              <a:rPr lang="ko-KR" altLang="en-US" dirty="0"/>
+              <a:t> </a:t>
+            </a:r>
+            <a:r>
+              <a:rPr lang="en-US" altLang="ko-KR" dirty="0"/>
+              <a:t>:</a:t>
+            </a:r>
+            <a:r>
+              <a:rPr lang="ko-KR" altLang="en-US" dirty="0"/>
+              <a:t> 로그선행기록</a:t>
+            </a:r>
+            <a:r>
+              <a:rPr lang="en-US" altLang="ko-KR" dirty="0"/>
+              <a:t>(WAL), </a:t>
+            </a:r>
+            <a:r>
+              <a:rPr lang="ko-KR" altLang="en-US" dirty="0"/>
+              <a:t>조회성능향상</a:t>
+            </a:r>
+            <a:endParaRPr lang="ko-KR" altLang="en-US" dirty="0">
+              <a:latin typeface="맑은 고딕" panose="020B0503020000020004" pitchFamily="50" charset="-127"/>
+              <a:ea typeface="맑은 고딕" panose="020B0503020000020004" pitchFamily="50" charset="-127"/>
+            </a:endParaRPr>
+          </a:p>
+        </p:txBody>
+      </p:sp>
+    </p:spTree>
+    <p:extLst>
+      <p:ext uri="{BB962C8B-B14F-4D97-AF65-F5344CB8AC3E}">
+        <p14:creationId xmlns:p14="http://schemas.microsoft.com/office/powerpoint/2010/main" val="3984617762"/>
+      </p:ext>
+    </p:extLst>
+  </p:cSld>
+  <p:clrMapOvr>
+    <a:masterClrMapping/>
+  </p:clrMapOvr>
+  <mc:AlternateContent xmlns:mc="http://schemas.openxmlformats.org/markup-compatibility/2006" xmlns:p14="http://schemas.microsoft.com/office/powerpoint/2010/main">
+    <mc:Choice Requires="p14">
+      <p:transition spd="med" p14:dur="700">
+        <p:fade/>
+      </p:transition>
+    </mc:Choice>
+    <mc:Fallback xmlns="">
+      <p:transition spd="med">
+        <p:fade/>
+      </p:transition>
+    </mc:Fallback>
+  </mc:AlternateContent>
+</p:sld>
+</file>
+
+<file path=ppt/slides/slide8.xml><?xml version="1.0" encoding="utf-8"?>
+<p:sld xmlns:a="http://schemas.openxmlformats.org/drawingml/2006/main" xmlns:r="http://schemas.openxmlformats.org/officeDocument/2006/relationships" xmlns:p="http://schemas.openxmlformats.org/presentationml/2006/main">
+  <p:cSld>
+    <p:spTree>
+      <p:nvGrpSpPr>
+        <p:cNvPr id="1" name=""/>
+        <p:cNvGrpSpPr/>
+        <p:nvPr/>
+      </p:nvGrpSpPr>
+      <p:grpSpPr>
+        <a:xfrm>
+          <a:off x="0" y="0"/>
+          <a:ext cx="0" cy="0"/>
+          <a:chOff x="0" y="0"/>
+          <a:chExt cx="0" cy="0"/>
+        </a:xfrm>
+      </p:grpSpPr>
+      <p:sp>
+        <p:nvSpPr>
+          <p:cNvPr id="2" name="제목 1"/>
+          <p:cNvSpPr>
+            <a:spLocks noGrp="1"/>
+          </p:cNvSpPr>
+          <p:nvPr>
+            <p:ph type="title"/>
+          </p:nvPr>
+        </p:nvSpPr>
+        <p:spPr/>
+        <p:txBody>
+          <a:bodyPr rtlCol="0"/>
+          <a:lstStyle/>
+          <a:p>
+            <a:pPr rtl="0"/>
+            <a:r>
+              <a:rPr lang="ko-KR" altLang="en-US" dirty="0"/>
+              <a:t>일관성과 무결성을 위해 </a:t>
+            </a:r>
+            <a:r>
+              <a:rPr lang="en-US" altLang="ko-KR" dirty="0">
+                <a:latin typeface="맑은 고딕" panose="020B0503020000020004" pitchFamily="50" charset="-127"/>
+                <a:ea typeface="맑은 고딕" panose="020B0503020000020004" pitchFamily="50" charset="-127"/>
+              </a:rPr>
+              <a:t>DBMS </a:t>
+            </a:r>
+            <a:r>
+              <a:rPr lang="ko-KR" altLang="en-US" dirty="0">
+                <a:latin typeface="맑은 고딕" panose="020B0503020000020004" pitchFamily="50" charset="-127"/>
+                <a:ea typeface="맑은 고딕" panose="020B0503020000020004" pitchFamily="50" charset="-127"/>
+              </a:rPr>
+              <a:t>가 제공하는 기능</a:t>
+            </a:r>
+          </a:p>
+        </p:txBody>
+      </p:sp>
+      <p:sp>
+        <p:nvSpPr>
+          <p:cNvPr id="3" name="내용 개체 틀 2"/>
+          <p:cNvSpPr>
+            <a:spLocks noGrp="1"/>
+          </p:cNvSpPr>
+          <p:nvPr>
+            <p:ph idx="1"/>
+          </p:nvPr>
+        </p:nvSpPr>
+        <p:spPr/>
+        <p:txBody>
+          <a:bodyPr rtlCol="0">
+            <a:normAutofit/>
+          </a:bodyPr>
+          <a:lstStyle/>
+          <a:p>
+            <a:pPr rtl="0"/>
+            <a:r>
+              <a:rPr lang="en-US" altLang="ko-KR" dirty="0"/>
+              <a:t>SQL</a:t>
+            </a:r>
+          </a:p>
+          <a:p>
+            <a:pPr lvl="1"/>
+            <a:r>
+              <a:rPr lang="en-US" altLang="ko-KR" dirty="0">
+                <a:latin typeface="맑은 고딕" panose="020B0503020000020004" pitchFamily="50" charset="-127"/>
+                <a:ea typeface="맑은 고딕" panose="020B0503020000020004" pitchFamily="50" charset="-127"/>
+              </a:rPr>
+              <a:t>DML : C / R / U / D</a:t>
+            </a:r>
+          </a:p>
+          <a:p>
+            <a:pPr lvl="1"/>
+            <a:r>
+              <a:rPr lang="en-US" altLang="ko-KR" dirty="0">
+                <a:latin typeface="맑은 고딕" panose="020B0503020000020004" pitchFamily="50" charset="-127"/>
+                <a:ea typeface="맑은 고딕" panose="020B0503020000020004" pitchFamily="50" charset="-127"/>
+              </a:rPr>
+              <a:t>DCL : commit, rollback, revoke </a:t>
+            </a:r>
+            <a:r>
+              <a:rPr lang="ko-KR" altLang="en-US" dirty="0"/>
+              <a:t>등</a:t>
+            </a:r>
+            <a:endParaRPr lang="en-US" altLang="ko-KR" dirty="0">
+              <a:latin typeface="맑은 고딕" panose="020B0503020000020004" pitchFamily="50" charset="-127"/>
+              <a:ea typeface="맑은 고딕" panose="020B0503020000020004" pitchFamily="50" charset="-127"/>
+            </a:endParaRPr>
+          </a:p>
+          <a:p>
+            <a:pPr lvl="1"/>
+            <a:r>
+              <a:rPr lang="en-US" altLang="ko-KR" dirty="0"/>
+              <a:t>DDL : create table, create datafile </a:t>
+            </a:r>
+            <a:r>
+              <a:rPr lang="ko-KR" altLang="en-US" dirty="0"/>
+              <a:t>등</a:t>
+            </a:r>
+            <a:endParaRPr lang="ko-KR" altLang="en-US" dirty="0">
+              <a:latin typeface="맑은 고딕" panose="020B0503020000020004" pitchFamily="50" charset="-127"/>
+              <a:ea typeface="맑은 고딕" panose="020B0503020000020004" pitchFamily="50" charset="-127"/>
+            </a:endParaRPr>
+          </a:p>
+        </p:txBody>
+      </p:sp>
+    </p:spTree>
+    <p:extLst>
+      <p:ext uri="{BB962C8B-B14F-4D97-AF65-F5344CB8AC3E}">
+        <p14:creationId xmlns:p14="http://schemas.microsoft.com/office/powerpoint/2010/main" val="1853879232"/>
+      </p:ext>
+    </p:extLst>
+  </p:cSld>
+  <p:clrMapOvr>
+    <a:masterClrMapping/>
+  </p:clrMapOvr>
+  <mc:AlternateContent xmlns:mc="http://schemas.openxmlformats.org/markup-compatibility/2006" xmlns:p14="http://schemas.microsoft.com/office/powerpoint/2010/main">
+    <mc:Choice Requires="p14">
+      <p:transition spd="med" p14:dur="700">
+        <p:fade/>
+      </p:transition>
+    </mc:Choice>
+    <mc:Fallback xmlns="">
+      <p:transition spd="med">
+        <p:fade/>
+      </p:transition>
+    </mc:Fallback>
+  </mc:AlternateContent>
+</p:sld>
+</file>
+
 <file path=ppt/slides/slide9.xml><?xml version="1.0" encoding="utf-8"?>
 <p:sld xmlns:a="http://schemas.openxmlformats.org/drawingml/2006/main" xmlns:r="http://schemas.openxmlformats.org/officeDocument/2006/relationships" xmlns:p="http://schemas.openxmlformats.org/presentationml/2006/main">
   <p:cSld>
@@ -19183,39 +20018,31 @@
           <a:p>
             <a:pPr rtl="0"/>
             <a:r>
+              <a:rPr lang="ko-KR" altLang="en-US" dirty="0" err="1"/>
+              <a:t>비즈니스로직에</a:t>
+            </a:r>
+            <a:r>
+              <a:rPr lang="ko-KR" altLang="en-US"/>
+              <a:t> 필요한 </a:t>
+            </a:r>
+            <a:r>
+              <a:rPr lang="en-US" altLang="ko-KR"/>
+              <a:t>DBMS </a:t>
+            </a:r>
+            <a:r>
               <a:rPr lang="ko-KR" altLang="en-US" dirty="0"/>
-              <a:t>프레임워크가 구현할 기능 </a:t>
-            </a:r>
-            <a:r>
-              <a:rPr lang="en-US" altLang="ko-KR" dirty="0"/>
-              <a:t>- </a:t>
-            </a:r>
-            <a:r>
-              <a:rPr lang="en-US" altLang="ko-KR" dirty="0">
-                <a:latin typeface="맑은 고딕" panose="020B0503020000020004" pitchFamily="50" charset="-127"/>
-                <a:ea typeface="맑은 고딕" panose="020B0503020000020004" pitchFamily="50" charset="-127"/>
-              </a:rPr>
-              <a:t>SQL </a:t>
-            </a:r>
-            <a:r>
-              <a:rPr lang="ko-KR" altLang="en-US" dirty="0">
-                <a:latin typeface="맑은 고딕" panose="020B0503020000020004" pitchFamily="50" charset="-127"/>
-                <a:ea typeface="맑은 고딕" panose="020B0503020000020004" pitchFamily="50" charset="-127"/>
-              </a:rPr>
-              <a:t>실행</a:t>
-            </a:r>
+              <a:t>기능</a:t>
+            </a:r>
+            <a:endParaRPr lang="ko-KR" altLang="en-US" dirty="0">
+              <a:latin typeface="맑은 고딕" panose="020B0503020000020004" pitchFamily="50" charset="-127"/>
+              <a:ea typeface="맑은 고딕" panose="020B0503020000020004" pitchFamily="50" charset="-127"/>
+            </a:endParaRPr>
           </a:p>
         </p:txBody>
       </p:sp>
       <p:sp>
         <p:nvSpPr>
-          <p:cNvPr id="3" name="내용 개체 틀 2">
-            <a:extLst>
-              <a:ext uri="{FF2B5EF4-FFF2-40B4-BE49-F238E27FC236}">
-                <a16:creationId xmlns:a16="http://schemas.microsoft.com/office/drawing/2014/main" id="{490A1BEE-6582-4602-86F5-FAD490AAC13F}"/>
-              </a:ext>
-            </a:extLst>
-          </p:cNvPr>
+          <p:cNvPr id="3" name="내용 개체 틀 2"/>
           <p:cNvSpPr>
             <a:spLocks noGrp="1"/>
           </p:cNvSpPr>
@@ -19225,134 +20052,123 @@
         </p:nvSpPr>
         <p:spPr/>
         <p:txBody>
-          <a:bodyPr/>
+          <a:bodyPr rtlCol="0">
+            <a:normAutofit/>
+          </a:bodyPr>
           <a:lstStyle/>
           <a:p>
             <a:r>
+              <a:rPr lang="ko-KR" altLang="en-US" dirty="0">
+                <a:latin typeface="맑은 고딕" panose="020B0503020000020004" pitchFamily="50" charset="-127"/>
+                <a:ea typeface="맑은 고딕" panose="020B0503020000020004" pitchFamily="50" charset="-127"/>
+              </a:rPr>
+              <a:t>트랜잭션</a:t>
+            </a:r>
+            <a:endParaRPr lang="en-US" altLang="ko-KR" dirty="0">
+              <a:latin typeface="맑은 고딕" panose="020B0503020000020004" pitchFamily="50" charset="-127"/>
+              <a:ea typeface="맑은 고딕" panose="020B0503020000020004" pitchFamily="50" charset="-127"/>
+            </a:endParaRPr>
+          </a:p>
+          <a:p>
+            <a:pPr lvl="1"/>
+            <a:r>
+              <a:rPr lang="ko-KR" altLang="en-US" dirty="0"/>
+              <a:t>트랜잭션 자원 관리 </a:t>
+            </a:r>
+            <a:r>
               <a:rPr lang="en-US" altLang="ko-KR" dirty="0"/>
-              <a:t>CRUD SQL</a:t>
+              <a:t>: Connection </a:t>
             </a:r>
             <a:r>
               <a:rPr lang="ko-KR" altLang="en-US" dirty="0"/>
-              <a:t> 과 </a:t>
-            </a:r>
+              <a:t>객체</a:t>
+            </a:r>
+            <a:endParaRPr lang="en-US" altLang="ko-KR" dirty="0"/>
+          </a:p>
+          <a:p>
+            <a:pPr lvl="1"/>
             <a:r>
               <a:rPr lang="en-US" altLang="ko-KR" dirty="0"/>
-              <a:t>java </a:t>
+              <a:t>ALL or NOTHING</a:t>
             </a:r>
             <a:r>
               <a:rPr lang="ko-KR" altLang="en-US" dirty="0"/>
-              <a:t>코드의 분리</a:t>
+              <a:t> 기준 정의 </a:t>
+            </a:r>
+            <a:r>
+              <a:rPr lang="en-US" altLang="ko-KR" dirty="0"/>
+              <a:t>: </a:t>
+            </a:r>
+            <a:r>
+              <a:rPr lang="en-US" altLang="ko-KR" dirty="0">
+                <a:latin typeface="맑은 고딕" panose="020B0503020000020004" pitchFamily="50" charset="-127"/>
+                <a:ea typeface="맑은 고딕" panose="020B0503020000020004" pitchFamily="50" charset="-127"/>
+              </a:rPr>
+              <a:t>commit, rollback</a:t>
             </a:r>
             <a:endParaRPr lang="en-US" altLang="ko-KR" dirty="0"/>
           </a:p>
           <a:p>
+            <a:pPr rtl="0"/>
+            <a:r>
+              <a:rPr lang="en-US" altLang="ko-KR" dirty="0"/>
+              <a:t>SQL</a:t>
+            </a:r>
+          </a:p>
+          <a:p>
             <a:pPr lvl="1"/>
             <a:r>
-              <a:rPr lang="en-US" altLang="ko-KR" dirty="0"/>
-              <a:t>KEY = SQL</a:t>
+              <a:rPr lang="en-US" altLang="ko-KR" dirty="0">
+                <a:latin typeface="맑은 고딕" panose="020B0503020000020004" pitchFamily="50" charset="-127"/>
+                <a:ea typeface="맑은 고딕" panose="020B0503020000020004" pitchFamily="50" charset="-127"/>
+              </a:rPr>
+              <a:t>SQL </a:t>
+            </a:r>
+            <a:r>
+              <a:rPr lang="ko-KR" altLang="en-US" dirty="0"/>
+              <a:t>실행</a:t>
+            </a:r>
+            <a:r>
+              <a:rPr lang="en-US" altLang="ko-KR" dirty="0">
+                <a:latin typeface="맑은 고딕" panose="020B0503020000020004" pitchFamily="50" charset="-127"/>
+                <a:ea typeface="맑은 고딕" panose="020B0503020000020004" pitchFamily="50" charset="-127"/>
+              </a:rPr>
+              <a:t> : C / R / U / D</a:t>
             </a:r>
           </a:p>
           <a:p>
             <a:pPr lvl="1"/>
-            <a:r>
-              <a:rPr lang="en-US" altLang="ko-KR" dirty="0"/>
-              <a:t>FW_SQL TABLE</a:t>
-            </a:r>
-          </a:p>
-          <a:p>
-            <a:r>
-              <a:rPr lang="ko-KR" altLang="en-US" dirty="0"/>
-              <a:t>정적 </a:t>
-            </a:r>
             <a:r>
               <a:rPr lang="en-US" altLang="ko-KR" dirty="0"/>
               <a:t>SQL </a:t>
             </a:r>
             <a:r>
               <a:rPr lang="ko-KR" altLang="en-US" dirty="0"/>
-              <a:t>의 성능과 동적 </a:t>
+              <a:t>결과 </a:t>
             </a:r>
             <a:r>
               <a:rPr lang="en-US" altLang="ko-KR" dirty="0"/>
-              <a:t>SQL </a:t>
+              <a:t>: TABLE </a:t>
             </a:r>
             <a:r>
               <a:rPr lang="ko-KR" altLang="en-US" dirty="0"/>
-              <a:t>유연성 제공</a:t>
-            </a:r>
-            <a:endParaRPr lang="en-US" altLang="ko-KR" dirty="0"/>
-          </a:p>
-          <a:p>
-            <a:pPr lvl="1"/>
-            <a:r>
-              <a:rPr lang="ko-KR" altLang="en-US" dirty="0"/>
-              <a:t>정적 </a:t>
+              <a:t>또는 </a:t>
             </a:r>
             <a:r>
               <a:rPr lang="en-US" altLang="ko-KR" dirty="0"/>
-              <a:t>SQL : </a:t>
-            </a:r>
-            <a:r>
-              <a:rPr lang="ko-KR" altLang="en-US" dirty="0"/>
-              <a:t>미리 </a:t>
-            </a:r>
-            <a:r>
-              <a:rPr lang="en-US" altLang="ko-KR" dirty="0"/>
-              <a:t>SQL </a:t>
-            </a:r>
-            <a:r>
-              <a:rPr lang="ko-KR" altLang="en-US" dirty="0"/>
-              <a:t>을 준비하고 </a:t>
-            </a:r>
-            <a:r>
-              <a:rPr lang="ko-KR" altLang="en-US" dirty="0" err="1"/>
-              <a:t>바인드</a:t>
-            </a:r>
-            <a:r>
-              <a:rPr lang="ko-KR" altLang="en-US" dirty="0"/>
-              <a:t> 변수를 넘겨 실행</a:t>
-            </a:r>
-            <a:endParaRPr lang="en-US" altLang="ko-KR" dirty="0"/>
-          </a:p>
-          <a:p>
-            <a:pPr lvl="1"/>
-            <a:r>
-              <a:rPr lang="ko-KR" altLang="en-US" dirty="0"/>
-              <a:t>동적 </a:t>
-            </a:r>
-            <a:r>
-              <a:rPr lang="en-US" altLang="ko-KR" dirty="0"/>
-              <a:t>SQL : </a:t>
-            </a:r>
-            <a:r>
-              <a:rPr lang="ko-KR" altLang="en-US" dirty="0"/>
-              <a:t>하나의 </a:t>
-            </a:r>
-            <a:r>
-              <a:rPr lang="en-US" altLang="ko-KR" dirty="0"/>
-              <a:t>String </a:t>
-            </a:r>
-            <a:r>
-              <a:rPr lang="ko-KR" altLang="en-US" dirty="0"/>
-              <a:t>객체에 </a:t>
-            </a:r>
-            <a:r>
-              <a:rPr lang="en-US" altLang="ko-KR" dirty="0"/>
-              <a:t>SQL </a:t>
-            </a:r>
-            <a:r>
-              <a:rPr lang="ko-KR" altLang="en-US" dirty="0"/>
-              <a:t>을 작성하고 바로 실행</a:t>
-            </a:r>
-            <a:endParaRPr lang="en-US" altLang="ko-KR" dirty="0"/>
+              <a:t>int</a:t>
+            </a:r>
+            <a:endParaRPr lang="ko-KR" altLang="en-US" dirty="0">
+              <a:latin typeface="맑은 고딕" panose="020B0503020000020004" pitchFamily="50" charset="-127"/>
+              <a:ea typeface="맑은 고딕" panose="020B0503020000020004" pitchFamily="50" charset="-127"/>
+            </a:endParaRPr>
           </a:p>
         </p:txBody>
       </p:sp>
     </p:spTree>
     <p:extLst>
       <p:ext uri="{BB962C8B-B14F-4D97-AF65-F5344CB8AC3E}">
-        <p14:creationId xmlns:p14="http://schemas.microsoft.com/office/powerpoint/2010/main" val="4145999854"/>
+        <p14:creationId xmlns:p14="http://schemas.microsoft.com/office/powerpoint/2010/main" val="2631054826"/>
       </p:ext>
     </p:extLst>
   </p:cSld>

--- a/inflearn04/doc/교재.pptx
+++ b/inflearn04/doc/교재.pptx
@@ -5,10 +5,10 @@
     <p:sldMasterId id="2147483648" r:id="rId1"/>
   </p:sldMasterIdLst>
   <p:notesMasterIdLst>
-    <p:notesMasterId r:id="rId18"/>
+    <p:notesMasterId r:id="rId10"/>
   </p:notesMasterIdLst>
   <p:handoutMasterIdLst>
-    <p:handoutMasterId r:id="rId19"/>
+    <p:handoutMasterId r:id="rId11"/>
   </p:handoutMasterIdLst>
   <p:sldIdLst>
     <p:sldId id="261" r:id="rId2"/>
@@ -17,16 +17,8 @@
     <p:sldId id="287" r:id="rId5"/>
     <p:sldId id="288" r:id="rId6"/>
     <p:sldId id="289" r:id="rId7"/>
-    <p:sldId id="257" r:id="rId8"/>
-    <p:sldId id="285" r:id="rId9"/>
-    <p:sldId id="280" r:id="rId10"/>
-    <p:sldId id="275" r:id="rId11"/>
-    <p:sldId id="272" r:id="rId12"/>
-    <p:sldId id="282" r:id="rId13"/>
-    <p:sldId id="274" r:id="rId14"/>
-    <p:sldId id="283" r:id="rId15"/>
-    <p:sldId id="279" r:id="rId16"/>
-    <p:sldId id="276" r:id="rId17"/>
+    <p:sldId id="291" r:id="rId8"/>
+    <p:sldId id="290" r:id="rId9"/>
   </p:sldIdLst>
   <p:sldSz cx="12192000" cy="6858000"/>
   <p:notesSz cx="6858000" cy="9144000"/>
@@ -652,7 +644,7 @@
                 <a:latin typeface="맑은 고딕" panose="020B0503020000020004" pitchFamily="50" charset="-127"/>
                 <a:ea typeface="맑은 고딕" panose="020B0503020000020004" pitchFamily="50" charset="-127"/>
               </a:rPr>
-              <a:t>2021년 3월 11일</a:t>
+              <a:t>2021년 3월 13일</a:t>
             </a:fld>
             <a:endParaRPr lang="ko-KR" altLang="en-US">
               <a:latin typeface="맑은 고딕" panose="020B0503020000020004" pitchFamily="50" charset="-127"/>
@@ -838,7 +830,7 @@
             <a:fld id="{BE16EC8A-0758-4FA9-BF4D-3119057076D1}" type="datetime4">
               <a:rPr lang="ko-KR" altLang="en-US" smtClean="0"/>
               <a:pPr/>
-              <a:t>2021년 3월 11일</a:t>
+              <a:t>2021년 3월 13일</a:t>
             </a:fld>
             <a:endParaRPr lang="ko-KR" altLang="en-US"/>
           </a:p>
@@ -1211,956 +1203,6 @@
 </p:notes>
 </file>
 
-<file path=ppt/notesSlides/notesSlide10.xml><?xml version="1.0" encoding="utf-8"?>
-<p:notes xmlns:a="http://schemas.openxmlformats.org/drawingml/2006/main" xmlns:r="http://schemas.openxmlformats.org/officeDocument/2006/relationships" xmlns:p="http://schemas.openxmlformats.org/presentationml/2006/main">
-  <p:cSld>
-    <p:spTree>
-      <p:nvGrpSpPr>
-        <p:cNvPr id="1" name=""/>
-        <p:cNvGrpSpPr/>
-        <p:nvPr/>
-      </p:nvGrpSpPr>
-      <p:grpSpPr>
-        <a:xfrm>
-          <a:off x="0" y="0"/>
-          <a:ext cx="0" cy="0"/>
-          <a:chOff x="0" y="0"/>
-          <a:chExt cx="0" cy="0"/>
-        </a:xfrm>
-      </p:grpSpPr>
-      <p:sp>
-        <p:nvSpPr>
-          <p:cNvPr id="2" name="슬라이드 이미지 개체 틀 1"/>
-          <p:cNvSpPr>
-            <a:spLocks noGrp="1" noRot="1" noChangeAspect="1"/>
-          </p:cNvSpPr>
-          <p:nvPr>
-            <p:ph type="sldImg"/>
-          </p:nvPr>
-        </p:nvSpPr>
-        <p:spPr/>
-      </p:sp>
-      <p:sp>
-        <p:nvSpPr>
-          <p:cNvPr id="3" name="슬라이드 노트 개체 틀 2"/>
-          <p:cNvSpPr>
-            <a:spLocks noGrp="1"/>
-          </p:cNvSpPr>
-          <p:nvPr>
-            <p:ph type="body" idx="1"/>
-          </p:nvPr>
-        </p:nvSpPr>
-        <p:spPr/>
-        <p:txBody>
-          <a:bodyPr rtlCol="0"/>
-          <a:lstStyle/>
-          <a:p>
-            <a:pPr rtl="0"/>
-            <a:endParaRPr lang="ko-KR" altLang="en-US">
-              <a:latin typeface="맑은 고딕" panose="020B0503020000020004" pitchFamily="50" charset="-127"/>
-              <a:ea typeface="맑은 고딕" panose="020B0503020000020004" pitchFamily="50" charset="-127"/>
-            </a:endParaRPr>
-          </a:p>
-        </p:txBody>
-      </p:sp>
-      <p:sp>
-        <p:nvSpPr>
-          <p:cNvPr id="4" name="슬라이드 번호 개체 틀 3"/>
-          <p:cNvSpPr>
-            <a:spLocks noGrp="1"/>
-          </p:cNvSpPr>
-          <p:nvPr>
-            <p:ph type="sldNum" sz="quarter" idx="10"/>
-          </p:nvPr>
-        </p:nvSpPr>
-        <p:spPr/>
-        <p:txBody>
-          <a:bodyPr rtlCol="0"/>
-          <a:lstStyle/>
-          <a:p>
-            <a:pPr rtl="0"/>
-            <a:fld id="{82869989-EB00-4EE7-BCB5-25BDC5BB29F8}" type="slidenum">
-              <a:rPr lang="en-US" altLang="ko-KR" smtClean="0">
-                <a:latin typeface="맑은 고딕" panose="020B0503020000020004" pitchFamily="50" charset="-127"/>
-                <a:ea typeface="맑은 고딕" panose="020B0503020000020004" pitchFamily="50" charset="-127"/>
-              </a:rPr>
-              <a:t>15</a:t>
-            </a:fld>
-            <a:endParaRPr lang="ko-KR" altLang="en-US">
-              <a:latin typeface="맑은 고딕" panose="020B0503020000020004" pitchFamily="50" charset="-127"/>
-              <a:ea typeface="맑은 고딕" panose="020B0503020000020004" pitchFamily="50" charset="-127"/>
-            </a:endParaRPr>
-          </a:p>
-        </p:txBody>
-      </p:sp>
-    </p:spTree>
-    <p:extLst>
-      <p:ext uri="{BB962C8B-B14F-4D97-AF65-F5344CB8AC3E}">
-        <p14:creationId xmlns:p14="http://schemas.microsoft.com/office/powerpoint/2010/main" val="2623719863"/>
-      </p:ext>
-    </p:extLst>
-  </p:cSld>
-  <p:clrMapOvr>
-    <a:masterClrMapping/>
-  </p:clrMapOvr>
-</p:notes>
-</file>
-
-<file path=ppt/notesSlides/notesSlide11.xml><?xml version="1.0" encoding="utf-8"?>
-<p:notes xmlns:a="http://schemas.openxmlformats.org/drawingml/2006/main" xmlns:r="http://schemas.openxmlformats.org/officeDocument/2006/relationships" xmlns:p="http://schemas.openxmlformats.org/presentationml/2006/main">
-  <p:cSld>
-    <p:spTree>
-      <p:nvGrpSpPr>
-        <p:cNvPr id="1" name=""/>
-        <p:cNvGrpSpPr/>
-        <p:nvPr/>
-      </p:nvGrpSpPr>
-      <p:grpSpPr>
-        <a:xfrm>
-          <a:off x="0" y="0"/>
-          <a:ext cx="0" cy="0"/>
-          <a:chOff x="0" y="0"/>
-          <a:chExt cx="0" cy="0"/>
-        </a:xfrm>
-      </p:grpSpPr>
-      <p:sp>
-        <p:nvSpPr>
-          <p:cNvPr id="2" name="슬라이드 이미지 개체 틀 1"/>
-          <p:cNvSpPr>
-            <a:spLocks noGrp="1" noRot="1" noChangeAspect="1"/>
-          </p:cNvSpPr>
-          <p:nvPr>
-            <p:ph type="sldImg"/>
-          </p:nvPr>
-        </p:nvSpPr>
-        <p:spPr/>
-      </p:sp>
-      <p:sp>
-        <p:nvSpPr>
-          <p:cNvPr id="3" name="슬라이드 노트 개체 틀 2"/>
-          <p:cNvSpPr>
-            <a:spLocks noGrp="1"/>
-          </p:cNvSpPr>
-          <p:nvPr>
-            <p:ph type="body" idx="1"/>
-          </p:nvPr>
-        </p:nvSpPr>
-        <p:spPr/>
-        <p:txBody>
-          <a:bodyPr rtlCol="0"/>
-          <a:lstStyle/>
-          <a:p>
-            <a:pPr rtl="0"/>
-            <a:endParaRPr lang="ko-KR" altLang="en-US">
-              <a:latin typeface="맑은 고딕" panose="020B0503020000020004" pitchFamily="50" charset="-127"/>
-              <a:ea typeface="맑은 고딕" panose="020B0503020000020004" pitchFamily="50" charset="-127"/>
-            </a:endParaRPr>
-          </a:p>
-        </p:txBody>
-      </p:sp>
-      <p:sp>
-        <p:nvSpPr>
-          <p:cNvPr id="4" name="슬라이드 번호 개체 틀 3"/>
-          <p:cNvSpPr>
-            <a:spLocks noGrp="1"/>
-          </p:cNvSpPr>
-          <p:nvPr>
-            <p:ph type="sldNum" sz="quarter" idx="10"/>
-          </p:nvPr>
-        </p:nvSpPr>
-        <p:spPr/>
-        <p:txBody>
-          <a:bodyPr rtlCol="0"/>
-          <a:lstStyle/>
-          <a:p>
-            <a:pPr rtl="0"/>
-            <a:fld id="{82869989-EB00-4EE7-BCB5-25BDC5BB29F8}" type="slidenum">
-              <a:rPr lang="en-US" altLang="ko-KR" smtClean="0">
-                <a:latin typeface="맑은 고딕" panose="020B0503020000020004" pitchFamily="50" charset="-127"/>
-                <a:ea typeface="맑은 고딕" panose="020B0503020000020004" pitchFamily="50" charset="-127"/>
-              </a:rPr>
-              <a:t>16</a:t>
-            </a:fld>
-            <a:endParaRPr lang="ko-KR" altLang="en-US">
-              <a:latin typeface="맑은 고딕" panose="020B0503020000020004" pitchFamily="50" charset="-127"/>
-              <a:ea typeface="맑은 고딕" panose="020B0503020000020004" pitchFamily="50" charset="-127"/>
-            </a:endParaRPr>
-          </a:p>
-        </p:txBody>
-      </p:sp>
-    </p:spTree>
-    <p:extLst>
-      <p:ext uri="{BB962C8B-B14F-4D97-AF65-F5344CB8AC3E}">
-        <p14:creationId xmlns:p14="http://schemas.microsoft.com/office/powerpoint/2010/main" val="985604039"/>
-      </p:ext>
-    </p:extLst>
-  </p:cSld>
-  <p:clrMapOvr>
-    <a:masterClrMapping/>
-  </p:clrMapOvr>
-</p:notes>
-</file>
-
-<file path=ppt/notesSlides/notesSlide2.xml><?xml version="1.0" encoding="utf-8"?>
-<p:notes xmlns:a="http://schemas.openxmlformats.org/drawingml/2006/main" xmlns:r="http://schemas.openxmlformats.org/officeDocument/2006/relationships" xmlns:p="http://schemas.openxmlformats.org/presentationml/2006/main">
-  <p:cSld>
-    <p:spTree>
-      <p:nvGrpSpPr>
-        <p:cNvPr id="1" name=""/>
-        <p:cNvGrpSpPr/>
-        <p:nvPr/>
-      </p:nvGrpSpPr>
-      <p:grpSpPr>
-        <a:xfrm>
-          <a:off x="0" y="0"/>
-          <a:ext cx="0" cy="0"/>
-          <a:chOff x="0" y="0"/>
-          <a:chExt cx="0" cy="0"/>
-        </a:xfrm>
-      </p:grpSpPr>
-      <p:sp>
-        <p:nvSpPr>
-          <p:cNvPr id="2" name="슬라이드 이미지 개체 틀 1"/>
-          <p:cNvSpPr>
-            <a:spLocks noGrp="1" noRot="1" noChangeAspect="1"/>
-          </p:cNvSpPr>
-          <p:nvPr>
-            <p:ph type="sldImg"/>
-          </p:nvPr>
-        </p:nvSpPr>
-        <p:spPr/>
-      </p:sp>
-      <p:sp>
-        <p:nvSpPr>
-          <p:cNvPr id="3" name="슬라이드 노트 개체 틀 2"/>
-          <p:cNvSpPr>
-            <a:spLocks noGrp="1"/>
-          </p:cNvSpPr>
-          <p:nvPr>
-            <p:ph type="body" idx="1"/>
-          </p:nvPr>
-        </p:nvSpPr>
-        <p:spPr/>
-        <p:txBody>
-          <a:bodyPr rtlCol="0"/>
-          <a:lstStyle/>
-          <a:p>
-            <a:pPr rtl="0"/>
-            <a:endParaRPr lang="ko-KR" altLang="en-US">
-              <a:latin typeface="맑은 고딕" panose="020B0503020000020004" pitchFamily="50" charset="-127"/>
-              <a:ea typeface="맑은 고딕" panose="020B0503020000020004" pitchFamily="50" charset="-127"/>
-            </a:endParaRPr>
-          </a:p>
-        </p:txBody>
-      </p:sp>
-      <p:sp>
-        <p:nvSpPr>
-          <p:cNvPr id="4" name="슬라이드 번호 개체 틀 3"/>
-          <p:cNvSpPr>
-            <a:spLocks noGrp="1"/>
-          </p:cNvSpPr>
-          <p:nvPr>
-            <p:ph type="sldNum" sz="quarter" idx="10"/>
-          </p:nvPr>
-        </p:nvSpPr>
-        <p:spPr/>
-        <p:txBody>
-          <a:bodyPr rtlCol="0"/>
-          <a:lstStyle/>
-          <a:p>
-            <a:pPr rtl="0"/>
-            <a:fld id="{82869989-EB00-4EE7-BCB5-25BDC5BB29F8}" type="slidenum">
-              <a:rPr lang="en-US" altLang="ko-KR" smtClean="0">
-                <a:latin typeface="맑은 고딕" panose="020B0503020000020004" pitchFamily="50" charset="-127"/>
-                <a:ea typeface="맑은 고딕" panose="020B0503020000020004" pitchFamily="50" charset="-127"/>
-              </a:rPr>
-              <a:t>7</a:t>
-            </a:fld>
-            <a:endParaRPr lang="ko-KR" altLang="en-US">
-              <a:latin typeface="맑은 고딕" panose="020B0503020000020004" pitchFamily="50" charset="-127"/>
-              <a:ea typeface="맑은 고딕" panose="020B0503020000020004" pitchFamily="50" charset="-127"/>
-            </a:endParaRPr>
-          </a:p>
-        </p:txBody>
-      </p:sp>
-    </p:spTree>
-    <p:extLst>
-      <p:ext uri="{BB962C8B-B14F-4D97-AF65-F5344CB8AC3E}">
-        <p14:creationId xmlns:p14="http://schemas.microsoft.com/office/powerpoint/2010/main" val="1980303916"/>
-      </p:ext>
-    </p:extLst>
-  </p:cSld>
-  <p:clrMapOvr>
-    <a:masterClrMapping/>
-  </p:clrMapOvr>
-</p:notes>
-</file>
-
-<file path=ppt/notesSlides/notesSlide3.xml><?xml version="1.0" encoding="utf-8"?>
-<p:notes xmlns:a="http://schemas.openxmlformats.org/drawingml/2006/main" xmlns:r="http://schemas.openxmlformats.org/officeDocument/2006/relationships" xmlns:p="http://schemas.openxmlformats.org/presentationml/2006/main">
-  <p:cSld>
-    <p:spTree>
-      <p:nvGrpSpPr>
-        <p:cNvPr id="1" name=""/>
-        <p:cNvGrpSpPr/>
-        <p:nvPr/>
-      </p:nvGrpSpPr>
-      <p:grpSpPr>
-        <a:xfrm>
-          <a:off x="0" y="0"/>
-          <a:ext cx="0" cy="0"/>
-          <a:chOff x="0" y="0"/>
-          <a:chExt cx="0" cy="0"/>
-        </a:xfrm>
-      </p:grpSpPr>
-      <p:sp>
-        <p:nvSpPr>
-          <p:cNvPr id="2" name="슬라이드 이미지 개체 틀 1"/>
-          <p:cNvSpPr>
-            <a:spLocks noGrp="1" noRot="1" noChangeAspect="1"/>
-          </p:cNvSpPr>
-          <p:nvPr>
-            <p:ph type="sldImg"/>
-          </p:nvPr>
-        </p:nvSpPr>
-        <p:spPr/>
-      </p:sp>
-      <p:sp>
-        <p:nvSpPr>
-          <p:cNvPr id="3" name="슬라이드 노트 개체 틀 2"/>
-          <p:cNvSpPr>
-            <a:spLocks noGrp="1"/>
-          </p:cNvSpPr>
-          <p:nvPr>
-            <p:ph type="body" idx="1"/>
-          </p:nvPr>
-        </p:nvSpPr>
-        <p:spPr/>
-        <p:txBody>
-          <a:bodyPr rtlCol="0"/>
-          <a:lstStyle/>
-          <a:p>
-            <a:pPr rtl="0"/>
-            <a:endParaRPr lang="ko-KR" altLang="en-US">
-              <a:latin typeface="맑은 고딕" panose="020B0503020000020004" pitchFamily="50" charset="-127"/>
-              <a:ea typeface="맑은 고딕" panose="020B0503020000020004" pitchFamily="50" charset="-127"/>
-            </a:endParaRPr>
-          </a:p>
-        </p:txBody>
-      </p:sp>
-      <p:sp>
-        <p:nvSpPr>
-          <p:cNvPr id="4" name="슬라이드 번호 개체 틀 3"/>
-          <p:cNvSpPr>
-            <a:spLocks noGrp="1"/>
-          </p:cNvSpPr>
-          <p:nvPr>
-            <p:ph type="sldNum" sz="quarter" idx="10"/>
-          </p:nvPr>
-        </p:nvSpPr>
-        <p:spPr/>
-        <p:txBody>
-          <a:bodyPr rtlCol="0"/>
-          <a:lstStyle/>
-          <a:p>
-            <a:pPr rtl="0"/>
-            <a:fld id="{82869989-EB00-4EE7-BCB5-25BDC5BB29F8}" type="slidenum">
-              <a:rPr lang="en-US" altLang="ko-KR" smtClean="0">
-                <a:latin typeface="맑은 고딕" panose="020B0503020000020004" pitchFamily="50" charset="-127"/>
-                <a:ea typeface="맑은 고딕" panose="020B0503020000020004" pitchFamily="50" charset="-127"/>
-              </a:rPr>
-              <a:t>8</a:t>
-            </a:fld>
-            <a:endParaRPr lang="ko-KR" altLang="en-US">
-              <a:latin typeface="맑은 고딕" panose="020B0503020000020004" pitchFamily="50" charset="-127"/>
-              <a:ea typeface="맑은 고딕" panose="020B0503020000020004" pitchFamily="50" charset="-127"/>
-            </a:endParaRPr>
-          </a:p>
-        </p:txBody>
-      </p:sp>
-    </p:spTree>
-    <p:extLst>
-      <p:ext uri="{BB962C8B-B14F-4D97-AF65-F5344CB8AC3E}">
-        <p14:creationId xmlns:p14="http://schemas.microsoft.com/office/powerpoint/2010/main" val="861706756"/>
-      </p:ext>
-    </p:extLst>
-  </p:cSld>
-  <p:clrMapOvr>
-    <a:masterClrMapping/>
-  </p:clrMapOvr>
-</p:notes>
-</file>
-
-<file path=ppt/notesSlides/notesSlide4.xml><?xml version="1.0" encoding="utf-8"?>
-<p:notes xmlns:a="http://schemas.openxmlformats.org/drawingml/2006/main" xmlns:r="http://schemas.openxmlformats.org/officeDocument/2006/relationships" xmlns:p="http://schemas.openxmlformats.org/presentationml/2006/main">
-  <p:cSld>
-    <p:spTree>
-      <p:nvGrpSpPr>
-        <p:cNvPr id="1" name=""/>
-        <p:cNvGrpSpPr/>
-        <p:nvPr/>
-      </p:nvGrpSpPr>
-      <p:grpSpPr>
-        <a:xfrm>
-          <a:off x="0" y="0"/>
-          <a:ext cx="0" cy="0"/>
-          <a:chOff x="0" y="0"/>
-          <a:chExt cx="0" cy="0"/>
-        </a:xfrm>
-      </p:grpSpPr>
-      <p:sp>
-        <p:nvSpPr>
-          <p:cNvPr id="2" name="슬라이드 이미지 개체 틀 1"/>
-          <p:cNvSpPr>
-            <a:spLocks noGrp="1" noRot="1" noChangeAspect="1"/>
-          </p:cNvSpPr>
-          <p:nvPr>
-            <p:ph type="sldImg"/>
-          </p:nvPr>
-        </p:nvSpPr>
-        <p:spPr/>
-      </p:sp>
-      <p:sp>
-        <p:nvSpPr>
-          <p:cNvPr id="3" name="슬라이드 노트 개체 틀 2"/>
-          <p:cNvSpPr>
-            <a:spLocks noGrp="1"/>
-          </p:cNvSpPr>
-          <p:nvPr>
-            <p:ph type="body" idx="1"/>
-          </p:nvPr>
-        </p:nvSpPr>
-        <p:spPr/>
-        <p:txBody>
-          <a:bodyPr rtlCol="0"/>
-          <a:lstStyle/>
-          <a:p>
-            <a:pPr rtl="0"/>
-            <a:endParaRPr lang="ko-KR" altLang="en-US">
-              <a:latin typeface="맑은 고딕" panose="020B0503020000020004" pitchFamily="50" charset="-127"/>
-              <a:ea typeface="맑은 고딕" panose="020B0503020000020004" pitchFamily="50" charset="-127"/>
-            </a:endParaRPr>
-          </a:p>
-        </p:txBody>
-      </p:sp>
-      <p:sp>
-        <p:nvSpPr>
-          <p:cNvPr id="4" name="슬라이드 번호 개체 틀 3"/>
-          <p:cNvSpPr>
-            <a:spLocks noGrp="1"/>
-          </p:cNvSpPr>
-          <p:nvPr>
-            <p:ph type="sldNum" sz="quarter" idx="10"/>
-          </p:nvPr>
-        </p:nvSpPr>
-        <p:spPr/>
-        <p:txBody>
-          <a:bodyPr rtlCol="0"/>
-          <a:lstStyle/>
-          <a:p>
-            <a:pPr rtl="0"/>
-            <a:fld id="{82869989-EB00-4EE7-BCB5-25BDC5BB29F8}" type="slidenum">
-              <a:rPr lang="en-US" altLang="ko-KR" smtClean="0">
-                <a:latin typeface="맑은 고딕" panose="020B0503020000020004" pitchFamily="50" charset="-127"/>
-                <a:ea typeface="맑은 고딕" panose="020B0503020000020004" pitchFamily="50" charset="-127"/>
-              </a:rPr>
-              <a:t>9</a:t>
-            </a:fld>
-            <a:endParaRPr lang="ko-KR" altLang="en-US">
-              <a:latin typeface="맑은 고딕" panose="020B0503020000020004" pitchFamily="50" charset="-127"/>
-              <a:ea typeface="맑은 고딕" panose="020B0503020000020004" pitchFamily="50" charset="-127"/>
-            </a:endParaRPr>
-          </a:p>
-        </p:txBody>
-      </p:sp>
-    </p:spTree>
-    <p:extLst>
-      <p:ext uri="{BB962C8B-B14F-4D97-AF65-F5344CB8AC3E}">
-        <p14:creationId xmlns:p14="http://schemas.microsoft.com/office/powerpoint/2010/main" val="4126416474"/>
-      </p:ext>
-    </p:extLst>
-  </p:cSld>
-  <p:clrMapOvr>
-    <a:masterClrMapping/>
-  </p:clrMapOvr>
-</p:notes>
-</file>
-
-<file path=ppt/notesSlides/notesSlide5.xml><?xml version="1.0" encoding="utf-8"?>
-<p:notes xmlns:a="http://schemas.openxmlformats.org/drawingml/2006/main" xmlns:r="http://schemas.openxmlformats.org/officeDocument/2006/relationships" xmlns:p="http://schemas.openxmlformats.org/presentationml/2006/main">
-  <p:cSld>
-    <p:spTree>
-      <p:nvGrpSpPr>
-        <p:cNvPr id="1" name=""/>
-        <p:cNvGrpSpPr/>
-        <p:nvPr/>
-      </p:nvGrpSpPr>
-      <p:grpSpPr>
-        <a:xfrm>
-          <a:off x="0" y="0"/>
-          <a:ext cx="0" cy="0"/>
-          <a:chOff x="0" y="0"/>
-          <a:chExt cx="0" cy="0"/>
-        </a:xfrm>
-      </p:grpSpPr>
-      <p:sp>
-        <p:nvSpPr>
-          <p:cNvPr id="2" name="슬라이드 이미지 개체 틀 1"/>
-          <p:cNvSpPr>
-            <a:spLocks noGrp="1" noRot="1" noChangeAspect="1"/>
-          </p:cNvSpPr>
-          <p:nvPr>
-            <p:ph type="sldImg"/>
-          </p:nvPr>
-        </p:nvSpPr>
-        <p:spPr/>
-      </p:sp>
-      <p:sp>
-        <p:nvSpPr>
-          <p:cNvPr id="3" name="슬라이드 노트 개체 틀 2"/>
-          <p:cNvSpPr>
-            <a:spLocks noGrp="1"/>
-          </p:cNvSpPr>
-          <p:nvPr>
-            <p:ph type="body" idx="1"/>
-          </p:nvPr>
-        </p:nvSpPr>
-        <p:spPr/>
-        <p:txBody>
-          <a:bodyPr rtlCol="0"/>
-          <a:lstStyle/>
-          <a:p>
-            <a:pPr rtl="0"/>
-            <a:endParaRPr lang="ko-KR" altLang="en-US">
-              <a:latin typeface="맑은 고딕" panose="020B0503020000020004" pitchFamily="50" charset="-127"/>
-              <a:ea typeface="맑은 고딕" panose="020B0503020000020004" pitchFamily="50" charset="-127"/>
-            </a:endParaRPr>
-          </a:p>
-        </p:txBody>
-      </p:sp>
-      <p:sp>
-        <p:nvSpPr>
-          <p:cNvPr id="4" name="슬라이드 번호 개체 틀 3"/>
-          <p:cNvSpPr>
-            <a:spLocks noGrp="1"/>
-          </p:cNvSpPr>
-          <p:nvPr>
-            <p:ph type="sldNum" sz="quarter" idx="10"/>
-          </p:nvPr>
-        </p:nvSpPr>
-        <p:spPr/>
-        <p:txBody>
-          <a:bodyPr rtlCol="0"/>
-          <a:lstStyle/>
-          <a:p>
-            <a:pPr rtl="0"/>
-            <a:fld id="{82869989-EB00-4EE7-BCB5-25BDC5BB29F8}" type="slidenum">
-              <a:rPr lang="en-US" altLang="ko-KR" smtClean="0">
-                <a:latin typeface="맑은 고딕" panose="020B0503020000020004" pitchFamily="50" charset="-127"/>
-                <a:ea typeface="맑은 고딕" panose="020B0503020000020004" pitchFamily="50" charset="-127"/>
-              </a:rPr>
-              <a:t>10</a:t>
-            </a:fld>
-            <a:endParaRPr lang="ko-KR" altLang="en-US">
-              <a:latin typeface="맑은 고딕" panose="020B0503020000020004" pitchFamily="50" charset="-127"/>
-              <a:ea typeface="맑은 고딕" panose="020B0503020000020004" pitchFamily="50" charset="-127"/>
-            </a:endParaRPr>
-          </a:p>
-        </p:txBody>
-      </p:sp>
-    </p:spTree>
-    <p:extLst>
-      <p:ext uri="{BB962C8B-B14F-4D97-AF65-F5344CB8AC3E}">
-        <p14:creationId xmlns:p14="http://schemas.microsoft.com/office/powerpoint/2010/main" val="2607645396"/>
-      </p:ext>
-    </p:extLst>
-  </p:cSld>
-  <p:clrMapOvr>
-    <a:masterClrMapping/>
-  </p:clrMapOvr>
-</p:notes>
-</file>
-
-<file path=ppt/notesSlides/notesSlide6.xml><?xml version="1.0" encoding="utf-8"?>
-<p:notes xmlns:a="http://schemas.openxmlformats.org/drawingml/2006/main" xmlns:r="http://schemas.openxmlformats.org/officeDocument/2006/relationships" xmlns:p="http://schemas.openxmlformats.org/presentationml/2006/main">
-  <p:cSld>
-    <p:spTree>
-      <p:nvGrpSpPr>
-        <p:cNvPr id="1" name=""/>
-        <p:cNvGrpSpPr/>
-        <p:nvPr/>
-      </p:nvGrpSpPr>
-      <p:grpSpPr>
-        <a:xfrm>
-          <a:off x="0" y="0"/>
-          <a:ext cx="0" cy="0"/>
-          <a:chOff x="0" y="0"/>
-          <a:chExt cx="0" cy="0"/>
-        </a:xfrm>
-      </p:grpSpPr>
-      <p:sp>
-        <p:nvSpPr>
-          <p:cNvPr id="2" name="슬라이드 이미지 개체 틀 1"/>
-          <p:cNvSpPr>
-            <a:spLocks noGrp="1" noRot="1" noChangeAspect="1"/>
-          </p:cNvSpPr>
-          <p:nvPr>
-            <p:ph type="sldImg"/>
-          </p:nvPr>
-        </p:nvSpPr>
-        <p:spPr/>
-      </p:sp>
-      <p:sp>
-        <p:nvSpPr>
-          <p:cNvPr id="3" name="슬라이드 노트 개체 틀 2"/>
-          <p:cNvSpPr>
-            <a:spLocks noGrp="1"/>
-          </p:cNvSpPr>
-          <p:nvPr>
-            <p:ph type="body" idx="1"/>
-          </p:nvPr>
-        </p:nvSpPr>
-        <p:spPr/>
-        <p:txBody>
-          <a:bodyPr rtlCol="0"/>
-          <a:lstStyle/>
-          <a:p>
-            <a:pPr rtl="0"/>
-            <a:endParaRPr lang="ko-KR" altLang="en-US">
-              <a:latin typeface="맑은 고딕" panose="020B0503020000020004" pitchFamily="50" charset="-127"/>
-              <a:ea typeface="맑은 고딕" panose="020B0503020000020004" pitchFamily="50" charset="-127"/>
-            </a:endParaRPr>
-          </a:p>
-        </p:txBody>
-      </p:sp>
-      <p:sp>
-        <p:nvSpPr>
-          <p:cNvPr id="4" name="슬라이드 번호 개체 틀 3"/>
-          <p:cNvSpPr>
-            <a:spLocks noGrp="1"/>
-          </p:cNvSpPr>
-          <p:nvPr>
-            <p:ph type="sldNum" sz="quarter" idx="10"/>
-          </p:nvPr>
-        </p:nvSpPr>
-        <p:spPr/>
-        <p:txBody>
-          <a:bodyPr rtlCol="0"/>
-          <a:lstStyle/>
-          <a:p>
-            <a:pPr rtl="0"/>
-            <a:fld id="{82869989-EB00-4EE7-BCB5-25BDC5BB29F8}" type="slidenum">
-              <a:rPr lang="en-US" altLang="ko-KR" smtClean="0">
-                <a:latin typeface="맑은 고딕" panose="020B0503020000020004" pitchFamily="50" charset="-127"/>
-                <a:ea typeface="맑은 고딕" panose="020B0503020000020004" pitchFamily="50" charset="-127"/>
-              </a:rPr>
-              <a:t>11</a:t>
-            </a:fld>
-            <a:endParaRPr lang="ko-KR" altLang="en-US">
-              <a:latin typeface="맑은 고딕" panose="020B0503020000020004" pitchFamily="50" charset="-127"/>
-              <a:ea typeface="맑은 고딕" panose="020B0503020000020004" pitchFamily="50" charset="-127"/>
-            </a:endParaRPr>
-          </a:p>
-        </p:txBody>
-      </p:sp>
-    </p:spTree>
-    <p:extLst>
-      <p:ext uri="{BB962C8B-B14F-4D97-AF65-F5344CB8AC3E}">
-        <p14:creationId xmlns:p14="http://schemas.microsoft.com/office/powerpoint/2010/main" val="2008420633"/>
-      </p:ext>
-    </p:extLst>
-  </p:cSld>
-  <p:clrMapOvr>
-    <a:masterClrMapping/>
-  </p:clrMapOvr>
-</p:notes>
-</file>
-
-<file path=ppt/notesSlides/notesSlide7.xml><?xml version="1.0" encoding="utf-8"?>
-<p:notes xmlns:a="http://schemas.openxmlformats.org/drawingml/2006/main" xmlns:r="http://schemas.openxmlformats.org/officeDocument/2006/relationships" xmlns:p="http://schemas.openxmlformats.org/presentationml/2006/main">
-  <p:cSld>
-    <p:spTree>
-      <p:nvGrpSpPr>
-        <p:cNvPr id="1" name=""/>
-        <p:cNvGrpSpPr/>
-        <p:nvPr/>
-      </p:nvGrpSpPr>
-      <p:grpSpPr>
-        <a:xfrm>
-          <a:off x="0" y="0"/>
-          <a:ext cx="0" cy="0"/>
-          <a:chOff x="0" y="0"/>
-          <a:chExt cx="0" cy="0"/>
-        </a:xfrm>
-      </p:grpSpPr>
-      <p:sp>
-        <p:nvSpPr>
-          <p:cNvPr id="2" name="슬라이드 이미지 개체 틀 1"/>
-          <p:cNvSpPr>
-            <a:spLocks noGrp="1" noRot="1" noChangeAspect="1"/>
-          </p:cNvSpPr>
-          <p:nvPr>
-            <p:ph type="sldImg"/>
-          </p:nvPr>
-        </p:nvSpPr>
-        <p:spPr/>
-      </p:sp>
-      <p:sp>
-        <p:nvSpPr>
-          <p:cNvPr id="3" name="슬라이드 노트 개체 틀 2"/>
-          <p:cNvSpPr>
-            <a:spLocks noGrp="1"/>
-          </p:cNvSpPr>
-          <p:nvPr>
-            <p:ph type="body" idx="1"/>
-          </p:nvPr>
-        </p:nvSpPr>
-        <p:spPr/>
-        <p:txBody>
-          <a:bodyPr rtlCol="0"/>
-          <a:lstStyle/>
-          <a:p>
-            <a:pPr rtl="0"/>
-            <a:endParaRPr lang="ko-KR" altLang="en-US">
-              <a:latin typeface="맑은 고딕" panose="020B0503020000020004" pitchFamily="50" charset="-127"/>
-              <a:ea typeface="맑은 고딕" panose="020B0503020000020004" pitchFamily="50" charset="-127"/>
-            </a:endParaRPr>
-          </a:p>
-        </p:txBody>
-      </p:sp>
-      <p:sp>
-        <p:nvSpPr>
-          <p:cNvPr id="4" name="슬라이드 번호 개체 틀 3"/>
-          <p:cNvSpPr>
-            <a:spLocks noGrp="1"/>
-          </p:cNvSpPr>
-          <p:nvPr>
-            <p:ph type="sldNum" sz="quarter" idx="10"/>
-          </p:nvPr>
-        </p:nvSpPr>
-        <p:spPr/>
-        <p:txBody>
-          <a:bodyPr rtlCol="0"/>
-          <a:lstStyle/>
-          <a:p>
-            <a:pPr rtl="0"/>
-            <a:fld id="{82869989-EB00-4EE7-BCB5-25BDC5BB29F8}" type="slidenum">
-              <a:rPr lang="en-US" altLang="ko-KR" smtClean="0">
-                <a:latin typeface="맑은 고딕" panose="020B0503020000020004" pitchFamily="50" charset="-127"/>
-                <a:ea typeface="맑은 고딕" panose="020B0503020000020004" pitchFamily="50" charset="-127"/>
-              </a:rPr>
-              <a:t>12</a:t>
-            </a:fld>
-            <a:endParaRPr lang="ko-KR" altLang="en-US">
-              <a:latin typeface="맑은 고딕" panose="020B0503020000020004" pitchFamily="50" charset="-127"/>
-              <a:ea typeface="맑은 고딕" panose="020B0503020000020004" pitchFamily="50" charset="-127"/>
-            </a:endParaRPr>
-          </a:p>
-        </p:txBody>
-      </p:sp>
-    </p:spTree>
-    <p:extLst>
-      <p:ext uri="{BB962C8B-B14F-4D97-AF65-F5344CB8AC3E}">
-        <p14:creationId xmlns:p14="http://schemas.microsoft.com/office/powerpoint/2010/main" val="2382128774"/>
-      </p:ext>
-    </p:extLst>
-  </p:cSld>
-  <p:clrMapOvr>
-    <a:masterClrMapping/>
-  </p:clrMapOvr>
-</p:notes>
-</file>
-
-<file path=ppt/notesSlides/notesSlide8.xml><?xml version="1.0" encoding="utf-8"?>
-<p:notes xmlns:a="http://schemas.openxmlformats.org/drawingml/2006/main" xmlns:r="http://schemas.openxmlformats.org/officeDocument/2006/relationships" xmlns:p="http://schemas.openxmlformats.org/presentationml/2006/main">
-  <p:cSld>
-    <p:spTree>
-      <p:nvGrpSpPr>
-        <p:cNvPr id="1" name=""/>
-        <p:cNvGrpSpPr/>
-        <p:nvPr/>
-      </p:nvGrpSpPr>
-      <p:grpSpPr>
-        <a:xfrm>
-          <a:off x="0" y="0"/>
-          <a:ext cx="0" cy="0"/>
-          <a:chOff x="0" y="0"/>
-          <a:chExt cx="0" cy="0"/>
-        </a:xfrm>
-      </p:grpSpPr>
-      <p:sp>
-        <p:nvSpPr>
-          <p:cNvPr id="2" name="슬라이드 이미지 개체 틀 1"/>
-          <p:cNvSpPr>
-            <a:spLocks noGrp="1" noRot="1" noChangeAspect="1"/>
-          </p:cNvSpPr>
-          <p:nvPr>
-            <p:ph type="sldImg"/>
-          </p:nvPr>
-        </p:nvSpPr>
-        <p:spPr/>
-      </p:sp>
-      <p:sp>
-        <p:nvSpPr>
-          <p:cNvPr id="3" name="슬라이드 노트 개체 틀 2"/>
-          <p:cNvSpPr>
-            <a:spLocks noGrp="1"/>
-          </p:cNvSpPr>
-          <p:nvPr>
-            <p:ph type="body" idx="1"/>
-          </p:nvPr>
-        </p:nvSpPr>
-        <p:spPr/>
-        <p:txBody>
-          <a:bodyPr rtlCol="0"/>
-          <a:lstStyle/>
-          <a:p>
-            <a:pPr rtl="0"/>
-            <a:endParaRPr lang="ko-KR" altLang="en-US">
-              <a:latin typeface="맑은 고딕" panose="020B0503020000020004" pitchFamily="50" charset="-127"/>
-              <a:ea typeface="맑은 고딕" panose="020B0503020000020004" pitchFamily="50" charset="-127"/>
-            </a:endParaRPr>
-          </a:p>
-        </p:txBody>
-      </p:sp>
-      <p:sp>
-        <p:nvSpPr>
-          <p:cNvPr id="4" name="슬라이드 번호 개체 틀 3"/>
-          <p:cNvSpPr>
-            <a:spLocks noGrp="1"/>
-          </p:cNvSpPr>
-          <p:nvPr>
-            <p:ph type="sldNum" sz="quarter" idx="10"/>
-          </p:nvPr>
-        </p:nvSpPr>
-        <p:spPr/>
-        <p:txBody>
-          <a:bodyPr rtlCol="0"/>
-          <a:lstStyle/>
-          <a:p>
-            <a:pPr rtl="0"/>
-            <a:fld id="{82869989-EB00-4EE7-BCB5-25BDC5BB29F8}" type="slidenum">
-              <a:rPr lang="en-US" altLang="ko-KR" smtClean="0">
-                <a:latin typeface="맑은 고딕" panose="020B0503020000020004" pitchFamily="50" charset="-127"/>
-                <a:ea typeface="맑은 고딕" panose="020B0503020000020004" pitchFamily="50" charset="-127"/>
-              </a:rPr>
-              <a:t>13</a:t>
-            </a:fld>
-            <a:endParaRPr lang="ko-KR" altLang="en-US">
-              <a:latin typeface="맑은 고딕" panose="020B0503020000020004" pitchFamily="50" charset="-127"/>
-              <a:ea typeface="맑은 고딕" panose="020B0503020000020004" pitchFamily="50" charset="-127"/>
-            </a:endParaRPr>
-          </a:p>
-        </p:txBody>
-      </p:sp>
-    </p:spTree>
-    <p:extLst>
-      <p:ext uri="{BB962C8B-B14F-4D97-AF65-F5344CB8AC3E}">
-        <p14:creationId xmlns:p14="http://schemas.microsoft.com/office/powerpoint/2010/main" val="1177557361"/>
-      </p:ext>
-    </p:extLst>
-  </p:cSld>
-  <p:clrMapOvr>
-    <a:masterClrMapping/>
-  </p:clrMapOvr>
-</p:notes>
-</file>
-
-<file path=ppt/notesSlides/notesSlide9.xml><?xml version="1.0" encoding="utf-8"?>
-<p:notes xmlns:a="http://schemas.openxmlformats.org/drawingml/2006/main" xmlns:r="http://schemas.openxmlformats.org/officeDocument/2006/relationships" xmlns:p="http://schemas.openxmlformats.org/presentationml/2006/main">
-  <p:cSld>
-    <p:spTree>
-      <p:nvGrpSpPr>
-        <p:cNvPr id="1" name=""/>
-        <p:cNvGrpSpPr/>
-        <p:nvPr/>
-      </p:nvGrpSpPr>
-      <p:grpSpPr>
-        <a:xfrm>
-          <a:off x="0" y="0"/>
-          <a:ext cx="0" cy="0"/>
-          <a:chOff x="0" y="0"/>
-          <a:chExt cx="0" cy="0"/>
-        </a:xfrm>
-      </p:grpSpPr>
-      <p:sp>
-        <p:nvSpPr>
-          <p:cNvPr id="2" name="슬라이드 이미지 개체 틀 1"/>
-          <p:cNvSpPr>
-            <a:spLocks noGrp="1" noRot="1" noChangeAspect="1"/>
-          </p:cNvSpPr>
-          <p:nvPr>
-            <p:ph type="sldImg"/>
-          </p:nvPr>
-        </p:nvSpPr>
-        <p:spPr/>
-      </p:sp>
-      <p:sp>
-        <p:nvSpPr>
-          <p:cNvPr id="3" name="슬라이드 노트 개체 틀 2"/>
-          <p:cNvSpPr>
-            <a:spLocks noGrp="1"/>
-          </p:cNvSpPr>
-          <p:nvPr>
-            <p:ph type="body" idx="1"/>
-          </p:nvPr>
-        </p:nvSpPr>
-        <p:spPr/>
-        <p:txBody>
-          <a:bodyPr rtlCol="0"/>
-          <a:lstStyle/>
-          <a:p>
-            <a:pPr rtl="0"/>
-            <a:endParaRPr lang="ko-KR" altLang="en-US">
-              <a:latin typeface="맑은 고딕" panose="020B0503020000020004" pitchFamily="50" charset="-127"/>
-              <a:ea typeface="맑은 고딕" panose="020B0503020000020004" pitchFamily="50" charset="-127"/>
-            </a:endParaRPr>
-          </a:p>
-        </p:txBody>
-      </p:sp>
-      <p:sp>
-        <p:nvSpPr>
-          <p:cNvPr id="4" name="슬라이드 번호 개체 틀 3"/>
-          <p:cNvSpPr>
-            <a:spLocks noGrp="1"/>
-          </p:cNvSpPr>
-          <p:nvPr>
-            <p:ph type="sldNum" sz="quarter" idx="10"/>
-          </p:nvPr>
-        </p:nvSpPr>
-        <p:spPr/>
-        <p:txBody>
-          <a:bodyPr rtlCol="0"/>
-          <a:lstStyle/>
-          <a:p>
-            <a:pPr rtl="0"/>
-            <a:fld id="{82869989-EB00-4EE7-BCB5-25BDC5BB29F8}" type="slidenum">
-              <a:rPr lang="en-US" altLang="ko-KR" smtClean="0">
-                <a:latin typeface="맑은 고딕" panose="020B0503020000020004" pitchFamily="50" charset="-127"/>
-                <a:ea typeface="맑은 고딕" panose="020B0503020000020004" pitchFamily="50" charset="-127"/>
-              </a:rPr>
-              <a:t>14</a:t>
-            </a:fld>
-            <a:endParaRPr lang="ko-KR" altLang="en-US">
-              <a:latin typeface="맑은 고딕" panose="020B0503020000020004" pitchFamily="50" charset="-127"/>
-              <a:ea typeface="맑은 고딕" panose="020B0503020000020004" pitchFamily="50" charset="-127"/>
-            </a:endParaRPr>
-          </a:p>
-        </p:txBody>
-      </p:sp>
-    </p:spTree>
-    <p:extLst>
-      <p:ext uri="{BB962C8B-B14F-4D97-AF65-F5344CB8AC3E}">
-        <p14:creationId xmlns:p14="http://schemas.microsoft.com/office/powerpoint/2010/main" val="1938755788"/>
-      </p:ext>
-    </p:extLst>
-  </p:cSld>
-  <p:clrMapOvr>
-    <a:masterClrMapping/>
-  </p:clrMapOvr>
-</p:notes>
-</file>
-
 <file path=ppt/slideLayouts/slideLayout1.xml><?xml version="1.0" encoding="utf-8"?>
 <p:sldLayout xmlns:a="http://schemas.openxmlformats.org/drawingml/2006/main" xmlns:r="http://schemas.openxmlformats.org/officeDocument/2006/relationships" xmlns:p="http://schemas.openxmlformats.org/presentationml/2006/main" showMasterSp="0" type="title" preserve="1">
   <p:cSld name="제목 슬라이드">
@@ -4364,7 +3406,7 @@
           <a:p>
             <a:fld id="{2A5B65E4-62A8-4988-B07B-5D6D443B14ED}" type="datetime4">
               <a:rPr lang="ko-KR" altLang="en-US" smtClean="0"/>
-              <a:t>2021년 3월 11일</a:t>
+              <a:t>2021년 3월 13일</a:t>
             </a:fld>
             <a:endParaRPr lang="ko-KR" altLang="en-US"/>
           </a:p>
@@ -4620,7 +3662,7 @@
           <a:p>
             <a:fld id="{58EB6286-0DE7-4336-9826-977AD102FCF2}" type="datetime4">
               <a:rPr lang="ko-KR" altLang="en-US" noProof="0" smtClean="0"/>
-              <a:t>2021년 3월 11일</a:t>
+              <a:t>2021년 3월 13일</a:t>
             </a:fld>
             <a:endParaRPr lang="ko-KR" altLang="en-US" noProof="0"/>
           </a:p>
@@ -4816,7 +3858,7 @@
             <a:pPr rtl="0"/>
             <a:fld id="{6A5419DA-7218-42E5-A443-F000500111E1}" type="datetime4">
               <a:rPr lang="ko-KR" altLang="en-US" noProof="0" smtClean="0"/>
-              <a:t>2021년 3월 11일</a:t>
+              <a:t>2021년 3월 13일</a:t>
             </a:fld>
             <a:endParaRPr lang="ko-KR" altLang="en-US" noProof="0"/>
           </a:p>
@@ -7217,7 +6259,7 @@
           <a:p>
             <a:fld id="{E498C52F-1DF1-4226-BAB6-C1E2EE4C9D62}" type="datetime4">
               <a:rPr lang="ko-KR" altLang="en-US" noProof="0" smtClean="0"/>
-              <a:t>2021년 3월 11일</a:t>
+              <a:t>2021년 3월 13일</a:t>
             </a:fld>
             <a:endParaRPr lang="ko-KR" altLang="en-US" noProof="0"/>
           </a:p>
@@ -7736,7 +6778,7 @@
           <a:p>
             <a:fld id="{7B1E1FFC-F755-4558-8D3C-A157D1A01A8A}" type="datetime4">
               <a:rPr lang="ko-KR" altLang="en-US" noProof="0" smtClean="0"/>
-              <a:t>2021년 3월 11일</a:t>
+              <a:t>2021년 3월 13일</a:t>
             </a:fld>
             <a:endParaRPr lang="ko-KR" altLang="en-US" noProof="0"/>
           </a:p>
@@ -7880,7 +6922,7 @@
             <a:pPr rtl="0"/>
             <a:fld id="{DA2A33C0-A4A8-4C90-B6DA-35B8CF58C816}" type="datetime4">
               <a:rPr lang="ko-KR" altLang="en-US" noProof="0" smtClean="0"/>
-              <a:t>2021년 3월 11일</a:t>
+              <a:t>2021년 3월 13일</a:t>
             </a:fld>
             <a:endParaRPr lang="ko-KR" altLang="en-US" noProof="0"/>
           </a:p>
@@ -9828,7 +8870,7 @@
           <a:p>
             <a:fld id="{53CB1B8F-A14A-4BE4-A9B9-3B263F04145C}" type="datetime4">
               <a:rPr lang="ko-KR" altLang="en-US" noProof="0" smtClean="0"/>
-              <a:t>2021년 3월 11일</a:t>
+              <a:t>2021년 3월 13일</a:t>
             </a:fld>
             <a:endParaRPr lang="ko-KR" altLang="en-US" noProof="0"/>
           </a:p>
@@ -12125,7 +11167,7 @@
           <a:p>
             <a:fld id="{5B9196A3-957C-4113-A568-B6ED9AEA3D01}" type="datetime4">
               <a:rPr lang="ko-KR" altLang="en-US" noProof="0" smtClean="0"/>
-              <a:t>2021년 3월 11일</a:t>
+              <a:t>2021년 3월 13일</a:t>
             </a:fld>
             <a:endParaRPr lang="ko-KR" altLang="en-US" noProof="0"/>
           </a:p>
@@ -16442,7 +15484,7 @@
           <a:p>
             <a:fld id="{28BEB146-D335-4DA5-9826-58595BCDBE2E}" type="datetime4">
               <a:rPr lang="ko-KR" altLang="en-US" noProof="0" smtClean="0"/>
-              <a:t>2021년 3월 11일</a:t>
+              <a:t>2021년 3월 13일</a:t>
             </a:fld>
             <a:endParaRPr lang="ko-KR" altLang="en-US" noProof="0"/>
           </a:p>
@@ -16969,48 +16011,48 @@
           <a:p>
             <a:pPr rtl="0"/>
             <a:r>
-              <a:rPr lang="ko-KR" altLang="en-US">
+              <a:rPr lang="ko-KR" altLang="en-US" dirty="0">
                 <a:latin typeface="맑은 고딕" panose="020B0503020000020004" pitchFamily="50" charset="-127"/>
                 <a:ea typeface="맑은 고딕" panose="020B0503020000020004" pitchFamily="50" charset="-127"/>
               </a:rPr>
               <a:t>비즈니스 로직을 재사용할 수 있는 </a:t>
             </a:r>
             <a:r>
-              <a:rPr lang="en-US" altLang="ko-KR">
+              <a:rPr lang="en-US" altLang="ko-KR" dirty="0">
                 <a:latin typeface="맑은 고딕" panose="020B0503020000020004" pitchFamily="50" charset="-127"/>
                 <a:ea typeface="맑은 고딕" panose="020B0503020000020004" pitchFamily="50" charset="-127"/>
               </a:rPr>
               <a:t>DI </a:t>
             </a:r>
             <a:r>
-              <a:rPr lang="ko-KR" altLang="en-US">
+              <a:rPr lang="ko-KR" altLang="en-US" dirty="0">
                 <a:latin typeface="맑은 고딕" panose="020B0503020000020004" pitchFamily="50" charset="-127"/>
                 <a:ea typeface="맑은 고딕" panose="020B0503020000020004" pitchFamily="50" charset="-127"/>
               </a:rPr>
               <a:t>와 </a:t>
             </a:r>
             <a:r>
-              <a:rPr lang="en-US" altLang="ko-KR">
+              <a:rPr lang="en-US" altLang="ko-KR" dirty="0">
                 <a:latin typeface="맑은 고딕" panose="020B0503020000020004" pitchFamily="50" charset="-127"/>
                 <a:ea typeface="맑은 고딕" panose="020B0503020000020004" pitchFamily="50" charset="-127"/>
               </a:rPr>
               <a:t>IoC </a:t>
             </a:r>
             <a:r>
-              <a:rPr lang="ko-KR" altLang="en-US">
+              <a:rPr lang="ko-KR" altLang="en-US" dirty="0">
                 <a:latin typeface="맑은 고딕" panose="020B0503020000020004" pitchFamily="50" charset="-127"/>
                 <a:ea typeface="맑은 고딕" panose="020B0503020000020004" pitchFamily="50" charset="-127"/>
               </a:rPr>
               <a:t>를 구현합니다</a:t>
             </a:r>
             <a:r>
-              <a:rPr lang="en-US" altLang="ko-KR">
+              <a:rPr lang="en-US" altLang="ko-KR" dirty="0">
                 <a:latin typeface="맑은 고딕" panose="020B0503020000020004" pitchFamily="50" charset="-127"/>
                 <a:ea typeface="맑은 고딕" panose="020B0503020000020004" pitchFamily="50" charset="-127"/>
               </a:rPr>
               <a:t>.</a:t>
             </a:r>
-            <a:endParaRPr lang="ko-KR" altLang="en-US">
+            <a:endParaRPr lang="ko-KR" altLang="en-US" dirty="0">
               <a:latin typeface="맑은 고딕" panose="020B0503020000020004" pitchFamily="50" charset="-127"/>
               <a:ea typeface="맑은 고딕" panose="020B0503020000020004" pitchFamily="50" charset="-127"/>
             </a:endParaRPr>
@@ -17021,1644 +16063,6 @@
     <p:extLst>
       <p:ext uri="{BB962C8B-B14F-4D97-AF65-F5344CB8AC3E}">
         <p14:creationId xmlns:p14="http://schemas.microsoft.com/office/powerpoint/2010/main" val="106904919"/>
-      </p:ext>
-    </p:extLst>
-  </p:cSld>
-  <p:clrMapOvr>
-    <a:masterClrMapping/>
-  </p:clrMapOvr>
-  <mc:AlternateContent xmlns:mc="http://schemas.openxmlformats.org/markup-compatibility/2006" xmlns:p14="http://schemas.microsoft.com/office/powerpoint/2010/main">
-    <mc:Choice Requires="p14">
-      <p:transition spd="med" p14:dur="700">
-        <p:fade/>
-      </p:transition>
-    </mc:Choice>
-    <mc:Fallback xmlns="">
-      <p:transition spd="med">
-        <p:fade/>
-      </p:transition>
-    </mc:Fallback>
-  </mc:AlternateContent>
-</p:sld>
-</file>
-
-<file path=ppt/slides/slide10.xml><?xml version="1.0" encoding="utf-8"?>
-<p:sld xmlns:a="http://schemas.openxmlformats.org/drawingml/2006/main" xmlns:r="http://schemas.openxmlformats.org/officeDocument/2006/relationships" xmlns:p="http://schemas.openxmlformats.org/presentationml/2006/main">
-  <p:cSld>
-    <p:spTree>
-      <p:nvGrpSpPr>
-        <p:cNvPr id="1" name=""/>
-        <p:cNvGrpSpPr/>
-        <p:nvPr/>
-      </p:nvGrpSpPr>
-      <p:grpSpPr>
-        <a:xfrm>
-          <a:off x="0" y="0"/>
-          <a:ext cx="0" cy="0"/>
-          <a:chOff x="0" y="0"/>
-          <a:chExt cx="0" cy="0"/>
-        </a:xfrm>
-      </p:grpSpPr>
-      <p:sp>
-        <p:nvSpPr>
-          <p:cNvPr id="2" name="제목 1"/>
-          <p:cNvSpPr>
-            <a:spLocks noGrp="1"/>
-          </p:cNvSpPr>
-          <p:nvPr>
-            <p:ph type="title"/>
-          </p:nvPr>
-        </p:nvSpPr>
-        <p:spPr/>
-        <p:txBody>
-          <a:bodyPr rtlCol="0"/>
-          <a:lstStyle/>
-          <a:p>
-            <a:pPr rtl="0"/>
-            <a:r>
-              <a:rPr lang="en-US" altLang="ko-KR"/>
-              <a:t>SQL </a:t>
-            </a:r>
-            <a:r>
-              <a:rPr lang="ko-KR" altLang="en-US"/>
-              <a:t>의존 문제를 해결합니다</a:t>
-            </a:r>
-            <a:r>
-              <a:rPr lang="en-US" altLang="ko-KR"/>
-              <a:t>.</a:t>
-            </a:r>
-            <a:endParaRPr lang="ko-KR" altLang="en-US">
-              <a:latin typeface="맑은 고딕" panose="020B0503020000020004" pitchFamily="50" charset="-127"/>
-              <a:ea typeface="맑은 고딕" panose="020B0503020000020004" pitchFamily="50" charset="-127"/>
-            </a:endParaRPr>
-          </a:p>
-        </p:txBody>
-      </p:sp>
-      <p:sp>
-        <p:nvSpPr>
-          <p:cNvPr id="3" name="내용 개체 틀 2">
-            <a:extLst>
-              <a:ext uri="{FF2B5EF4-FFF2-40B4-BE49-F238E27FC236}">
-                <a16:creationId xmlns:a16="http://schemas.microsoft.com/office/drawing/2014/main" id="{DA62FCA6-426E-41D1-9AF7-D575B841741D}"/>
-              </a:ext>
-            </a:extLst>
-          </p:cNvPr>
-          <p:cNvSpPr>
-            <a:spLocks noGrp="1"/>
-          </p:cNvSpPr>
-          <p:nvPr>
-            <p:ph idx="1"/>
-          </p:nvPr>
-        </p:nvSpPr>
-        <p:spPr/>
-        <p:txBody>
-          <a:bodyPr/>
-          <a:lstStyle/>
-          <a:p>
-            <a:r>
-              <a:rPr lang="en-US" altLang="ko-KR" dirty="0">
-                <a:latin typeface="맑은 고딕" panose="020B0503020000020004" pitchFamily="50" charset="-127"/>
-                <a:ea typeface="맑은 고딕" panose="020B0503020000020004" pitchFamily="50" charset="-127"/>
-              </a:rPr>
-              <a:t>SQL</a:t>
-            </a:r>
-            <a:r>
-              <a:rPr lang="ko-KR" altLang="en-US" dirty="0">
-                <a:latin typeface="맑은 고딕" panose="020B0503020000020004" pitchFamily="50" charset="-127"/>
-                <a:ea typeface="맑은 고딕" panose="020B0503020000020004" pitchFamily="50" charset="-127"/>
-              </a:rPr>
-              <a:t> 의존 문제</a:t>
-            </a:r>
-            <a:endParaRPr lang="en-US" altLang="ko-KR" dirty="0">
-              <a:latin typeface="맑은 고딕" panose="020B0503020000020004" pitchFamily="50" charset="-127"/>
-              <a:ea typeface="맑은 고딕" panose="020B0503020000020004" pitchFamily="50" charset="-127"/>
-            </a:endParaRPr>
-          </a:p>
-          <a:p>
-            <a:pPr lvl="1"/>
-            <a:r>
-              <a:rPr lang="en-US" altLang="ko-KR" dirty="0"/>
-              <a:t>SQL</a:t>
-            </a:r>
-            <a:r>
-              <a:rPr lang="en-US" altLang="ko-KR" dirty="0">
-                <a:latin typeface="맑은 고딕" panose="020B0503020000020004" pitchFamily="50" charset="-127"/>
-                <a:ea typeface="맑은 고딕" panose="020B0503020000020004" pitchFamily="50" charset="-127"/>
-              </a:rPr>
-              <a:t> </a:t>
-            </a:r>
-            <a:r>
-              <a:rPr lang="ko-KR" altLang="en-US" dirty="0">
-                <a:latin typeface="맑은 고딕" panose="020B0503020000020004" pitchFamily="50" charset="-127"/>
-                <a:ea typeface="맑은 고딕" panose="020B0503020000020004" pitchFamily="50" charset="-127"/>
-              </a:rPr>
-              <a:t>기능과 비즈니스 로직이 복잡하게 섞여 있는 문제</a:t>
-            </a:r>
-            <a:endParaRPr lang="en-US" altLang="ko-KR" dirty="0">
-              <a:latin typeface="맑은 고딕" panose="020B0503020000020004" pitchFamily="50" charset="-127"/>
-              <a:ea typeface="맑은 고딕" panose="020B0503020000020004" pitchFamily="50" charset="-127"/>
-            </a:endParaRPr>
-          </a:p>
-          <a:p>
-            <a:pPr lvl="1"/>
-            <a:endParaRPr lang="en-US" altLang="ko-KR" dirty="0">
-              <a:latin typeface="맑은 고딕" panose="020B0503020000020004" pitchFamily="50" charset="-127"/>
-              <a:ea typeface="맑은 고딕" panose="020B0503020000020004" pitchFamily="50" charset="-127"/>
-            </a:endParaRPr>
-          </a:p>
-          <a:p>
-            <a:r>
-              <a:rPr lang="en-US" altLang="ko-KR" dirty="0">
-                <a:latin typeface="맑은 고딕" panose="020B0503020000020004" pitchFamily="50" charset="-127"/>
-                <a:ea typeface="맑은 고딕" panose="020B0503020000020004" pitchFamily="50" charset="-127"/>
-              </a:rPr>
-              <a:t>SQL </a:t>
-            </a:r>
-            <a:r>
-              <a:rPr lang="ko-KR" altLang="en-US" dirty="0">
-                <a:latin typeface="맑은 고딕" panose="020B0503020000020004" pitchFamily="50" charset="-127"/>
-                <a:ea typeface="맑은 고딕" panose="020B0503020000020004" pitchFamily="50" charset="-127"/>
-              </a:rPr>
-              <a:t>기능</a:t>
-            </a:r>
-            <a:endParaRPr lang="en-US" altLang="ko-KR" dirty="0">
-              <a:latin typeface="맑은 고딕" panose="020B0503020000020004" pitchFamily="50" charset="-127"/>
-              <a:ea typeface="맑은 고딕" panose="020B0503020000020004" pitchFamily="50" charset="-127"/>
-            </a:endParaRPr>
-          </a:p>
-          <a:p>
-            <a:pPr lvl="1"/>
-            <a:r>
-              <a:rPr lang="ko-KR" altLang="en-US" dirty="0">
-                <a:latin typeface="맑은 고딕" panose="020B0503020000020004" pitchFamily="50" charset="-127"/>
-                <a:ea typeface="맑은 고딕" panose="020B0503020000020004" pitchFamily="50" charset="-127"/>
-              </a:rPr>
-              <a:t>트랜잭션 </a:t>
-            </a:r>
-            <a:r>
-              <a:rPr lang="en-US" altLang="ko-KR" dirty="0">
-                <a:latin typeface="맑은 고딕" panose="020B0503020000020004" pitchFamily="50" charset="-127"/>
-                <a:ea typeface="맑은 고딕" panose="020B0503020000020004" pitchFamily="50" charset="-127"/>
-              </a:rPr>
-              <a:t>: Connection </a:t>
-            </a:r>
-            <a:r>
-              <a:rPr lang="ko-KR" altLang="en-US" dirty="0">
-                <a:latin typeface="맑은 고딕" panose="020B0503020000020004" pitchFamily="50" charset="-127"/>
-                <a:ea typeface="맑은 고딕" panose="020B0503020000020004" pitchFamily="50" charset="-127"/>
-              </a:rPr>
-              <a:t>객체 관리</a:t>
-            </a:r>
-            <a:r>
-              <a:rPr lang="en-US" altLang="ko-KR" dirty="0">
-                <a:latin typeface="맑은 고딕" panose="020B0503020000020004" pitchFamily="50" charset="-127"/>
-                <a:ea typeface="맑은 고딕" panose="020B0503020000020004" pitchFamily="50" charset="-127"/>
-              </a:rPr>
-              <a:t>, commit/rollback </a:t>
-            </a:r>
-            <a:r>
-              <a:rPr lang="ko-KR" altLang="en-US" dirty="0">
-                <a:latin typeface="맑은 고딕" panose="020B0503020000020004" pitchFamily="50" charset="-127"/>
-                <a:ea typeface="맑은 고딕" panose="020B0503020000020004" pitchFamily="50" charset="-127"/>
-              </a:rPr>
-              <a:t>실행</a:t>
-            </a:r>
-            <a:endParaRPr lang="en-US" altLang="ko-KR" dirty="0">
-              <a:latin typeface="맑은 고딕" panose="020B0503020000020004" pitchFamily="50" charset="-127"/>
-              <a:ea typeface="맑은 고딕" panose="020B0503020000020004" pitchFamily="50" charset="-127"/>
-            </a:endParaRPr>
-          </a:p>
-          <a:p>
-            <a:pPr lvl="1"/>
-            <a:r>
-              <a:rPr lang="en-US" altLang="ko-KR" dirty="0"/>
-              <a:t>SQL </a:t>
-            </a:r>
-            <a:r>
-              <a:rPr lang="ko-KR" altLang="en-US" dirty="0"/>
-              <a:t>실행</a:t>
-            </a:r>
-            <a:r>
-              <a:rPr lang="en-US" altLang="ko-KR" dirty="0"/>
-              <a:t> : CRUD  SQL, </a:t>
-            </a:r>
-            <a:r>
-              <a:rPr lang="ko-KR" altLang="en-US" dirty="0"/>
-              <a:t>정적</a:t>
-            </a:r>
-            <a:r>
-              <a:rPr lang="en-US" altLang="ko-KR" dirty="0"/>
-              <a:t>/</a:t>
-            </a:r>
-            <a:r>
-              <a:rPr lang="ko-KR" altLang="en-US" dirty="0"/>
-              <a:t>동적 </a:t>
-            </a:r>
-            <a:r>
-              <a:rPr lang="en-US" altLang="ko-KR" dirty="0"/>
-              <a:t>SQL </a:t>
-            </a:r>
-            <a:r>
-              <a:rPr lang="ko-KR" altLang="en-US" dirty="0"/>
-              <a:t>실행</a:t>
-            </a:r>
-            <a:endParaRPr lang="en-US" altLang="ko-KR" dirty="0">
-              <a:latin typeface="맑은 고딕" panose="020B0503020000020004" pitchFamily="50" charset="-127"/>
-              <a:ea typeface="맑은 고딕" panose="020B0503020000020004" pitchFamily="50" charset="-127"/>
-            </a:endParaRPr>
-          </a:p>
-          <a:p>
-            <a:pPr lvl="1"/>
-            <a:r>
-              <a:rPr lang="en-US" altLang="ko-KR" dirty="0"/>
-              <a:t>SQL </a:t>
-            </a:r>
-            <a:r>
-              <a:rPr lang="ko-KR" altLang="en-US" dirty="0"/>
-              <a:t>결과 </a:t>
-            </a:r>
-            <a:r>
-              <a:rPr lang="en-US" altLang="ko-KR" dirty="0"/>
-              <a:t>: VO(DTO), get, set </a:t>
-            </a:r>
-            <a:r>
-              <a:rPr lang="ko-KR" altLang="en-US" dirty="0"/>
-              <a:t>메소드</a:t>
-            </a:r>
-            <a:endParaRPr lang="en-US" altLang="ko-KR" dirty="0">
-              <a:latin typeface="맑은 고딕" panose="020B0503020000020004" pitchFamily="50" charset="-127"/>
-              <a:ea typeface="맑은 고딕" panose="020B0503020000020004" pitchFamily="50" charset="-127"/>
-            </a:endParaRPr>
-          </a:p>
-        </p:txBody>
-      </p:sp>
-    </p:spTree>
-    <p:extLst>
-      <p:ext uri="{BB962C8B-B14F-4D97-AF65-F5344CB8AC3E}">
-        <p14:creationId xmlns:p14="http://schemas.microsoft.com/office/powerpoint/2010/main" val="1355702864"/>
-      </p:ext>
-    </p:extLst>
-  </p:cSld>
-  <p:clrMapOvr>
-    <a:masterClrMapping/>
-  </p:clrMapOvr>
-  <mc:AlternateContent xmlns:mc="http://schemas.openxmlformats.org/markup-compatibility/2006" xmlns:p14="http://schemas.microsoft.com/office/powerpoint/2010/main">
-    <mc:Choice Requires="p14">
-      <p:transition spd="med" p14:dur="700">
-        <p:fade/>
-      </p:transition>
-    </mc:Choice>
-    <mc:Fallback xmlns="">
-      <p:transition spd="med">
-        <p:fade/>
-      </p:transition>
-    </mc:Fallback>
-  </mc:AlternateContent>
-</p:sld>
-</file>
-
-<file path=ppt/slides/slide11.xml><?xml version="1.0" encoding="utf-8"?>
-<p:sld xmlns:a="http://schemas.openxmlformats.org/drawingml/2006/main" xmlns:r="http://schemas.openxmlformats.org/officeDocument/2006/relationships" xmlns:p="http://schemas.openxmlformats.org/presentationml/2006/main">
-  <p:cSld>
-    <p:spTree>
-      <p:nvGrpSpPr>
-        <p:cNvPr id="1" name=""/>
-        <p:cNvGrpSpPr/>
-        <p:nvPr/>
-      </p:nvGrpSpPr>
-      <p:grpSpPr>
-        <a:xfrm>
-          <a:off x="0" y="0"/>
-          <a:ext cx="0" cy="0"/>
-          <a:chOff x="0" y="0"/>
-          <a:chExt cx="0" cy="0"/>
-        </a:xfrm>
-      </p:grpSpPr>
-      <p:sp>
-        <p:nvSpPr>
-          <p:cNvPr id="2" name="제목 1"/>
-          <p:cNvSpPr>
-            <a:spLocks noGrp="1"/>
-          </p:cNvSpPr>
-          <p:nvPr>
-            <p:ph type="title"/>
-          </p:nvPr>
-        </p:nvSpPr>
-        <p:spPr/>
-        <p:txBody>
-          <a:bodyPr rtlCol="0"/>
-          <a:lstStyle/>
-          <a:p>
-            <a:pPr rtl="0"/>
-            <a:r>
-              <a:rPr lang="ko-KR" altLang="en-US" dirty="0"/>
-              <a:t>프레임워크가 구현할 기능 </a:t>
-            </a:r>
-            <a:r>
-              <a:rPr lang="en-US" altLang="ko-KR" dirty="0"/>
-              <a:t>- </a:t>
-            </a:r>
-            <a:r>
-              <a:rPr lang="ko-KR" altLang="en-US" dirty="0">
-                <a:latin typeface="맑은 고딕" panose="020B0503020000020004" pitchFamily="50" charset="-127"/>
-                <a:ea typeface="맑은 고딕" panose="020B0503020000020004" pitchFamily="50" charset="-127"/>
-              </a:rPr>
-              <a:t>트랜잭션</a:t>
-            </a:r>
-          </a:p>
-        </p:txBody>
-      </p:sp>
-      <p:pic>
-        <p:nvPicPr>
-          <p:cNvPr id="2050" name="Picture 2">
-            <a:extLst>
-              <a:ext uri="{FF2B5EF4-FFF2-40B4-BE49-F238E27FC236}">
-                <a16:creationId xmlns:a16="http://schemas.microsoft.com/office/drawing/2014/main" id="{CA014A8A-B66B-4A53-8190-48A5A5C7FF0E}"/>
-              </a:ext>
-            </a:extLst>
-          </p:cNvPr>
-          <p:cNvPicPr>
-            <a:picLocks noGrp="1" noChangeAspect="1" noChangeArrowheads="1"/>
-          </p:cNvPicPr>
-          <p:nvPr>
-            <p:ph idx="1"/>
-          </p:nvPr>
-        </p:nvPicPr>
-        <p:blipFill>
-          <a:blip r:embed="rId3">
-            <a:extLst>
-              <a:ext uri="{28A0092B-C50C-407E-A947-70E740481C1C}">
-                <a14:useLocalDpi xmlns:a14="http://schemas.microsoft.com/office/drawing/2010/main" val="0"/>
-              </a:ext>
-            </a:extLst>
-          </a:blip>
-          <a:srcRect/>
-          <a:stretch>
-            <a:fillRect/>
-          </a:stretch>
-        </p:blipFill>
-        <p:spPr bwMode="auto">
-          <a:xfrm>
-            <a:off x="1534630" y="2210819"/>
-            <a:ext cx="8661700" cy="2218761"/>
-          </a:xfrm>
-          <a:prstGeom prst="rect">
-            <a:avLst/>
-          </a:prstGeom>
-          <a:noFill/>
-          <a:extLst>
-            <a:ext uri="{909E8E84-426E-40DD-AFC4-6F175D3DCCD1}">
-              <a14:hiddenFill xmlns:a14="http://schemas.microsoft.com/office/drawing/2010/main">
-                <a:solidFill>
-                  <a:srgbClr val="FFFFFF"/>
-                </a:solidFill>
-              </a14:hiddenFill>
-            </a:ext>
-          </a:extLst>
-        </p:spPr>
-      </p:pic>
-      <p:sp>
-        <p:nvSpPr>
-          <p:cNvPr id="4" name="TextBox 3">
-            <a:extLst>
-              <a:ext uri="{FF2B5EF4-FFF2-40B4-BE49-F238E27FC236}">
-                <a16:creationId xmlns:a16="http://schemas.microsoft.com/office/drawing/2014/main" id="{3192A41E-38D8-4FD5-9016-8AA654A9D260}"/>
-              </a:ext>
-            </a:extLst>
-          </p:cNvPr>
-          <p:cNvSpPr txBox="1"/>
-          <p:nvPr/>
-        </p:nvSpPr>
-        <p:spPr>
-          <a:xfrm>
-            <a:off x="2762935" y="2026153"/>
-            <a:ext cx="184731" cy="369332"/>
-          </a:xfrm>
-          <a:prstGeom prst="rect">
-            <a:avLst/>
-          </a:prstGeom>
-          <a:noFill/>
-        </p:spPr>
-        <p:txBody>
-          <a:bodyPr wrap="none" rtlCol="0">
-            <a:spAutoFit/>
-          </a:bodyPr>
-          <a:lstStyle/>
-          <a:p>
-            <a:endParaRPr lang="ko-KR" altLang="en-US" dirty="0"/>
-          </a:p>
-        </p:txBody>
-      </p:sp>
-      <p:sp>
-        <p:nvSpPr>
-          <p:cNvPr id="5" name="TextBox 4">
-            <a:extLst>
-              <a:ext uri="{FF2B5EF4-FFF2-40B4-BE49-F238E27FC236}">
-                <a16:creationId xmlns:a16="http://schemas.microsoft.com/office/drawing/2014/main" id="{2AF587FD-C5A5-42F7-9EDC-0E8A57B0C9EE}"/>
-              </a:ext>
-            </a:extLst>
-          </p:cNvPr>
-          <p:cNvSpPr txBox="1"/>
-          <p:nvPr/>
-        </p:nvSpPr>
-        <p:spPr>
-          <a:xfrm>
-            <a:off x="4960882" y="4752864"/>
-            <a:ext cx="3176510" cy="1200329"/>
-          </a:xfrm>
-          <a:prstGeom prst="rect">
-            <a:avLst/>
-          </a:prstGeom>
-          <a:noFill/>
-        </p:spPr>
-        <p:txBody>
-          <a:bodyPr wrap="square" rtlCol="0">
-            <a:spAutoFit/>
-          </a:bodyPr>
-          <a:lstStyle/>
-          <a:p>
-            <a:r>
-              <a:rPr lang="ko-KR" altLang="en-US" dirty="0"/>
-              <a:t>오류</a:t>
-            </a:r>
-            <a:endParaRPr lang="en-US" altLang="ko-KR" dirty="0"/>
-          </a:p>
-          <a:p>
-            <a:pPr marL="342900" indent="-342900">
-              <a:buAutoNum type="arabicPeriod"/>
-            </a:pPr>
-            <a:r>
-              <a:rPr lang="ko-KR" altLang="en-US" dirty="0"/>
-              <a:t>클라이언트 비정상 종료</a:t>
-            </a:r>
-            <a:endParaRPr lang="en-US" altLang="ko-KR" dirty="0"/>
-          </a:p>
-          <a:p>
-            <a:pPr marL="342900" indent="-342900">
-              <a:buAutoNum type="arabicPeriod"/>
-            </a:pPr>
-            <a:r>
-              <a:rPr lang="en-US" altLang="ko-KR" dirty="0"/>
-              <a:t>DBMS </a:t>
-            </a:r>
-            <a:r>
-              <a:rPr lang="ko-KR" altLang="en-US" dirty="0"/>
-              <a:t>다운</a:t>
-            </a:r>
-            <a:endParaRPr lang="en-US" altLang="ko-KR" dirty="0"/>
-          </a:p>
-          <a:p>
-            <a:pPr marL="342900" indent="-342900">
-              <a:buAutoNum type="arabicPeriod"/>
-            </a:pPr>
-            <a:r>
-              <a:rPr lang="en-US" altLang="ko-KR" dirty="0"/>
-              <a:t>DCL : rollback</a:t>
-            </a:r>
-            <a:endParaRPr lang="ko-KR" altLang="en-US" dirty="0"/>
-          </a:p>
-        </p:txBody>
-      </p:sp>
-    </p:spTree>
-    <p:extLst>
-      <p:ext uri="{BB962C8B-B14F-4D97-AF65-F5344CB8AC3E}">
-        <p14:creationId xmlns:p14="http://schemas.microsoft.com/office/powerpoint/2010/main" val="1596653821"/>
-      </p:ext>
-    </p:extLst>
-  </p:cSld>
-  <p:clrMapOvr>
-    <a:masterClrMapping/>
-  </p:clrMapOvr>
-  <mc:AlternateContent xmlns:mc="http://schemas.openxmlformats.org/markup-compatibility/2006" xmlns:p14="http://schemas.microsoft.com/office/powerpoint/2010/main">
-    <mc:Choice Requires="p14">
-      <p:transition spd="med" p14:dur="700">
-        <p:fade/>
-      </p:transition>
-    </mc:Choice>
-    <mc:Fallback xmlns="">
-      <p:transition spd="med">
-        <p:fade/>
-      </p:transition>
-    </mc:Fallback>
-  </mc:AlternateContent>
-</p:sld>
-</file>
-
-<file path=ppt/slides/slide12.xml><?xml version="1.0" encoding="utf-8"?>
-<p:sld xmlns:a="http://schemas.openxmlformats.org/drawingml/2006/main" xmlns:r="http://schemas.openxmlformats.org/officeDocument/2006/relationships" xmlns:p="http://schemas.openxmlformats.org/presentationml/2006/main">
-  <p:cSld>
-    <p:spTree>
-      <p:nvGrpSpPr>
-        <p:cNvPr id="1" name=""/>
-        <p:cNvGrpSpPr/>
-        <p:nvPr/>
-      </p:nvGrpSpPr>
-      <p:grpSpPr>
-        <a:xfrm>
-          <a:off x="0" y="0"/>
-          <a:ext cx="0" cy="0"/>
-          <a:chOff x="0" y="0"/>
-          <a:chExt cx="0" cy="0"/>
-        </a:xfrm>
-      </p:grpSpPr>
-      <p:sp>
-        <p:nvSpPr>
-          <p:cNvPr id="2" name="제목 1"/>
-          <p:cNvSpPr>
-            <a:spLocks noGrp="1"/>
-          </p:cNvSpPr>
-          <p:nvPr>
-            <p:ph type="title"/>
-          </p:nvPr>
-        </p:nvSpPr>
-        <p:spPr/>
-        <p:txBody>
-          <a:bodyPr rtlCol="0"/>
-          <a:lstStyle/>
-          <a:p>
-            <a:pPr rtl="0"/>
-            <a:r>
-              <a:rPr lang="ko-KR" altLang="en-US" dirty="0"/>
-              <a:t>프레임워크가 구현할 기능 </a:t>
-            </a:r>
-            <a:r>
-              <a:rPr lang="en-US" altLang="ko-KR" dirty="0"/>
-              <a:t>- </a:t>
-            </a:r>
-            <a:r>
-              <a:rPr lang="ko-KR" altLang="en-US" dirty="0">
-                <a:latin typeface="맑은 고딕" panose="020B0503020000020004" pitchFamily="50" charset="-127"/>
-                <a:ea typeface="맑은 고딕" panose="020B0503020000020004" pitchFamily="50" charset="-127"/>
-              </a:rPr>
-              <a:t>트랜잭션</a:t>
-            </a:r>
-          </a:p>
-        </p:txBody>
-      </p:sp>
-      <p:pic>
-        <p:nvPicPr>
-          <p:cNvPr id="2050" name="Picture 2">
-            <a:extLst>
-              <a:ext uri="{FF2B5EF4-FFF2-40B4-BE49-F238E27FC236}">
-                <a16:creationId xmlns:a16="http://schemas.microsoft.com/office/drawing/2014/main" id="{CA014A8A-B66B-4A53-8190-48A5A5C7FF0E}"/>
-              </a:ext>
-            </a:extLst>
-          </p:cNvPr>
-          <p:cNvPicPr>
-            <a:picLocks noGrp="1" noChangeAspect="1" noChangeArrowheads="1"/>
-          </p:cNvPicPr>
-          <p:nvPr>
-            <p:ph idx="1"/>
-          </p:nvPr>
-        </p:nvPicPr>
-        <p:blipFill>
-          <a:blip r:embed="rId3">
-            <a:extLst>
-              <a:ext uri="{28A0092B-C50C-407E-A947-70E740481C1C}">
-                <a14:useLocalDpi xmlns:a14="http://schemas.microsoft.com/office/drawing/2010/main" val="0"/>
-              </a:ext>
-            </a:extLst>
-          </a:blip>
-          <a:srcRect/>
-          <a:stretch>
-            <a:fillRect/>
-          </a:stretch>
-        </p:blipFill>
-        <p:spPr bwMode="auto">
-          <a:xfrm>
-            <a:off x="1534630" y="2210819"/>
-            <a:ext cx="8661700" cy="2218761"/>
-          </a:xfrm>
-          <a:prstGeom prst="rect">
-            <a:avLst/>
-          </a:prstGeom>
-          <a:noFill/>
-          <a:extLst>
-            <a:ext uri="{909E8E84-426E-40DD-AFC4-6F175D3DCCD1}">
-              <a14:hiddenFill xmlns:a14="http://schemas.microsoft.com/office/drawing/2010/main">
-                <a:solidFill>
-                  <a:srgbClr val="FFFFFF"/>
-                </a:solidFill>
-              </a14:hiddenFill>
-            </a:ext>
-          </a:extLst>
-        </p:spPr>
-      </p:pic>
-      <p:sp>
-        <p:nvSpPr>
-          <p:cNvPr id="4" name="TextBox 3">
-            <a:extLst>
-              <a:ext uri="{FF2B5EF4-FFF2-40B4-BE49-F238E27FC236}">
-                <a16:creationId xmlns:a16="http://schemas.microsoft.com/office/drawing/2014/main" id="{3192A41E-38D8-4FD5-9016-8AA654A9D260}"/>
-              </a:ext>
-            </a:extLst>
-          </p:cNvPr>
-          <p:cNvSpPr txBox="1"/>
-          <p:nvPr/>
-        </p:nvSpPr>
-        <p:spPr>
-          <a:xfrm>
-            <a:off x="2762935" y="2026153"/>
-            <a:ext cx="184731" cy="369332"/>
-          </a:xfrm>
-          <a:prstGeom prst="rect">
-            <a:avLst/>
-          </a:prstGeom>
-          <a:noFill/>
-        </p:spPr>
-        <p:txBody>
-          <a:bodyPr wrap="none" rtlCol="0">
-            <a:spAutoFit/>
-          </a:bodyPr>
-          <a:lstStyle/>
-          <a:p>
-            <a:endParaRPr lang="ko-KR" altLang="en-US" dirty="0"/>
-          </a:p>
-        </p:txBody>
-      </p:sp>
-      <p:sp>
-        <p:nvSpPr>
-          <p:cNvPr id="5" name="TextBox 4">
-            <a:extLst>
-              <a:ext uri="{FF2B5EF4-FFF2-40B4-BE49-F238E27FC236}">
-                <a16:creationId xmlns:a16="http://schemas.microsoft.com/office/drawing/2014/main" id="{2AF587FD-C5A5-42F7-9EDC-0E8A57B0C9EE}"/>
-              </a:ext>
-            </a:extLst>
-          </p:cNvPr>
-          <p:cNvSpPr txBox="1"/>
-          <p:nvPr/>
-        </p:nvSpPr>
-        <p:spPr>
-          <a:xfrm>
-            <a:off x="1751632" y="4226951"/>
-            <a:ext cx="2914758" cy="369332"/>
-          </a:xfrm>
-          <a:prstGeom prst="rect">
-            <a:avLst/>
-          </a:prstGeom>
-        </p:spPr>
-        <p:style>
-          <a:lnRef idx="2">
-            <a:schemeClr val="dk1"/>
-          </a:lnRef>
-          <a:fillRef idx="1">
-            <a:schemeClr val="lt1"/>
-          </a:fillRef>
-          <a:effectRef idx="0">
-            <a:schemeClr val="dk1"/>
-          </a:effectRef>
-          <a:fontRef idx="minor">
-            <a:schemeClr val="dk1"/>
-          </a:fontRef>
-        </p:style>
-        <p:txBody>
-          <a:bodyPr wrap="square" rtlCol="0">
-            <a:spAutoFit/>
-          </a:bodyPr>
-          <a:lstStyle/>
-          <a:p>
-            <a:pPr algn="ctr"/>
-            <a:r>
-              <a:rPr lang="en-US" altLang="ko-KR" dirty="0" err="1">
-                <a:solidFill>
-                  <a:srgbClr val="FF0000"/>
-                </a:solidFill>
-              </a:rPr>
-              <a:t>conn.setAuthCommit</a:t>
-            </a:r>
-            <a:r>
-              <a:rPr lang="en-US" altLang="ko-KR" dirty="0">
-                <a:solidFill>
-                  <a:srgbClr val="FF0000"/>
-                </a:solidFill>
-              </a:rPr>
-              <a:t>(false)</a:t>
-            </a:r>
-            <a:endParaRPr lang="ko-KR" altLang="en-US" dirty="0">
-              <a:solidFill>
-                <a:srgbClr val="FF0000"/>
-              </a:solidFill>
-            </a:endParaRPr>
-          </a:p>
-        </p:txBody>
-      </p:sp>
-      <p:sp>
-        <p:nvSpPr>
-          <p:cNvPr id="7" name="TextBox 6">
-            <a:extLst>
-              <a:ext uri="{FF2B5EF4-FFF2-40B4-BE49-F238E27FC236}">
-                <a16:creationId xmlns:a16="http://schemas.microsoft.com/office/drawing/2014/main" id="{71BDA85D-2C18-4DDF-819B-B87CFBFC60D3}"/>
-              </a:ext>
-            </a:extLst>
-          </p:cNvPr>
-          <p:cNvSpPr txBox="1"/>
-          <p:nvPr/>
-        </p:nvSpPr>
-        <p:spPr>
-          <a:xfrm>
-            <a:off x="7135776" y="3320199"/>
-            <a:ext cx="1670977" cy="369332"/>
-          </a:xfrm>
-          <a:prstGeom prst="rect">
-            <a:avLst/>
-          </a:prstGeom>
-        </p:spPr>
-        <p:style>
-          <a:lnRef idx="2">
-            <a:schemeClr val="dk1"/>
-          </a:lnRef>
-          <a:fillRef idx="1">
-            <a:schemeClr val="lt1"/>
-          </a:fillRef>
-          <a:effectRef idx="0">
-            <a:schemeClr val="dk1"/>
-          </a:effectRef>
-          <a:fontRef idx="minor">
-            <a:schemeClr val="dk1"/>
-          </a:fontRef>
-        </p:style>
-        <p:txBody>
-          <a:bodyPr wrap="square" rtlCol="0">
-            <a:spAutoFit/>
-          </a:bodyPr>
-          <a:lstStyle/>
-          <a:p>
-            <a:pPr algn="ctr"/>
-            <a:r>
-              <a:rPr lang="en-US" altLang="ko-KR" dirty="0" err="1">
-                <a:solidFill>
-                  <a:srgbClr val="FF0000"/>
-                </a:solidFill>
-              </a:rPr>
-              <a:t>conn.rollback</a:t>
-            </a:r>
-            <a:r>
-              <a:rPr lang="en-US" altLang="ko-KR" dirty="0">
-                <a:solidFill>
-                  <a:srgbClr val="FF0000"/>
-                </a:solidFill>
-              </a:rPr>
-              <a:t>()</a:t>
-            </a:r>
-            <a:endParaRPr lang="ko-KR" altLang="en-US" dirty="0">
-              <a:solidFill>
-                <a:srgbClr val="FF0000"/>
-              </a:solidFill>
-            </a:endParaRPr>
-          </a:p>
-        </p:txBody>
-      </p:sp>
-      <p:sp>
-        <p:nvSpPr>
-          <p:cNvPr id="8" name="TextBox 7">
-            <a:extLst>
-              <a:ext uri="{FF2B5EF4-FFF2-40B4-BE49-F238E27FC236}">
-                <a16:creationId xmlns:a16="http://schemas.microsoft.com/office/drawing/2014/main" id="{B5C65420-5E49-4019-9256-870566E7D9C5}"/>
-              </a:ext>
-            </a:extLst>
-          </p:cNvPr>
-          <p:cNvSpPr txBox="1"/>
-          <p:nvPr/>
-        </p:nvSpPr>
-        <p:spPr>
-          <a:xfrm>
-            <a:off x="7135776" y="1830904"/>
-            <a:ext cx="1670977" cy="369332"/>
-          </a:xfrm>
-          <a:prstGeom prst="rect">
-            <a:avLst/>
-          </a:prstGeom>
-        </p:spPr>
-        <p:style>
-          <a:lnRef idx="2">
-            <a:schemeClr val="dk1"/>
-          </a:lnRef>
-          <a:fillRef idx="1">
-            <a:schemeClr val="lt1"/>
-          </a:fillRef>
-          <a:effectRef idx="0">
-            <a:schemeClr val="dk1"/>
-          </a:effectRef>
-          <a:fontRef idx="minor">
-            <a:schemeClr val="dk1"/>
-          </a:fontRef>
-        </p:style>
-        <p:txBody>
-          <a:bodyPr wrap="square" rtlCol="0">
-            <a:spAutoFit/>
-          </a:bodyPr>
-          <a:lstStyle/>
-          <a:p>
-            <a:pPr algn="ctr"/>
-            <a:r>
-              <a:rPr lang="en-US" altLang="ko-KR" dirty="0" err="1">
-                <a:solidFill>
-                  <a:srgbClr val="FF0000"/>
-                </a:solidFill>
-              </a:rPr>
-              <a:t>conn.commit</a:t>
-            </a:r>
-            <a:r>
-              <a:rPr lang="en-US" altLang="ko-KR" dirty="0">
-                <a:solidFill>
-                  <a:srgbClr val="FF0000"/>
-                </a:solidFill>
-              </a:rPr>
-              <a:t>()</a:t>
-            </a:r>
-            <a:endParaRPr lang="ko-KR" altLang="en-US" dirty="0">
-              <a:solidFill>
-                <a:srgbClr val="FF0000"/>
-              </a:solidFill>
-            </a:endParaRPr>
-          </a:p>
-        </p:txBody>
-      </p:sp>
-    </p:spTree>
-    <p:extLst>
-      <p:ext uri="{BB962C8B-B14F-4D97-AF65-F5344CB8AC3E}">
-        <p14:creationId xmlns:p14="http://schemas.microsoft.com/office/powerpoint/2010/main" val="70837351"/>
-      </p:ext>
-    </p:extLst>
-  </p:cSld>
-  <p:clrMapOvr>
-    <a:masterClrMapping/>
-  </p:clrMapOvr>
-  <mc:AlternateContent xmlns:mc="http://schemas.openxmlformats.org/markup-compatibility/2006" xmlns:p14="http://schemas.microsoft.com/office/powerpoint/2010/main">
-    <mc:Choice Requires="p14">
-      <p:transition spd="med" p14:dur="700">
-        <p:fade/>
-      </p:transition>
-    </mc:Choice>
-    <mc:Fallback xmlns="">
-      <p:transition spd="med">
-        <p:fade/>
-      </p:transition>
-    </mc:Fallback>
-  </mc:AlternateContent>
-</p:sld>
-</file>
-
-<file path=ppt/slides/slide13.xml><?xml version="1.0" encoding="utf-8"?>
-<p:sld xmlns:a="http://schemas.openxmlformats.org/drawingml/2006/main" xmlns:r="http://schemas.openxmlformats.org/officeDocument/2006/relationships" xmlns:p="http://schemas.openxmlformats.org/presentationml/2006/main">
-  <p:cSld>
-    <p:spTree>
-      <p:nvGrpSpPr>
-        <p:cNvPr id="1" name=""/>
-        <p:cNvGrpSpPr/>
-        <p:nvPr/>
-      </p:nvGrpSpPr>
-      <p:grpSpPr>
-        <a:xfrm>
-          <a:off x="0" y="0"/>
-          <a:ext cx="0" cy="0"/>
-          <a:chOff x="0" y="0"/>
-          <a:chExt cx="0" cy="0"/>
-        </a:xfrm>
-      </p:grpSpPr>
-      <p:sp>
-        <p:nvSpPr>
-          <p:cNvPr id="2" name="제목 1"/>
-          <p:cNvSpPr>
-            <a:spLocks noGrp="1"/>
-          </p:cNvSpPr>
-          <p:nvPr>
-            <p:ph type="title"/>
-          </p:nvPr>
-        </p:nvSpPr>
-        <p:spPr/>
-        <p:txBody>
-          <a:bodyPr rtlCol="0"/>
-          <a:lstStyle/>
-          <a:p>
-            <a:pPr rtl="0"/>
-            <a:r>
-              <a:rPr lang="ko-KR" altLang="en-US" dirty="0"/>
-              <a:t>프레임워크가 구현할 기능 </a:t>
-            </a:r>
-            <a:r>
-              <a:rPr lang="en-US" altLang="ko-KR" dirty="0"/>
-              <a:t>- </a:t>
-            </a:r>
-            <a:r>
-              <a:rPr lang="en-US" altLang="ko-KR" dirty="0">
-                <a:latin typeface="맑은 고딕" panose="020B0503020000020004" pitchFamily="50" charset="-127"/>
-                <a:ea typeface="맑은 고딕" panose="020B0503020000020004" pitchFamily="50" charset="-127"/>
-              </a:rPr>
-              <a:t>SQL </a:t>
-            </a:r>
-            <a:r>
-              <a:rPr lang="ko-KR" altLang="en-US" dirty="0">
-                <a:latin typeface="맑은 고딕" panose="020B0503020000020004" pitchFamily="50" charset="-127"/>
-                <a:ea typeface="맑은 고딕" panose="020B0503020000020004" pitchFamily="50" charset="-127"/>
-              </a:rPr>
-              <a:t>실행</a:t>
-            </a:r>
-          </a:p>
-        </p:txBody>
-      </p:sp>
-      <p:sp>
-        <p:nvSpPr>
-          <p:cNvPr id="3" name="내용 개체 틀 2">
-            <a:extLst>
-              <a:ext uri="{FF2B5EF4-FFF2-40B4-BE49-F238E27FC236}">
-                <a16:creationId xmlns:a16="http://schemas.microsoft.com/office/drawing/2014/main" id="{490A1BEE-6582-4602-86F5-FAD490AAC13F}"/>
-              </a:ext>
-            </a:extLst>
-          </p:cNvPr>
-          <p:cNvSpPr>
-            <a:spLocks noGrp="1"/>
-          </p:cNvSpPr>
-          <p:nvPr>
-            <p:ph idx="1"/>
-          </p:nvPr>
-        </p:nvSpPr>
-        <p:spPr/>
-        <p:txBody>
-          <a:bodyPr/>
-          <a:lstStyle/>
-          <a:p>
-            <a:r>
-              <a:rPr lang="en-US" altLang="ko-KR" dirty="0"/>
-              <a:t>CRUD SQL</a:t>
-            </a:r>
-            <a:r>
-              <a:rPr lang="ko-KR" altLang="en-US" dirty="0"/>
-              <a:t> 과 </a:t>
-            </a:r>
-            <a:r>
-              <a:rPr lang="en-US" altLang="ko-KR" dirty="0"/>
-              <a:t>java </a:t>
-            </a:r>
-            <a:r>
-              <a:rPr lang="ko-KR" altLang="en-US" dirty="0"/>
-              <a:t>코드의 분리</a:t>
-            </a:r>
-            <a:endParaRPr lang="en-US" altLang="ko-KR" dirty="0"/>
-          </a:p>
-          <a:p>
-            <a:pPr lvl="1"/>
-            <a:r>
-              <a:rPr lang="en-US" altLang="ko-KR" dirty="0"/>
-              <a:t>KEY = SQL</a:t>
-            </a:r>
-          </a:p>
-          <a:p>
-            <a:pPr lvl="1"/>
-            <a:r>
-              <a:rPr lang="en-US" altLang="ko-KR" dirty="0"/>
-              <a:t>FW_SQL TABLE</a:t>
-            </a:r>
-          </a:p>
-          <a:p>
-            <a:r>
-              <a:rPr lang="ko-KR" altLang="en-US" dirty="0"/>
-              <a:t>정적 </a:t>
-            </a:r>
-            <a:r>
-              <a:rPr lang="en-US" altLang="ko-KR" dirty="0"/>
-              <a:t>SQL </a:t>
-            </a:r>
-            <a:r>
-              <a:rPr lang="ko-KR" altLang="en-US" dirty="0"/>
-              <a:t>의 성능과 동적 </a:t>
-            </a:r>
-            <a:r>
-              <a:rPr lang="en-US" altLang="ko-KR" dirty="0"/>
-              <a:t>SQL </a:t>
-            </a:r>
-            <a:r>
-              <a:rPr lang="ko-KR" altLang="en-US" dirty="0"/>
-              <a:t>유연성 제공</a:t>
-            </a:r>
-            <a:endParaRPr lang="en-US" altLang="ko-KR" dirty="0"/>
-          </a:p>
-          <a:p>
-            <a:pPr lvl="1"/>
-            <a:r>
-              <a:rPr lang="ko-KR" altLang="en-US" dirty="0"/>
-              <a:t>정적 </a:t>
-            </a:r>
-            <a:r>
-              <a:rPr lang="en-US" altLang="ko-KR" dirty="0"/>
-              <a:t>SQL : </a:t>
-            </a:r>
-            <a:r>
-              <a:rPr lang="ko-KR" altLang="en-US" dirty="0"/>
-              <a:t>미리 </a:t>
-            </a:r>
-            <a:r>
-              <a:rPr lang="en-US" altLang="ko-KR" dirty="0"/>
-              <a:t>SQL </a:t>
-            </a:r>
-            <a:r>
-              <a:rPr lang="ko-KR" altLang="en-US" dirty="0"/>
-              <a:t>을 준비하고 </a:t>
-            </a:r>
-            <a:r>
-              <a:rPr lang="ko-KR" altLang="en-US" dirty="0" err="1"/>
-              <a:t>바인드</a:t>
-            </a:r>
-            <a:r>
-              <a:rPr lang="ko-KR" altLang="en-US" dirty="0"/>
-              <a:t> 변수를 넘겨 실행</a:t>
-            </a:r>
-            <a:endParaRPr lang="en-US" altLang="ko-KR" dirty="0"/>
-          </a:p>
-          <a:p>
-            <a:pPr lvl="1"/>
-            <a:r>
-              <a:rPr lang="ko-KR" altLang="en-US" dirty="0"/>
-              <a:t>동적 </a:t>
-            </a:r>
-            <a:r>
-              <a:rPr lang="en-US" altLang="ko-KR" dirty="0"/>
-              <a:t>SQL : </a:t>
-            </a:r>
-            <a:r>
-              <a:rPr lang="ko-KR" altLang="en-US" dirty="0"/>
-              <a:t>하나의 </a:t>
-            </a:r>
-            <a:r>
-              <a:rPr lang="en-US" altLang="ko-KR" dirty="0"/>
-              <a:t>String </a:t>
-            </a:r>
-            <a:r>
-              <a:rPr lang="ko-KR" altLang="en-US" dirty="0"/>
-              <a:t>객체에 </a:t>
-            </a:r>
-            <a:r>
-              <a:rPr lang="en-US" altLang="ko-KR" dirty="0"/>
-              <a:t>SQL </a:t>
-            </a:r>
-            <a:r>
-              <a:rPr lang="ko-KR" altLang="en-US" dirty="0"/>
-              <a:t>을 작성하고 바로 실행</a:t>
-            </a:r>
-            <a:endParaRPr lang="en-US" altLang="ko-KR" dirty="0"/>
-          </a:p>
-        </p:txBody>
-      </p:sp>
-    </p:spTree>
-    <p:extLst>
-      <p:ext uri="{BB962C8B-B14F-4D97-AF65-F5344CB8AC3E}">
-        <p14:creationId xmlns:p14="http://schemas.microsoft.com/office/powerpoint/2010/main" val="4145999854"/>
-      </p:ext>
-    </p:extLst>
-  </p:cSld>
-  <p:clrMapOvr>
-    <a:masterClrMapping/>
-  </p:clrMapOvr>
-  <mc:AlternateContent xmlns:mc="http://schemas.openxmlformats.org/markup-compatibility/2006" xmlns:p14="http://schemas.microsoft.com/office/powerpoint/2010/main">
-    <mc:Choice Requires="p14">
-      <p:transition spd="med" p14:dur="700">
-        <p:fade/>
-      </p:transition>
-    </mc:Choice>
-    <mc:Fallback xmlns="">
-      <p:transition spd="med">
-        <p:fade/>
-      </p:transition>
-    </mc:Fallback>
-  </mc:AlternateContent>
-</p:sld>
-</file>
-
-<file path=ppt/slides/slide14.xml><?xml version="1.0" encoding="utf-8"?>
-<p:sld xmlns:a="http://schemas.openxmlformats.org/drawingml/2006/main" xmlns:r="http://schemas.openxmlformats.org/officeDocument/2006/relationships" xmlns:p="http://schemas.openxmlformats.org/presentationml/2006/main">
-  <p:cSld>
-    <p:spTree>
-      <p:nvGrpSpPr>
-        <p:cNvPr id="1" name=""/>
-        <p:cNvGrpSpPr/>
-        <p:nvPr/>
-      </p:nvGrpSpPr>
-      <p:grpSpPr>
-        <a:xfrm>
-          <a:off x="0" y="0"/>
-          <a:ext cx="0" cy="0"/>
-          <a:chOff x="0" y="0"/>
-          <a:chExt cx="0" cy="0"/>
-        </a:xfrm>
-      </p:grpSpPr>
-      <p:sp>
-        <p:nvSpPr>
-          <p:cNvPr id="2" name="제목 1"/>
-          <p:cNvSpPr>
-            <a:spLocks noGrp="1"/>
-          </p:cNvSpPr>
-          <p:nvPr>
-            <p:ph type="title"/>
-          </p:nvPr>
-        </p:nvSpPr>
-        <p:spPr/>
-        <p:txBody>
-          <a:bodyPr rtlCol="0"/>
-          <a:lstStyle/>
-          <a:p>
-            <a:pPr rtl="0"/>
-            <a:r>
-              <a:rPr lang="ko-KR" altLang="en-US" dirty="0"/>
-              <a:t>프레임워크가 구현할 기능 </a:t>
-            </a:r>
-            <a:r>
-              <a:rPr lang="en-US" altLang="ko-KR" dirty="0"/>
-              <a:t>- </a:t>
-            </a:r>
-            <a:r>
-              <a:rPr lang="en-US" altLang="ko-KR" dirty="0">
-                <a:latin typeface="맑은 고딕" panose="020B0503020000020004" pitchFamily="50" charset="-127"/>
-                <a:ea typeface="맑은 고딕" panose="020B0503020000020004" pitchFamily="50" charset="-127"/>
-              </a:rPr>
-              <a:t>SQL </a:t>
-            </a:r>
-            <a:r>
-              <a:rPr lang="ko-KR" altLang="en-US" dirty="0">
-                <a:latin typeface="맑은 고딕" panose="020B0503020000020004" pitchFamily="50" charset="-127"/>
-                <a:ea typeface="맑은 고딕" panose="020B0503020000020004" pitchFamily="50" charset="-127"/>
-              </a:rPr>
-              <a:t>결과</a:t>
-            </a:r>
-          </a:p>
-        </p:txBody>
-      </p:sp>
-      <p:sp>
-        <p:nvSpPr>
-          <p:cNvPr id="3" name="내용 개체 틀 2">
-            <a:extLst>
-              <a:ext uri="{FF2B5EF4-FFF2-40B4-BE49-F238E27FC236}">
-                <a16:creationId xmlns:a16="http://schemas.microsoft.com/office/drawing/2014/main" id="{490A1BEE-6582-4602-86F5-FAD490AAC13F}"/>
-              </a:ext>
-            </a:extLst>
-          </p:cNvPr>
-          <p:cNvSpPr>
-            <a:spLocks noGrp="1"/>
-          </p:cNvSpPr>
-          <p:nvPr>
-            <p:ph idx="1"/>
-          </p:nvPr>
-        </p:nvSpPr>
-        <p:spPr/>
-        <p:txBody>
-          <a:bodyPr/>
-          <a:lstStyle/>
-          <a:p>
-            <a:r>
-              <a:rPr lang="en-US" altLang="ko-KR" dirty="0"/>
-              <a:t>SQL </a:t>
-            </a:r>
-            <a:r>
-              <a:rPr lang="ko-KR" altLang="en-US" dirty="0"/>
-              <a:t>결과</a:t>
-            </a:r>
-            <a:endParaRPr lang="en-US" altLang="ko-KR" dirty="0"/>
-          </a:p>
-          <a:p>
-            <a:pPr lvl="1"/>
-            <a:r>
-              <a:rPr lang="en-US" altLang="ko-KR" dirty="0"/>
-              <a:t>SELECT SQL </a:t>
-            </a:r>
-            <a:r>
-              <a:rPr lang="ko-KR" altLang="en-US" dirty="0"/>
-              <a:t>결과 </a:t>
-            </a:r>
-            <a:r>
-              <a:rPr lang="en-US" altLang="ko-KR" dirty="0"/>
-              <a:t>TABLE</a:t>
-            </a:r>
-          </a:p>
-          <a:p>
-            <a:pPr lvl="1"/>
-            <a:r>
-              <a:rPr lang="en-US" altLang="ko-KR" dirty="0"/>
-              <a:t>INSERT / UPDATE / DELETE </a:t>
-            </a:r>
-            <a:r>
-              <a:rPr lang="ko-KR" altLang="en-US" dirty="0"/>
-              <a:t>결과 </a:t>
-            </a:r>
-            <a:r>
-              <a:rPr lang="en-US" altLang="ko-KR" dirty="0"/>
-              <a:t>int</a:t>
-            </a:r>
-          </a:p>
-        </p:txBody>
-      </p:sp>
-      <p:pic>
-        <p:nvPicPr>
-          <p:cNvPr id="4" name="Picture 2">
-            <a:extLst>
-              <a:ext uri="{FF2B5EF4-FFF2-40B4-BE49-F238E27FC236}">
-                <a16:creationId xmlns:a16="http://schemas.microsoft.com/office/drawing/2014/main" id="{B1713E50-6DA5-48FF-95C8-29B69712C9A1}"/>
-              </a:ext>
-            </a:extLst>
-          </p:cNvPr>
-          <p:cNvPicPr>
-            <a:picLocks noChangeAspect="1" noChangeArrowheads="1"/>
-          </p:cNvPicPr>
-          <p:nvPr/>
-        </p:nvPicPr>
-        <p:blipFill>
-          <a:blip r:embed="rId3">
-            <a:extLst>
-              <a:ext uri="{28A0092B-C50C-407E-A947-70E740481C1C}">
-                <a14:useLocalDpi xmlns:a14="http://schemas.microsoft.com/office/drawing/2010/main" val="0"/>
-              </a:ext>
-            </a:extLst>
-          </a:blip>
-          <a:srcRect/>
-          <a:stretch>
-            <a:fillRect/>
-          </a:stretch>
-        </p:blipFill>
-        <p:spPr bwMode="auto">
-          <a:xfrm>
-            <a:off x="2093306" y="3251366"/>
-            <a:ext cx="5676144" cy="2539834"/>
-          </a:xfrm>
-          <a:prstGeom prst="rect">
-            <a:avLst/>
-          </a:prstGeom>
-          <a:noFill/>
-          <a:extLst>
-            <a:ext uri="{909E8E84-426E-40DD-AFC4-6F175D3DCCD1}">
-              <a14:hiddenFill xmlns:a14="http://schemas.microsoft.com/office/drawing/2010/main">
-                <a:solidFill>
-                  <a:srgbClr val="FFFFFF"/>
-                </a:solidFill>
-              </a14:hiddenFill>
-            </a:ext>
-          </a:extLst>
-        </p:spPr>
-      </p:pic>
-    </p:spTree>
-    <p:extLst>
-      <p:ext uri="{BB962C8B-B14F-4D97-AF65-F5344CB8AC3E}">
-        <p14:creationId xmlns:p14="http://schemas.microsoft.com/office/powerpoint/2010/main" val="2392204457"/>
-      </p:ext>
-    </p:extLst>
-  </p:cSld>
-  <p:clrMapOvr>
-    <a:masterClrMapping/>
-  </p:clrMapOvr>
-  <mc:AlternateContent xmlns:mc="http://schemas.openxmlformats.org/markup-compatibility/2006" xmlns:p14="http://schemas.microsoft.com/office/powerpoint/2010/main">
-    <mc:Choice Requires="p14">
-      <p:transition spd="med" p14:dur="700">
-        <p:fade/>
-      </p:transition>
-    </mc:Choice>
-    <mc:Fallback xmlns="">
-      <p:transition spd="med">
-        <p:fade/>
-      </p:transition>
-    </mc:Fallback>
-  </mc:AlternateContent>
-</p:sld>
-</file>
-
-<file path=ppt/slides/slide15.xml><?xml version="1.0" encoding="utf-8"?>
-<p:sld xmlns:a="http://schemas.openxmlformats.org/drawingml/2006/main" xmlns:r="http://schemas.openxmlformats.org/officeDocument/2006/relationships" xmlns:p="http://schemas.openxmlformats.org/presentationml/2006/main">
-  <p:cSld>
-    <p:spTree>
-      <p:nvGrpSpPr>
-        <p:cNvPr id="1" name=""/>
-        <p:cNvGrpSpPr/>
-        <p:nvPr/>
-      </p:nvGrpSpPr>
-      <p:grpSpPr>
-        <a:xfrm>
-          <a:off x="0" y="0"/>
-          <a:ext cx="0" cy="0"/>
-          <a:chOff x="0" y="0"/>
-          <a:chExt cx="0" cy="0"/>
-        </a:xfrm>
-      </p:grpSpPr>
-      <p:sp>
-        <p:nvSpPr>
-          <p:cNvPr id="2" name="제목 1"/>
-          <p:cNvSpPr>
-            <a:spLocks noGrp="1"/>
-          </p:cNvSpPr>
-          <p:nvPr>
-            <p:ph type="title"/>
-          </p:nvPr>
-        </p:nvSpPr>
-        <p:spPr/>
-        <p:txBody>
-          <a:bodyPr rtlCol="0"/>
-          <a:lstStyle/>
-          <a:p>
-            <a:pPr rtl="0"/>
-            <a:r>
-              <a:rPr lang="en-US" altLang="ko-KR"/>
-              <a:t>SQL </a:t>
-            </a:r>
-            <a:r>
-              <a:rPr lang="ko-KR" altLang="en-US"/>
-              <a:t>의존 문제를 해결합니다</a:t>
-            </a:r>
-            <a:r>
-              <a:rPr lang="en-US" altLang="ko-KR"/>
-              <a:t>.</a:t>
-            </a:r>
-            <a:endParaRPr lang="ko-KR" altLang="en-US">
-              <a:latin typeface="맑은 고딕" panose="020B0503020000020004" pitchFamily="50" charset="-127"/>
-              <a:ea typeface="맑은 고딕" panose="020B0503020000020004" pitchFamily="50" charset="-127"/>
-            </a:endParaRPr>
-          </a:p>
-        </p:txBody>
-      </p:sp>
-      <p:sp>
-        <p:nvSpPr>
-          <p:cNvPr id="3" name="내용 개체 틀 2">
-            <a:extLst>
-              <a:ext uri="{FF2B5EF4-FFF2-40B4-BE49-F238E27FC236}">
-                <a16:creationId xmlns:a16="http://schemas.microsoft.com/office/drawing/2014/main" id="{DA62FCA6-426E-41D1-9AF7-D575B841741D}"/>
-              </a:ext>
-            </a:extLst>
-          </p:cNvPr>
-          <p:cNvSpPr>
-            <a:spLocks noGrp="1"/>
-          </p:cNvSpPr>
-          <p:nvPr>
-            <p:ph idx="1"/>
-          </p:nvPr>
-        </p:nvSpPr>
-        <p:spPr/>
-        <p:txBody>
-          <a:bodyPr/>
-          <a:lstStyle/>
-          <a:p>
-            <a:r>
-              <a:rPr lang="en-US" altLang="ko-KR" dirty="0">
-                <a:latin typeface="맑은 고딕" panose="020B0503020000020004" pitchFamily="50" charset="-127"/>
-                <a:ea typeface="맑은 고딕" panose="020B0503020000020004" pitchFamily="50" charset="-127"/>
-              </a:rPr>
-              <a:t>SQL</a:t>
-            </a:r>
-            <a:r>
-              <a:rPr lang="ko-KR" altLang="en-US" dirty="0">
-                <a:latin typeface="맑은 고딕" panose="020B0503020000020004" pitchFamily="50" charset="-127"/>
-                <a:ea typeface="맑은 고딕" panose="020B0503020000020004" pitchFamily="50" charset="-127"/>
-              </a:rPr>
-              <a:t> 의존 문제</a:t>
-            </a:r>
-            <a:endParaRPr lang="en-US" altLang="ko-KR" dirty="0">
-              <a:latin typeface="맑은 고딕" panose="020B0503020000020004" pitchFamily="50" charset="-127"/>
-              <a:ea typeface="맑은 고딕" panose="020B0503020000020004" pitchFamily="50" charset="-127"/>
-            </a:endParaRPr>
-          </a:p>
-          <a:p>
-            <a:pPr lvl="1"/>
-            <a:r>
-              <a:rPr lang="en-US" altLang="ko-KR" dirty="0"/>
-              <a:t>SQL</a:t>
-            </a:r>
-            <a:r>
-              <a:rPr lang="en-US" altLang="ko-KR" dirty="0">
-                <a:latin typeface="맑은 고딕" panose="020B0503020000020004" pitchFamily="50" charset="-127"/>
-                <a:ea typeface="맑은 고딕" panose="020B0503020000020004" pitchFamily="50" charset="-127"/>
-              </a:rPr>
-              <a:t> </a:t>
-            </a:r>
-            <a:r>
-              <a:rPr lang="ko-KR" altLang="en-US" dirty="0">
-                <a:latin typeface="맑은 고딕" panose="020B0503020000020004" pitchFamily="50" charset="-127"/>
-                <a:ea typeface="맑은 고딕" panose="020B0503020000020004" pitchFamily="50" charset="-127"/>
-              </a:rPr>
-              <a:t>기능과 비즈니스 로직이 복잡하게 섞여 있는 문제</a:t>
-            </a:r>
-            <a:endParaRPr lang="en-US" altLang="ko-KR" dirty="0">
-              <a:latin typeface="맑은 고딕" panose="020B0503020000020004" pitchFamily="50" charset="-127"/>
-              <a:ea typeface="맑은 고딕" panose="020B0503020000020004" pitchFamily="50" charset="-127"/>
-            </a:endParaRPr>
-          </a:p>
-          <a:p>
-            <a:pPr lvl="1"/>
-            <a:endParaRPr lang="en-US" altLang="ko-KR" dirty="0">
-              <a:latin typeface="맑은 고딕" panose="020B0503020000020004" pitchFamily="50" charset="-127"/>
-              <a:ea typeface="맑은 고딕" panose="020B0503020000020004" pitchFamily="50" charset="-127"/>
-            </a:endParaRPr>
-          </a:p>
-          <a:p>
-            <a:r>
-              <a:rPr lang="en-US" altLang="ko-KR" dirty="0">
-                <a:latin typeface="맑은 고딕" panose="020B0503020000020004" pitchFamily="50" charset="-127"/>
-                <a:ea typeface="맑은 고딕" panose="020B0503020000020004" pitchFamily="50" charset="-127"/>
-              </a:rPr>
-              <a:t>SQL </a:t>
-            </a:r>
-            <a:r>
-              <a:rPr lang="ko-KR" altLang="en-US" dirty="0">
-                <a:latin typeface="맑은 고딕" panose="020B0503020000020004" pitchFamily="50" charset="-127"/>
-                <a:ea typeface="맑은 고딕" panose="020B0503020000020004" pitchFamily="50" charset="-127"/>
-              </a:rPr>
-              <a:t>기능</a:t>
-            </a:r>
-            <a:endParaRPr lang="en-US" altLang="ko-KR" dirty="0">
-              <a:latin typeface="맑은 고딕" panose="020B0503020000020004" pitchFamily="50" charset="-127"/>
-              <a:ea typeface="맑은 고딕" panose="020B0503020000020004" pitchFamily="50" charset="-127"/>
-            </a:endParaRPr>
-          </a:p>
-          <a:p>
-            <a:pPr lvl="1"/>
-            <a:r>
-              <a:rPr lang="ko-KR" altLang="en-US" dirty="0">
-                <a:latin typeface="맑은 고딕" panose="020B0503020000020004" pitchFamily="50" charset="-127"/>
-                <a:ea typeface="맑은 고딕" panose="020B0503020000020004" pitchFamily="50" charset="-127"/>
-              </a:rPr>
-              <a:t>트랜잭션 </a:t>
-            </a:r>
-            <a:r>
-              <a:rPr lang="en-US" altLang="ko-KR" dirty="0">
-                <a:latin typeface="맑은 고딕" panose="020B0503020000020004" pitchFamily="50" charset="-127"/>
-                <a:ea typeface="맑은 고딕" panose="020B0503020000020004" pitchFamily="50" charset="-127"/>
-              </a:rPr>
-              <a:t>: Transaction.java</a:t>
-            </a:r>
-          </a:p>
-          <a:p>
-            <a:pPr lvl="1"/>
-            <a:r>
-              <a:rPr lang="en-US" altLang="ko-KR" dirty="0"/>
-              <a:t>SQL </a:t>
-            </a:r>
-            <a:r>
-              <a:rPr lang="ko-KR" altLang="en-US" dirty="0"/>
-              <a:t>실행</a:t>
-            </a:r>
-            <a:r>
-              <a:rPr lang="en-US" altLang="ko-KR" dirty="0"/>
-              <a:t> : SqlRunner</a:t>
-            </a:r>
-            <a:r>
-              <a:rPr lang="en-US" altLang="ko-KR" dirty="0">
-                <a:latin typeface="맑은 고딕" panose="020B0503020000020004" pitchFamily="50" charset="-127"/>
-                <a:ea typeface="맑은 고딕" panose="020B0503020000020004" pitchFamily="50" charset="-127"/>
-              </a:rPr>
-              <a:t>.java</a:t>
-            </a:r>
-          </a:p>
-          <a:p>
-            <a:pPr lvl="1"/>
-            <a:r>
-              <a:rPr lang="en-US" altLang="ko-KR" dirty="0"/>
-              <a:t>SQL </a:t>
-            </a:r>
-            <a:r>
-              <a:rPr lang="ko-KR" altLang="en-US" dirty="0"/>
-              <a:t>결과 </a:t>
-            </a:r>
-            <a:r>
-              <a:rPr lang="en-US" altLang="ko-KR" dirty="0"/>
-              <a:t>: Table</a:t>
-            </a:r>
-            <a:r>
-              <a:rPr lang="en-US" altLang="ko-KR" dirty="0">
-                <a:latin typeface="맑은 고딕" panose="020B0503020000020004" pitchFamily="50" charset="-127"/>
-                <a:ea typeface="맑은 고딕" panose="020B0503020000020004" pitchFamily="50" charset="-127"/>
-              </a:rPr>
-              <a:t>.java</a:t>
-            </a:r>
-          </a:p>
-        </p:txBody>
-      </p:sp>
-    </p:spTree>
-    <p:extLst>
-      <p:ext uri="{BB962C8B-B14F-4D97-AF65-F5344CB8AC3E}">
-        <p14:creationId xmlns:p14="http://schemas.microsoft.com/office/powerpoint/2010/main" val="3826954321"/>
-      </p:ext>
-    </p:extLst>
-  </p:cSld>
-  <p:clrMapOvr>
-    <a:masterClrMapping/>
-  </p:clrMapOvr>
-  <mc:AlternateContent xmlns:mc="http://schemas.openxmlformats.org/markup-compatibility/2006" xmlns:p14="http://schemas.microsoft.com/office/powerpoint/2010/main">
-    <mc:Choice Requires="p14">
-      <p:transition spd="med" p14:dur="700">
-        <p:fade/>
-      </p:transition>
-    </mc:Choice>
-    <mc:Fallback xmlns="">
-      <p:transition spd="med">
-        <p:fade/>
-      </p:transition>
-    </mc:Fallback>
-  </mc:AlternateContent>
-</p:sld>
-</file>
-
-<file path=ppt/slides/slide16.xml><?xml version="1.0" encoding="utf-8"?>
-<p:sld xmlns:a="http://schemas.openxmlformats.org/drawingml/2006/main" xmlns:r="http://schemas.openxmlformats.org/officeDocument/2006/relationships" xmlns:p="http://schemas.openxmlformats.org/presentationml/2006/main">
-  <p:cSld>
-    <p:spTree>
-      <p:nvGrpSpPr>
-        <p:cNvPr id="1" name=""/>
-        <p:cNvGrpSpPr/>
-        <p:nvPr/>
-      </p:nvGrpSpPr>
-      <p:grpSpPr>
-        <a:xfrm>
-          <a:off x="0" y="0"/>
-          <a:ext cx="0" cy="0"/>
-          <a:chOff x="0" y="0"/>
-          <a:chExt cx="0" cy="0"/>
-        </a:xfrm>
-      </p:grpSpPr>
-      <p:sp>
-        <p:nvSpPr>
-          <p:cNvPr id="2" name="제목 1"/>
-          <p:cNvSpPr>
-            <a:spLocks noGrp="1"/>
-          </p:cNvSpPr>
-          <p:nvPr>
-            <p:ph type="title"/>
-          </p:nvPr>
-        </p:nvSpPr>
-        <p:spPr/>
-        <p:txBody>
-          <a:bodyPr rtlCol="0"/>
-          <a:lstStyle/>
-          <a:p>
-            <a:pPr rtl="0"/>
-            <a:r>
-              <a:rPr lang="ko-KR" altLang="en-US">
-                <a:latin typeface="맑은 고딕" panose="020B0503020000020004" pitchFamily="50" charset="-127"/>
-                <a:ea typeface="맑은 고딕" panose="020B0503020000020004" pitchFamily="50" charset="-127"/>
-              </a:rPr>
-              <a:t>출처</a:t>
-            </a:r>
-          </a:p>
-        </p:txBody>
-      </p:sp>
-      <p:sp>
-        <p:nvSpPr>
-          <p:cNvPr id="3" name="내용 개체 틀 2">
-            <a:extLst>
-              <a:ext uri="{FF2B5EF4-FFF2-40B4-BE49-F238E27FC236}">
-                <a16:creationId xmlns:a16="http://schemas.microsoft.com/office/drawing/2014/main" id="{DA62FCA6-426E-41D1-9AF7-D575B841741D}"/>
-              </a:ext>
-            </a:extLst>
-          </p:cNvPr>
-          <p:cNvSpPr>
-            <a:spLocks noGrp="1"/>
-          </p:cNvSpPr>
-          <p:nvPr>
-            <p:ph idx="1"/>
-          </p:nvPr>
-        </p:nvSpPr>
-        <p:spPr/>
-        <p:txBody>
-          <a:bodyPr/>
-          <a:lstStyle/>
-          <a:p>
-            <a:r>
-              <a:rPr lang="ko-KR" altLang="en-US" dirty="0"/>
-              <a:t>프레임워크가 구현할 기능 </a:t>
-            </a:r>
-            <a:r>
-              <a:rPr lang="en-US" altLang="ko-KR" dirty="0"/>
-              <a:t>- </a:t>
-            </a:r>
-            <a:r>
-              <a:rPr lang="en-US" altLang="ko-KR" dirty="0">
-                <a:latin typeface="맑은 고딕" panose="020B0503020000020004" pitchFamily="50" charset="-127"/>
-                <a:ea typeface="맑은 고딕" panose="020B0503020000020004" pitchFamily="50" charset="-127"/>
-              </a:rPr>
-              <a:t>SQL </a:t>
-            </a:r>
-            <a:r>
-              <a:rPr lang="ko-KR" altLang="en-US" dirty="0">
-                <a:latin typeface="맑은 고딕" panose="020B0503020000020004" pitchFamily="50" charset="-127"/>
-                <a:ea typeface="맑은 고딕" panose="020B0503020000020004" pitchFamily="50" charset="-127"/>
-              </a:rPr>
-              <a:t>결과</a:t>
-            </a:r>
-            <a:endParaRPr lang="en-US" altLang="ko-KR" dirty="0">
-              <a:latin typeface="맑은 고딕" panose="020B0503020000020004" pitchFamily="50" charset="-127"/>
-              <a:ea typeface="맑은 고딕" panose="020B0503020000020004" pitchFamily="50" charset="-127"/>
-            </a:endParaRPr>
-          </a:p>
-          <a:p>
-            <a:pPr lvl="1"/>
-            <a:r>
-              <a:rPr lang="en-US" altLang="ko-KR" dirty="0">
-                <a:hlinkClick r:id="rId3"/>
-              </a:rPr>
-              <a:t>http://www.tcpschool.com/mysql/mysql_intro_relationalDB</a:t>
-            </a:r>
-            <a:endParaRPr lang="en-US" altLang="ko-KR" dirty="0"/>
-          </a:p>
-          <a:p>
-            <a:endParaRPr lang="ko-KR" altLang="en-US" dirty="0"/>
-          </a:p>
-        </p:txBody>
-      </p:sp>
-    </p:spTree>
-    <p:extLst>
-      <p:ext uri="{BB962C8B-B14F-4D97-AF65-F5344CB8AC3E}">
-        <p14:creationId xmlns:p14="http://schemas.microsoft.com/office/powerpoint/2010/main" val="3164537775"/>
       </p:ext>
     </p:extLst>
   </p:cSld>
@@ -18719,22 +16123,48 @@
           <a:lstStyle/>
           <a:p>
             <a:r>
-              <a:rPr lang="en-US" altLang="ko-KR"/>
+              <a:rPr lang="en-US" altLang="ko-KR" dirty="0"/>
               <a:t>A </a:t>
             </a:r>
             <a:r>
-              <a:rPr lang="ko-KR" altLang="en-US"/>
-              <a:t>모듈이 </a:t>
-            </a:r>
-            <a:r>
-              <a:rPr lang="en-US" altLang="ko-KR"/>
+              <a:rPr lang="ko-KR" altLang="en-US" dirty="0"/>
+              <a:t>클래스</a:t>
+            </a:r>
+            <a:r>
+              <a:rPr lang="en-US" altLang="ko-KR" dirty="0"/>
+              <a:t>(</a:t>
+            </a:r>
+            <a:r>
+              <a:rPr lang="ko-KR" altLang="en-US" dirty="0"/>
+              <a:t>모듈</a:t>
+            </a:r>
+            <a:r>
+              <a:rPr lang="en-US" altLang="ko-KR" dirty="0"/>
+              <a:t>)</a:t>
+            </a:r>
+            <a:r>
+              <a:rPr lang="ko-KR" altLang="en-US" dirty="0"/>
+              <a:t>가 </a:t>
+            </a:r>
+            <a:r>
+              <a:rPr lang="en-US" altLang="ko-KR" dirty="0"/>
               <a:t>B </a:t>
             </a:r>
             <a:r>
-              <a:rPr lang="ko-KR" altLang="en-US"/>
-              <a:t>모듈의 기능을 사용하는 방법</a:t>
-            </a:r>
-            <a:endParaRPr lang="ko-KR" altLang="en-US" dirty="0"/>
+              <a:rPr lang="ko-KR" altLang="en-US" dirty="0"/>
+              <a:t>클래스 기능을 사용하는 방법</a:t>
+            </a:r>
+            <a:br>
+              <a:rPr lang="en-US" altLang="ko-KR" dirty="0"/>
+            </a:br>
+            <a:r>
+              <a:rPr lang="en-US" altLang="ko-KR" dirty="0"/>
+              <a:t>- </a:t>
+            </a:r>
+            <a:r>
+              <a:rPr lang="ko-KR" altLang="en-US" dirty="0"/>
+              <a:t>객체생성</a:t>
+            </a:r>
           </a:p>
         </p:txBody>
       </p:sp>
@@ -18762,100 +16192,160 @@
           <a:lstStyle/>
           <a:p>
             <a:r>
-              <a:rPr lang="ko-KR" altLang="en-US"/>
-              <a:t>클래스지향</a:t>
-            </a:r>
-            <a:endParaRPr lang="en-US" altLang="ko-KR"/>
+              <a:rPr lang="ko-KR" altLang="en-US" dirty="0"/>
+              <a:t>클래스지향 방법</a:t>
+            </a:r>
+            <a:endParaRPr lang="en-US" altLang="ko-KR" dirty="0"/>
           </a:p>
           <a:p>
             <a:pPr lvl="1"/>
             <a:r>
-              <a:rPr lang="ko-KR" altLang="en-US"/>
+              <a:rPr lang="ko-KR" altLang="en-US" dirty="0"/>
               <a:t>기능과 데이터가 컴파일 시점에 결정</a:t>
             </a:r>
-            <a:endParaRPr lang="en-US" altLang="ko-KR"/>
+            <a:endParaRPr lang="en-US" altLang="ko-KR" dirty="0"/>
           </a:p>
           <a:p>
             <a:pPr lvl="1"/>
             <a:r>
-              <a:rPr lang="ko-KR" altLang="en-US"/>
+              <a:rPr lang="ko-KR" altLang="en-US" dirty="0" err="1"/>
               <a:t>링킹</a:t>
             </a:r>
             <a:r>
-              <a:rPr lang="en-US" altLang="ko-KR"/>
+              <a:rPr lang="en-US" altLang="ko-KR" dirty="0"/>
               <a:t>(</a:t>
             </a:r>
             <a:r>
-              <a:rPr lang="ko-KR" altLang="en-US"/>
+              <a:rPr lang="ko-KR" altLang="en-US" dirty="0" err="1"/>
               <a:t>정적바인딩</a:t>
             </a:r>
             <a:r>
-              <a:rPr lang="en-US" altLang="ko-KR"/>
+              <a:rPr lang="en-US" altLang="ko-KR" dirty="0"/>
               <a:t>) -&gt; </a:t>
             </a:r>
             <a:r>
-              <a:rPr lang="ko-KR" altLang="en-US"/>
-              <a:t>순차적 실행</a:t>
-            </a:r>
-            <a:r>
-              <a:rPr lang="en-US" altLang="ko-KR"/>
+              <a:rPr lang="ko-KR" altLang="en-US" dirty="0"/>
+              <a:t>정적 생성</a:t>
+            </a:r>
+            <a:r>
+              <a:rPr lang="en-US" altLang="ko-KR" dirty="0"/>
               <a:t>, </a:t>
             </a:r>
             <a:r>
-              <a:rPr lang="ko-KR" altLang="en-US"/>
+              <a:rPr lang="ko-KR" altLang="en-US" dirty="0"/>
               <a:t>성능</a:t>
             </a:r>
-            <a:endParaRPr lang="en-US" altLang="ko-KR"/>
+            <a:endParaRPr lang="en-US" altLang="ko-KR" dirty="0"/>
           </a:p>
           <a:p>
             <a:r>
-              <a:rPr lang="ko-KR" altLang="en-US"/>
-              <a:t>객체지향</a:t>
-            </a:r>
-            <a:endParaRPr lang="en-US" altLang="ko-KR"/>
+              <a:rPr lang="ko-KR" altLang="en-US" dirty="0"/>
+              <a:t>객체지향 방법</a:t>
+            </a:r>
+            <a:endParaRPr lang="en-US" altLang="ko-KR" dirty="0"/>
           </a:p>
           <a:p>
             <a:pPr lvl="1"/>
             <a:r>
-              <a:rPr lang="ko-KR" altLang="en-US"/>
+              <a:rPr lang="ko-KR" altLang="en-US" dirty="0"/>
               <a:t>기능과 데이터가 실행 시점에 결정</a:t>
             </a:r>
-            <a:endParaRPr lang="en-US" altLang="ko-KR"/>
+            <a:endParaRPr lang="en-US" altLang="ko-KR" dirty="0"/>
           </a:p>
           <a:p>
             <a:pPr lvl="1"/>
             <a:r>
-              <a:rPr lang="ko-KR" altLang="en-US"/>
+              <a:rPr lang="ko-KR" altLang="en-US" dirty="0" err="1"/>
               <a:t>리플렉션</a:t>
             </a:r>
             <a:r>
-              <a:rPr lang="en-US" altLang="ko-KR"/>
+              <a:rPr lang="en-US" altLang="ko-KR" dirty="0"/>
               <a:t>(</a:t>
             </a:r>
             <a:r>
-              <a:rPr lang="ko-KR" altLang="en-US"/>
+              <a:rPr lang="ko-KR" altLang="en-US" dirty="0" err="1"/>
               <a:t>동적바인딩</a:t>
             </a:r>
             <a:r>
-              <a:rPr lang="en-US" altLang="ko-KR"/>
+              <a:rPr lang="en-US" altLang="ko-KR" dirty="0"/>
               <a:t>) -&gt; </a:t>
             </a:r>
             <a:r>
-              <a:rPr lang="ko-KR" altLang="en-US"/>
-              <a:t>동적 실행</a:t>
-            </a:r>
-            <a:r>
-              <a:rPr lang="en-US" altLang="ko-KR"/>
+              <a:rPr lang="ko-KR" altLang="en-US" dirty="0"/>
+              <a:t>동적 생성</a:t>
+            </a:r>
+            <a:r>
+              <a:rPr lang="en-US" altLang="ko-KR" dirty="0"/>
               <a:t>, </a:t>
             </a:r>
             <a:r>
-              <a:rPr lang="ko-KR" altLang="en-US"/>
+              <a:rPr lang="ko-KR" altLang="en-US" dirty="0"/>
               <a:t>유연성</a:t>
             </a:r>
             <a:endParaRPr lang="en-US" altLang="ko-KR" dirty="0"/>
           </a:p>
         </p:txBody>
       </p:sp>
+      <p:pic>
+        <p:nvPicPr>
+          <p:cNvPr id="7" name="그림 6">
+            <a:extLst>
+              <a:ext uri="{FF2B5EF4-FFF2-40B4-BE49-F238E27FC236}">
+                <a16:creationId xmlns:a16="http://schemas.microsoft.com/office/drawing/2014/main" id="{74FB557B-582A-4087-991A-BCB31D6CDE5B}"/>
+              </a:ext>
+            </a:extLst>
+          </p:cNvPr>
+          <p:cNvPicPr>
+            <a:picLocks noChangeAspect="1"/>
+          </p:cNvPicPr>
+          <p:nvPr/>
+        </p:nvPicPr>
+        <p:blipFill>
+          <a:blip r:embed="rId2"/>
+          <a:stretch>
+            <a:fillRect/>
+          </a:stretch>
+        </p:blipFill>
+        <p:spPr>
+          <a:xfrm>
+            <a:off x="6746936" y="2681917"/>
+            <a:ext cx="3598841" cy="1789715"/>
+          </a:xfrm>
+          <a:prstGeom prst="rect">
+            <a:avLst/>
+          </a:prstGeom>
+        </p:spPr>
+      </p:pic>
+      <p:pic>
+        <p:nvPicPr>
+          <p:cNvPr id="11" name="그림 10">
+            <a:extLst>
+              <a:ext uri="{FF2B5EF4-FFF2-40B4-BE49-F238E27FC236}">
+                <a16:creationId xmlns:a16="http://schemas.microsoft.com/office/drawing/2014/main" id="{7E49DED8-06B4-40E2-876E-74102C4B57EC}"/>
+              </a:ext>
+            </a:extLst>
+          </p:cNvPr>
+          <p:cNvPicPr>
+            <a:picLocks noChangeAspect="1"/>
+          </p:cNvPicPr>
+          <p:nvPr/>
+        </p:nvPicPr>
+        <p:blipFill>
+          <a:blip r:embed="rId3"/>
+          <a:stretch>
+            <a:fillRect/>
+          </a:stretch>
+        </p:blipFill>
+        <p:spPr>
+          <a:xfrm>
+            <a:off x="6746936" y="1349647"/>
+            <a:ext cx="4013487" cy="1263107"/>
+          </a:xfrm>
+          <a:prstGeom prst="rect">
+            <a:avLst/>
+          </a:prstGeom>
+        </p:spPr>
+      </p:pic>
     </p:spTree>
     <p:extLst>
       <p:ext uri="{BB962C8B-B14F-4D97-AF65-F5344CB8AC3E}">
@@ -18920,22 +16410,48 @@
           <a:lstStyle/>
           <a:p>
             <a:r>
-              <a:rPr lang="en-US" altLang="ko-KR"/>
+              <a:rPr lang="en-US" altLang="ko-KR" dirty="0"/>
               <a:t>A </a:t>
             </a:r>
             <a:r>
-              <a:rPr lang="ko-KR" altLang="en-US"/>
-              <a:t>모듈이 </a:t>
-            </a:r>
-            <a:r>
-              <a:rPr lang="en-US" altLang="ko-KR"/>
+              <a:rPr lang="ko-KR" altLang="en-US" dirty="0"/>
+              <a:t>클래스</a:t>
+            </a:r>
+            <a:r>
+              <a:rPr lang="en-US" altLang="ko-KR" dirty="0"/>
+              <a:t>(</a:t>
+            </a:r>
+            <a:r>
+              <a:rPr lang="ko-KR" altLang="en-US" dirty="0"/>
+              <a:t>모듈</a:t>
+            </a:r>
+            <a:r>
+              <a:rPr lang="en-US" altLang="ko-KR" dirty="0"/>
+              <a:t>)</a:t>
+            </a:r>
+            <a:r>
+              <a:rPr lang="ko-KR" altLang="en-US" dirty="0"/>
+              <a:t>가 </a:t>
+            </a:r>
+            <a:r>
+              <a:rPr lang="en-US" altLang="ko-KR" dirty="0"/>
               <a:t>B </a:t>
             </a:r>
             <a:r>
-              <a:rPr lang="ko-KR" altLang="en-US"/>
-              <a:t>모듈의 기능을 사용하는 방법</a:t>
-            </a:r>
-            <a:endParaRPr lang="ko-KR" altLang="en-US" dirty="0"/>
+              <a:rPr lang="ko-KR" altLang="en-US" dirty="0"/>
+              <a:t>클래스 기능을 사용하는 방법</a:t>
+            </a:r>
+            <a:br>
+              <a:rPr lang="en-US" altLang="ko-KR" dirty="0"/>
+            </a:br>
+            <a:r>
+              <a:rPr lang="en-US" altLang="ko-KR" dirty="0"/>
+              <a:t>- </a:t>
+            </a:r>
+            <a:r>
+              <a:rPr lang="ko-KR" altLang="en-US" dirty="0"/>
+              <a:t>객체전달</a:t>
+            </a:r>
           </a:p>
         </p:txBody>
       </p:sp>
@@ -18961,79 +16477,82 @@
           <a:lstStyle/>
           <a:p>
             <a:r>
-              <a:rPr lang="ko-KR" altLang="en-US"/>
-              <a:t>이미 생성된 </a:t>
-            </a:r>
-            <a:r>
-              <a:rPr lang="en-US" altLang="ko-KR"/>
-              <a:t>B </a:t>
-            </a:r>
-            <a:r>
-              <a:rPr lang="ko-KR" altLang="en-US"/>
-              <a:t>모듈을 받아 특정 기능을 실행</a:t>
-            </a:r>
-            <a:endParaRPr lang="en-US" altLang="ko-KR"/>
+              <a:rPr lang="ko-KR" altLang="en-US" dirty="0"/>
+              <a:t>객체전달</a:t>
+            </a:r>
+            <a:endParaRPr lang="en-US" altLang="ko-KR" dirty="0"/>
           </a:p>
           <a:p>
             <a:pPr lvl="1"/>
             <a:r>
-              <a:rPr lang="ko-KR" altLang="en-US"/>
+              <a:rPr lang="ko-KR" altLang="en-US" dirty="0"/>
               <a:t>파라메터</a:t>
-            </a:r>
-            <a:r>
-              <a:rPr lang="en-US" altLang="ko-KR"/>
-              <a:t>, AOP(ThreadLocal)</a:t>
             </a:r>
             <a:endParaRPr lang="en-US" altLang="ko-KR" dirty="0"/>
           </a:p>
           <a:p>
-            <a:r>
-              <a:rPr lang="en-US" altLang="ko-KR"/>
-              <a:t>B </a:t>
-            </a:r>
-            <a:r>
-              <a:rPr lang="ko-KR" altLang="en-US"/>
-              <a:t>모듈을 직접 생성하고 특정 기능을 실행</a:t>
-            </a:r>
-            <a:endParaRPr lang="en-US" altLang="ko-KR"/>
+            <a:pPr lvl="1"/>
+            <a:r>
+              <a:rPr lang="ko-KR" altLang="en-US" dirty="0" err="1"/>
+              <a:t>맴버객체</a:t>
+            </a:r>
+            <a:r>
+              <a:rPr lang="ko-KR" altLang="en-US" dirty="0"/>
+              <a:t> </a:t>
+            </a:r>
+            <a:r>
+              <a:rPr lang="en-US" altLang="ko-KR" dirty="0"/>
+              <a:t>or </a:t>
+            </a:r>
+            <a:r>
+              <a:rPr lang="ko-KR" altLang="en-US" dirty="0"/>
+              <a:t>전역객체</a:t>
+            </a:r>
+            <a:r>
+              <a:rPr lang="en-US" altLang="ko-KR" dirty="0"/>
+              <a:t>(static)</a:t>
+            </a:r>
           </a:p>
           <a:p>
             <a:pPr lvl="1"/>
             <a:r>
-              <a:rPr lang="ko-KR" altLang="en-US"/>
-              <a:t>지역객체</a:t>
-            </a:r>
-            <a:r>
-              <a:rPr lang="en-US" altLang="ko-KR"/>
-              <a:t>, </a:t>
-            </a:r>
-            <a:r>
-              <a:rPr lang="ko-KR" altLang="en-US"/>
-              <a:t>멤버객체</a:t>
-            </a:r>
-            <a:endParaRPr lang="en-US" altLang="ko-KR"/>
-          </a:p>
-          <a:p>
-            <a:r>
-              <a:rPr lang="en-US" altLang="ko-KR"/>
-              <a:t>B </a:t>
-            </a:r>
-            <a:r>
-              <a:rPr lang="ko-KR" altLang="en-US"/>
-              <a:t>모듈의 생성과 특정 기능의 실행을 알아서 하는 기능 사용</a:t>
-            </a:r>
-            <a:endParaRPr lang="en-US" altLang="ko-KR"/>
-          </a:p>
-          <a:p>
-            <a:pPr lvl="1"/>
-            <a:r>
-              <a:rPr lang="en-US" altLang="ko-KR"/>
-              <a:t>IoC + DI</a:t>
+              <a:rPr lang="en-US" altLang="ko-KR" dirty="0" err="1"/>
+              <a:t>ThreadLocal</a:t>
             </a:r>
             <a:endParaRPr lang="en-US" altLang="ko-KR" dirty="0"/>
           </a:p>
         </p:txBody>
       </p:sp>
+      <p:pic>
+        <p:nvPicPr>
+          <p:cNvPr id="9" name="그림 8">
+            <a:extLst>
+              <a:ext uri="{FF2B5EF4-FFF2-40B4-BE49-F238E27FC236}">
+                <a16:creationId xmlns:a16="http://schemas.microsoft.com/office/drawing/2014/main" id="{00B1DA81-273D-4BD2-91CE-7319D8B839DF}"/>
+              </a:ext>
+            </a:extLst>
+          </p:cNvPr>
+          <p:cNvPicPr>
+            <a:picLocks noChangeAspect="1"/>
+          </p:cNvPicPr>
+          <p:nvPr/>
+        </p:nvPicPr>
+        <p:blipFill>
+          <a:blip r:embed="rId2"/>
+          <a:stretch>
+            <a:fillRect/>
+          </a:stretch>
+        </p:blipFill>
+        <p:spPr>
+          <a:xfrm>
+            <a:off x="5276602" y="1745672"/>
+            <a:ext cx="3742408" cy="4191297"/>
+          </a:xfrm>
+          <a:prstGeom prst="rect">
+            <a:avLst/>
+          </a:prstGeom>
+        </p:spPr>
+      </p:pic>
     </p:spTree>
     <p:extLst>
       <p:ext uri="{BB962C8B-B14F-4D97-AF65-F5344CB8AC3E}">
@@ -19098,26 +16617,25 @@
           <a:lstStyle/>
           <a:p>
             <a:r>
-              <a:rPr lang="ko-KR" altLang="en-US"/>
+              <a:rPr lang="ko-KR" altLang="en-US" dirty="0"/>
+              <a:t>주입</a:t>
+            </a:r>
+            <a:r>
+              <a:rPr lang="en-US" altLang="ko-KR" dirty="0"/>
+              <a:t>, </a:t>
+            </a:r>
+            <a:r>
+              <a:rPr lang="ko-KR" altLang="en-US" dirty="0"/>
               <a:t>의존</a:t>
             </a:r>
             <a:r>
-              <a:rPr lang="en-US" altLang="ko-KR"/>
+              <a:rPr lang="en-US" altLang="ko-KR" dirty="0"/>
               <a:t>, </a:t>
             </a:r>
             <a:r>
-              <a:rPr lang="ko-KR" altLang="en-US"/>
-              <a:t>주입</a:t>
-            </a:r>
-            <a:r>
-              <a:rPr lang="en-US" altLang="ko-KR"/>
-              <a:t>, </a:t>
-            </a:r>
-            <a:r>
-              <a:rPr lang="ko-KR" altLang="en-US"/>
+              <a:rPr lang="ko-KR" altLang="en-US" dirty="0"/>
               <a:t>제어</a:t>
             </a:r>
-            <a:endParaRPr lang="ko-KR" altLang="en-US" dirty="0"/>
           </a:p>
         </p:txBody>
       </p:sp>
@@ -19145,141 +16663,195 @@
           <a:lstStyle/>
           <a:p>
             <a:r>
-              <a:rPr lang="en-US" altLang="ko-KR"/>
+              <a:rPr lang="en-US" altLang="ko-KR" dirty="0"/>
               <a:t>A </a:t>
             </a:r>
             <a:r>
-              <a:rPr lang="ko-KR" altLang="en-US"/>
-              <a:t>가 </a:t>
-            </a:r>
-            <a:r>
-              <a:rPr lang="en-US" altLang="ko-KR"/>
+              <a:rPr lang="ko-KR" altLang="en-US" dirty="0"/>
+              <a:t>에 </a:t>
+            </a:r>
+            <a:r>
+              <a:rPr lang="en-US" altLang="ko-KR" dirty="0"/>
               <a:t>B </a:t>
             </a:r>
             <a:r>
-              <a:rPr lang="ko-KR" altLang="en-US"/>
-              <a:t>에 의존한다</a:t>
-            </a:r>
-            <a:r>
-              <a:rPr lang="en-US" altLang="ko-KR"/>
+              <a:rPr lang="ko-KR" altLang="en-US" dirty="0"/>
+              <a:t>를 주입한다</a:t>
+            </a:r>
+            <a:r>
+              <a:rPr lang="en-US" altLang="ko-KR" dirty="0"/>
               <a:t>.</a:t>
             </a:r>
           </a:p>
           <a:p>
             <a:pPr lvl="1"/>
             <a:r>
-              <a:rPr lang="en-US" altLang="ko-KR"/>
+              <a:rPr lang="en-US" altLang="ko-KR" dirty="0"/>
               <a:t> A </a:t>
             </a:r>
             <a:r>
-              <a:rPr lang="ko-KR" altLang="en-US"/>
-              <a:t>가 </a:t>
-            </a:r>
-            <a:r>
-              <a:rPr lang="en-US" altLang="ko-KR"/>
+              <a:rPr lang="ko-KR" altLang="en-US" dirty="0"/>
+              <a:t>에서 </a:t>
+            </a:r>
+            <a:r>
+              <a:rPr lang="en-US" altLang="ko-KR" dirty="0"/>
               <a:t>B </a:t>
             </a:r>
             <a:r>
-              <a:rPr lang="ko-KR" altLang="en-US"/>
-              <a:t>의 기능을 이용한다</a:t>
-            </a:r>
-            <a:r>
-              <a:rPr lang="en-US" altLang="ko-KR"/>
+              <a:rPr lang="ko-KR" altLang="en-US" dirty="0"/>
+              <a:t>의 기능을 이용할 수 있도록</a:t>
+            </a:r>
+            <a:br>
+              <a:rPr lang="en-US" altLang="ko-KR" dirty="0"/>
+            </a:br>
+            <a:r>
+              <a:rPr lang="ko-KR" altLang="en-US" dirty="0"/>
+              <a:t>준비한다</a:t>
+            </a:r>
+            <a:r>
+              <a:rPr lang="en-US" altLang="ko-KR" dirty="0"/>
               <a:t>.</a:t>
             </a:r>
+            <a:r>
+              <a:rPr lang="ko-KR" altLang="en-US" dirty="0"/>
+              <a:t> </a:t>
+            </a:r>
+            <a:endParaRPr lang="en-US" altLang="ko-KR" dirty="0"/>
           </a:p>
           <a:p>
             <a:r>
-              <a:rPr lang="en-US" altLang="ko-KR"/>
+              <a:rPr lang="en-US" altLang="ko-KR" dirty="0"/>
               <a:t>A </a:t>
             </a:r>
             <a:r>
-              <a:rPr lang="ko-KR" altLang="en-US"/>
-              <a:t>에 </a:t>
-            </a:r>
-            <a:r>
-              <a:rPr lang="en-US" altLang="ko-KR"/>
+              <a:rPr lang="ko-KR" altLang="en-US" dirty="0"/>
+              <a:t>가 </a:t>
+            </a:r>
+            <a:r>
+              <a:rPr lang="en-US" altLang="ko-KR" dirty="0"/>
               <a:t>B </a:t>
             </a:r>
             <a:r>
-              <a:rPr lang="ko-KR" altLang="en-US"/>
-              <a:t>를 주입한다</a:t>
-            </a:r>
-            <a:r>
-              <a:rPr lang="en-US" altLang="ko-KR"/>
+              <a:rPr lang="ko-KR" altLang="en-US" dirty="0"/>
+              <a:t>에 의존한다</a:t>
+            </a:r>
+            <a:r>
+              <a:rPr lang="en-US" altLang="ko-KR" dirty="0"/>
               <a:t>.</a:t>
             </a:r>
           </a:p>
           <a:p>
             <a:pPr lvl="1"/>
             <a:r>
-              <a:rPr lang="en-US" altLang="ko-KR"/>
+              <a:rPr lang="en-US" altLang="ko-KR" dirty="0"/>
               <a:t> A </a:t>
             </a:r>
             <a:r>
-              <a:rPr lang="ko-KR" altLang="en-US"/>
-              <a:t>에서 </a:t>
-            </a:r>
-            <a:r>
-              <a:rPr lang="en-US" altLang="ko-KR"/>
+              <a:rPr lang="ko-KR" altLang="en-US" dirty="0"/>
+              <a:t>가 </a:t>
+            </a:r>
+            <a:r>
+              <a:rPr lang="en-US" altLang="ko-KR" dirty="0"/>
               <a:t>B </a:t>
             </a:r>
             <a:r>
-              <a:rPr lang="ko-KR" altLang="en-US"/>
-              <a:t>의 기능을 실행할 수 있도록 구성한다</a:t>
-            </a:r>
-            <a:r>
-              <a:rPr lang="en-US" altLang="ko-KR"/>
+              <a:rPr lang="ko-KR" altLang="en-US" dirty="0"/>
+              <a:t>의 기능을 이용한다</a:t>
+            </a:r>
+            <a:r>
+              <a:rPr lang="en-US" altLang="ko-KR" dirty="0"/>
               <a:t>.</a:t>
             </a:r>
           </a:p>
           <a:p>
             <a:r>
-              <a:rPr lang="en-US" altLang="ko-KR"/>
+              <a:rPr lang="en-US" altLang="ko-KR" dirty="0"/>
               <a:t>A </a:t>
             </a:r>
             <a:r>
-              <a:rPr lang="ko-KR" altLang="en-US"/>
+              <a:rPr lang="ko-KR" altLang="en-US" dirty="0"/>
               <a:t>가 </a:t>
             </a:r>
             <a:r>
-              <a:rPr lang="en-US" altLang="ko-KR"/>
+              <a:rPr lang="en-US" altLang="ko-KR" dirty="0"/>
               <a:t>B </a:t>
             </a:r>
             <a:r>
-              <a:rPr lang="ko-KR" altLang="en-US"/>
+              <a:rPr lang="ko-KR" altLang="en-US" dirty="0"/>
               <a:t>를 제어한다</a:t>
             </a:r>
             <a:r>
-              <a:rPr lang="en-US" altLang="ko-KR"/>
+              <a:rPr lang="en-US" altLang="ko-KR" dirty="0"/>
               <a:t>.</a:t>
             </a:r>
           </a:p>
           <a:p>
             <a:pPr lvl="1"/>
             <a:r>
-              <a:rPr lang="en-US" altLang="ko-KR"/>
-              <a:t>A </a:t>
-            </a:r>
-            <a:r>
-              <a:rPr lang="ko-KR" altLang="en-US"/>
-              <a:t>가 </a:t>
-            </a:r>
-            <a:r>
-              <a:rPr lang="en-US" altLang="ko-KR"/>
+              <a:rPr lang="en-US" altLang="ko-KR" dirty="0"/>
               <a:t>B </a:t>
             </a:r>
             <a:r>
-              <a:rPr lang="ko-KR" altLang="en-US"/>
-              <a:t>의 기능을 실행할 수 있게 해준다</a:t>
-            </a:r>
-            <a:r>
-              <a:rPr lang="en-US" altLang="ko-KR"/>
+              <a:rPr lang="ko-KR" altLang="en-US" dirty="0"/>
+              <a:t>를 생성하고</a:t>
+            </a:r>
+            <a:endParaRPr lang="en-US" altLang="ko-KR" dirty="0"/>
+          </a:p>
+          <a:p>
+            <a:pPr lvl="1"/>
+            <a:r>
+              <a:rPr lang="en-US" altLang="ko-KR" dirty="0"/>
+              <a:t>B </a:t>
+            </a:r>
+            <a:r>
+              <a:rPr lang="ko-KR" altLang="en-US" dirty="0"/>
+              <a:t>의 기능을 이용할 수 있도록 준비하고</a:t>
+            </a:r>
+            <a:endParaRPr lang="en-US" altLang="ko-KR" dirty="0"/>
+          </a:p>
+          <a:p>
+            <a:pPr lvl="1"/>
+            <a:r>
+              <a:rPr lang="ko-KR" altLang="en-US" dirty="0"/>
+              <a:t>실행 결과를 마무리한다</a:t>
+            </a:r>
+            <a:r>
+              <a:rPr lang="en-US" altLang="ko-KR" dirty="0"/>
               <a:t>.</a:t>
             </a:r>
           </a:p>
         </p:txBody>
       </p:sp>
+      <p:pic>
+        <p:nvPicPr>
+          <p:cNvPr id="4" name="그림 3">
+            <a:extLst>
+              <a:ext uri="{FF2B5EF4-FFF2-40B4-BE49-F238E27FC236}">
+                <a16:creationId xmlns:a16="http://schemas.microsoft.com/office/drawing/2014/main" id="{8D9D3861-2B21-4E88-AC29-D30B371F5E83}"/>
+              </a:ext>
+            </a:extLst>
+          </p:cNvPr>
+          <p:cNvPicPr>
+            <a:picLocks noChangeAspect="1"/>
+          </p:cNvPicPr>
+          <p:nvPr/>
+        </p:nvPicPr>
+        <p:blipFill>
+          <a:blip r:embed="rId2"/>
+          <a:stretch>
+            <a:fillRect/>
+          </a:stretch>
+        </p:blipFill>
+        <p:spPr>
+          <a:xfrm>
+            <a:off x="6088002" y="1871095"/>
+            <a:ext cx="5551012" cy="2760536"/>
+          </a:xfrm>
+          <a:prstGeom prst="rect">
+            <a:avLst/>
+          </a:prstGeom>
+        </p:spPr>
+      </p:pic>
     </p:spTree>
     <p:extLst>
       <p:ext uri="{BB962C8B-B14F-4D97-AF65-F5344CB8AC3E}">
@@ -19346,11 +16918,11 @@
           <a:lstStyle/>
           <a:p>
             <a:r>
-              <a:rPr lang="ko-KR" altLang="en-US"/>
-              <a:t>의존성주입 </a:t>
-            </a:r>
-            <a:r>
-              <a:rPr lang="en-US" altLang="ko-KR"/>
+              <a:rPr lang="ko-KR" altLang="en-US" dirty="0"/>
+              <a:t>의존성 주입 </a:t>
+            </a:r>
+            <a:r>
+              <a:rPr lang="en-US" altLang="ko-KR" dirty="0"/>
               <a:t>(DI, Dependency Injection)</a:t>
             </a:r>
             <a:endParaRPr lang="ko-KR" altLang="en-US" dirty="0"/>
@@ -19381,54 +16953,86 @@
           <a:lstStyle/>
           <a:p>
             <a:r>
-              <a:rPr lang="ko-KR" altLang="en-US"/>
+              <a:rPr lang="ko-KR" altLang="en-US" dirty="0"/>
               <a:t>의존성 주입 </a:t>
             </a:r>
             <a:r>
-              <a:rPr lang="en-US" altLang="ko-KR"/>
+              <a:rPr lang="en-US" altLang="ko-KR" dirty="0"/>
               <a:t>(DI, Dependency Injection)</a:t>
             </a:r>
-            <a:endParaRPr lang="ko-KR" altLang="en-US"/>
+            <a:endParaRPr lang="ko-KR" altLang="en-US" dirty="0"/>
           </a:p>
           <a:p>
             <a:pPr lvl="1"/>
             <a:r>
-              <a:rPr lang="ko-KR" altLang="en-US"/>
+              <a:rPr lang="ko-KR" altLang="en-US" dirty="0"/>
               <a:t>어떤 기능을 사용할 지 알려준다</a:t>
             </a:r>
             <a:r>
-              <a:rPr lang="en-US" altLang="ko-KR"/>
+              <a:rPr lang="en-US" altLang="ko-KR" dirty="0"/>
               <a:t>.</a:t>
             </a:r>
           </a:p>
           <a:p>
             <a:pPr lvl="1"/>
             <a:r>
-              <a:rPr lang="ko-KR" altLang="en-US"/>
-              <a:t>서비스키</a:t>
-            </a:r>
-            <a:endParaRPr lang="en-US" altLang="ko-KR"/>
+              <a:rPr lang="ko-KR" altLang="en-US" dirty="0"/>
+              <a:t>기능과 데이터가 실행 시점에 결정될 때 사용되는 바인딩 정보</a:t>
+            </a:r>
+            <a:endParaRPr lang="en-US" altLang="ko-KR" dirty="0"/>
+          </a:p>
+          <a:p>
+            <a:pPr lvl="1"/>
+            <a:r>
+              <a:rPr lang="ko-KR" altLang="en-US" dirty="0"/>
+              <a:t>기능을 구분하는 정보</a:t>
+            </a:r>
+            <a:endParaRPr lang="en-US" altLang="ko-KR" dirty="0"/>
           </a:p>
           <a:p>
             <a:pPr lvl="2"/>
             <a:r>
-              <a:rPr lang="en-US" altLang="ko-KR"/>
-              <a:t>http://localhost:18080/waf/welcome </a:t>
+              <a:rPr lang="en-US" altLang="ko-KR" dirty="0"/>
+              <a:t>http://localhost:18080/waf/welcome</a:t>
             </a:r>
           </a:p>
           <a:p>
             <a:pPr lvl="2"/>
             <a:r>
-              <a:rPr lang="en-US" altLang="ko-KR"/>
+              <a:rPr lang="en-US" altLang="ko-KR" dirty="0"/>
               <a:t>http://localhost:18080/waf/emp00110</a:t>
             </a:r>
           </a:p>
           <a:p>
             <a:pPr lvl="2"/>
             <a:r>
-              <a:rPr lang="en-US" altLang="ko-KR"/>
+              <a:rPr lang="en-US" altLang="ko-KR" dirty="0">
+                <a:hlinkClick r:id="rId2"/>
+              </a:rPr>
               <a:t>http://localhost:18080/waf/login</a:t>
             </a:r>
+            <a:endParaRPr lang="en-US" altLang="ko-KR" dirty="0"/>
+          </a:p>
+          <a:p>
+            <a:r>
+              <a:rPr lang="ko-KR" altLang="en-US" dirty="0"/>
+              <a:t>의존성 주입의 기준 </a:t>
+            </a:r>
+            <a:r>
+              <a:rPr lang="en-US" altLang="ko-KR" dirty="0"/>
+              <a:t>key</a:t>
+            </a:r>
+          </a:p>
+          <a:p>
+            <a:pPr lvl="1"/>
+            <a:r>
+              <a:rPr lang="en-US" altLang="ko-KR" dirty="0"/>
+              <a:t>welcome, emp00110, login</a:t>
+            </a:r>
+          </a:p>
+          <a:p>
+            <a:pPr lvl="1"/>
+            <a:endParaRPr lang="en-US" altLang="ko-KR" dirty="0"/>
           </a:p>
         </p:txBody>
       </p:sp>
@@ -19533,60 +17137,108 @@
           <a:lstStyle/>
           <a:p>
             <a:r>
-              <a:rPr lang="ko-KR" altLang="en-US"/>
-              <a:t>역전제어 </a:t>
-            </a:r>
-            <a:r>
-              <a:rPr lang="en-US" altLang="ko-KR"/>
-              <a:t>(IoC, Inversion of Control)</a:t>
+              <a:rPr lang="en-US" altLang="ko-KR" dirty="0"/>
+              <a:t>A </a:t>
+            </a:r>
+            <a:r>
+              <a:rPr lang="ko-KR" altLang="en-US" dirty="0"/>
+              <a:t>가 </a:t>
+            </a:r>
+            <a:r>
+              <a:rPr lang="en-US" altLang="ko-KR" dirty="0"/>
+              <a:t>B </a:t>
+            </a:r>
+            <a:r>
+              <a:rPr lang="ko-KR" altLang="en-US" dirty="0"/>
+              <a:t>를 제어한다</a:t>
+            </a:r>
+            <a:r>
+              <a:rPr lang="en-US" altLang="ko-KR" dirty="0"/>
+              <a:t>.</a:t>
             </a:r>
           </a:p>
           <a:p>
             <a:pPr lvl="1"/>
             <a:r>
-              <a:rPr lang="ko-KR" altLang="en-US"/>
-              <a:t>요청한 기능을 개발자가 실행하지 않는다</a:t>
-            </a:r>
-            <a:r>
-              <a:rPr lang="en-US" altLang="ko-KR"/>
-              <a:t>.</a:t>
-            </a:r>
+              <a:rPr lang="en-US" altLang="ko-KR" dirty="0"/>
+              <a:t>B </a:t>
+            </a:r>
+            <a:r>
+              <a:rPr lang="ko-KR" altLang="en-US" dirty="0"/>
+              <a:t>를 생성하고</a:t>
+            </a:r>
+            <a:endParaRPr lang="en-US" altLang="ko-KR" dirty="0"/>
           </a:p>
           <a:p>
             <a:pPr lvl="1"/>
             <a:r>
-              <a:rPr lang="ko-KR" altLang="en-US"/>
-              <a:t>요청한 기능을 컴파일 시점에 결정하지 않는다</a:t>
-            </a:r>
-            <a:r>
-              <a:rPr lang="en-US" altLang="ko-KR"/>
-              <a:t>.</a:t>
-            </a:r>
+              <a:rPr lang="en-US" altLang="ko-KR" dirty="0"/>
+              <a:t>B </a:t>
+            </a:r>
+            <a:r>
+              <a:rPr lang="ko-KR" altLang="en-US" dirty="0"/>
+              <a:t>의 기능을 이용할 수 있도록 준비하고</a:t>
+            </a:r>
+            <a:endParaRPr lang="en-US" altLang="ko-KR" dirty="0"/>
           </a:p>
           <a:p>
             <a:pPr lvl="1"/>
             <a:r>
-              <a:rPr lang="en-US" altLang="ko-KR"/>
-              <a:t>MasterController.execute(“welcome")</a:t>
+              <a:rPr lang="ko-KR" altLang="en-US" dirty="0"/>
+              <a:t>실행 결과를 마무리한다</a:t>
+            </a:r>
+            <a:r>
+              <a:rPr lang="en-US" altLang="ko-KR" dirty="0"/>
+              <a:t>.</a:t>
+            </a:r>
+          </a:p>
+          <a:p>
+            <a:r>
+              <a:rPr lang="ko-KR" altLang="en-US" dirty="0"/>
+              <a:t>역전제어 </a:t>
+            </a:r>
+            <a:r>
+              <a:rPr lang="en-US" altLang="ko-KR" dirty="0"/>
+              <a:t>(IoC, Inversion of Control)</a:t>
             </a:r>
           </a:p>
           <a:p>
             <a:pPr lvl="1"/>
             <a:r>
-              <a:rPr lang="en-US" altLang="ko-KR"/>
-              <a:t>MasterController.execute(“emp00110")</a:t>
+              <a:rPr lang="ko-KR" altLang="en-US" dirty="0"/>
+              <a:t>제어를 코드</a:t>
+            </a:r>
+            <a:r>
+              <a:rPr lang="en-US" altLang="ko-KR" dirty="0"/>
+              <a:t>(</a:t>
+            </a:r>
+            <a:r>
+              <a:rPr lang="ko-KR" altLang="en-US" dirty="0"/>
+              <a:t>개발자</a:t>
+            </a:r>
+            <a:r>
+              <a:rPr lang="en-US" altLang="ko-KR" dirty="0"/>
+              <a:t>)</a:t>
+            </a:r>
+            <a:r>
+              <a:rPr lang="ko-KR" altLang="en-US" dirty="0"/>
+              <a:t>가 하지 않는다</a:t>
+            </a:r>
+            <a:r>
+              <a:rPr lang="en-US" altLang="ko-KR" dirty="0"/>
+              <a:t>.</a:t>
             </a:r>
           </a:p>
           <a:p>
             <a:pPr lvl="1"/>
             <a:r>
-              <a:rPr lang="en-US" altLang="ko-KR"/>
-              <a:t>MasterController.execute(“login")</a:t>
-            </a:r>
-          </a:p>
-          <a:p>
-            <a:pPr lvl="1"/>
-            <a:endParaRPr lang="en-US" altLang="ko-KR"/>
+              <a:rPr lang="en-US" altLang="ko-KR" dirty="0" err="1"/>
+              <a:t>MasterController.execute</a:t>
+            </a:r>
+            <a:r>
+              <a:rPr lang="en-US" altLang="ko-KR" dirty="0"/>
+              <a:t>("emp00110")</a:t>
+            </a:r>
           </a:p>
         </p:txBody>
       </p:sp>
@@ -19634,7 +17286,13 @@
       </p:grpSpPr>
       <p:sp>
         <p:nvSpPr>
-          <p:cNvPr id="2" name="제목 1"/>
+          <p:cNvPr id="2" name="제목 1">
+            <a:extLst>
+              <a:ext uri="{FF2B5EF4-FFF2-40B4-BE49-F238E27FC236}">
+                <a16:creationId xmlns:a16="http://schemas.microsoft.com/office/drawing/2014/main" id="{36B038A2-DAB9-4C5C-AEE1-5D8B1AAE3B69}"/>
+              </a:ext>
+            </a:extLst>
+          </p:cNvPr>
           <p:cNvSpPr>
             <a:spLocks noGrp="1"/>
           </p:cNvSpPr>
@@ -19644,41 +17302,25 @@
         </p:nvSpPr>
         <p:spPr/>
         <p:txBody>
-          <a:bodyPr rtlCol="0"/>
+          <a:bodyPr/>
           <a:lstStyle/>
           <a:p>
-            <a:pPr rtl="0"/>
-            <a:r>
-              <a:rPr lang="en-US" altLang="ko-KR">
-                <a:latin typeface="맑은 고딕" panose="020B0503020000020004" pitchFamily="50" charset="-127"/>
-                <a:ea typeface="맑은 고딕" panose="020B0503020000020004" pitchFamily="50" charset="-127"/>
-              </a:rPr>
-              <a:t>DI (</a:t>
-            </a:r>
-            <a:r>
-              <a:rPr lang="ko-KR" altLang="en-US">
-                <a:latin typeface="맑은 고딕" panose="020B0503020000020004" pitchFamily="50" charset="-127"/>
-                <a:ea typeface="맑은 고딕" panose="020B0503020000020004" pitchFamily="50" charset="-127"/>
-              </a:rPr>
-              <a:t>어쩌구</a:t>
-            </a:r>
-            <a:r>
-              <a:rPr lang="en-US" altLang="ko-KR">
-                <a:latin typeface="맑은 고딕" panose="020B0503020000020004" pitchFamily="50" charset="-127"/>
-                <a:ea typeface="맑은 고딕" panose="020B0503020000020004" pitchFamily="50" charset="-127"/>
-              </a:rPr>
-              <a:t>)</a:t>
-            </a:r>
-            <a:endParaRPr lang="ko-KR" altLang="en-US" dirty="0">
-              <a:latin typeface="맑은 고딕" panose="020B0503020000020004" pitchFamily="50" charset="-127"/>
-              <a:ea typeface="맑은 고딕" panose="020B0503020000020004" pitchFamily="50" charset="-127"/>
-            </a:endParaRPr>
+            <a:r>
+              <a:rPr lang="ko-KR" altLang="en-US" dirty="0"/>
+              <a:t>비즈니스 로직 재사용</a:t>
+            </a:r>
           </a:p>
         </p:txBody>
       </p:sp>
       <p:sp>
         <p:nvSpPr>
-          <p:cNvPr id="3" name="내용 개체 틀 2"/>
+          <p:cNvPr id="3" name="내용 개체 틀 2">
+            <a:extLst>
+              <a:ext uri="{FF2B5EF4-FFF2-40B4-BE49-F238E27FC236}">
+                <a16:creationId xmlns:a16="http://schemas.microsoft.com/office/drawing/2014/main" id="{F9E802C7-DF2E-44B8-A628-4FA044F81C2A}"/>
+              </a:ext>
+            </a:extLst>
+          </p:cNvPr>
           <p:cNvSpPr>
             <a:spLocks noGrp="1"/>
           </p:cNvSpPr>
@@ -19688,134 +17330,132 @@
         </p:nvSpPr>
         <p:spPr/>
         <p:txBody>
-          <a:bodyPr rtlCol="0">
-            <a:normAutofit/>
-          </a:bodyPr>
+          <a:bodyPr/>
           <a:lstStyle/>
           <a:p>
-            <a:pPr rtl="0"/>
-            <a:r>
-              <a:rPr lang="ko-KR" altLang="en-US" dirty="0">
-                <a:latin typeface="맑은 고딕" panose="020B0503020000020004" pitchFamily="50" charset="-127"/>
-                <a:ea typeface="맑은 고딕" panose="020B0503020000020004" pitchFamily="50" charset="-127"/>
-              </a:rPr>
-              <a:t>트랜잭션</a:t>
-            </a:r>
-            <a:endParaRPr lang="en-US" altLang="ko-KR" dirty="0">
-              <a:latin typeface="맑은 고딕" panose="020B0503020000020004" pitchFamily="50" charset="-127"/>
-              <a:ea typeface="맑은 고딕" panose="020B0503020000020004" pitchFamily="50" charset="-127"/>
-            </a:endParaRPr>
+            <a:r>
+              <a:rPr lang="ko-KR" altLang="en-US" dirty="0"/>
+              <a:t>비즈니스 로직</a:t>
+            </a:r>
+            <a:endParaRPr lang="en-US" altLang="ko-KR" dirty="0"/>
           </a:p>
           <a:p>
             <a:pPr lvl="1"/>
             <a:r>
               <a:rPr lang="ko-KR" altLang="en-US" dirty="0"/>
-              <a:t>한 개 이상의 </a:t>
+              <a:t>공통기능 </a:t>
             </a:r>
             <a:r>
               <a:rPr lang="en-US" altLang="ko-KR" dirty="0"/>
-              <a:t>SQL </a:t>
+              <a:t>+ </a:t>
             </a:r>
             <a:r>
               <a:rPr lang="ko-KR" altLang="en-US" dirty="0"/>
-              <a:t>이 논리적으로 묶인 단위 </a:t>
-            </a:r>
-            <a:r>
-              <a:rPr lang="en-US" altLang="ko-KR" dirty="0"/>
-              <a:t>(</a:t>
-            </a:r>
-            <a:r>
-              <a:rPr lang="en-US" altLang="ko-KR" dirty="0">
-                <a:solidFill>
-                  <a:srgbClr val="FF0000"/>
-                </a:solidFill>
-              </a:rPr>
-              <a:t>ALL or NOTHING</a:t>
-            </a:r>
-            <a:r>
-              <a:rPr lang="en-US" altLang="ko-KR" dirty="0"/>
-              <a:t>)</a:t>
-            </a:r>
+              <a:t>요구사항</a:t>
+            </a:r>
+            <a:endParaRPr lang="en-US" altLang="ko-KR" dirty="0"/>
+          </a:p>
+          <a:p>
+            <a:r>
+              <a:rPr lang="ko-KR" altLang="en-US" dirty="0"/>
+              <a:t>비즈니스 로직 재사용</a:t>
+            </a:r>
+            <a:endParaRPr lang="en-US" altLang="ko-KR" dirty="0"/>
           </a:p>
           <a:p>
             <a:pPr lvl="1"/>
             <a:r>
-              <a:rPr lang="en-US" altLang="ko-KR" dirty="0">
-                <a:latin typeface="맑은 고딕" panose="020B0503020000020004" pitchFamily="50" charset="-127"/>
-                <a:ea typeface="맑은 고딕" panose="020B0503020000020004" pitchFamily="50" charset="-127"/>
-              </a:rPr>
-              <a:t>ACID : </a:t>
-            </a:r>
-            <a:r>
-              <a:rPr lang="ko-KR" altLang="en-US" dirty="0">
-                <a:latin typeface="맑은 고딕" panose="020B0503020000020004" pitchFamily="50" charset="-127"/>
-                <a:ea typeface="맑은 고딕" panose="020B0503020000020004" pitchFamily="50" charset="-127"/>
-              </a:rPr>
-              <a:t>트랜잭션이 가져야 할 조건</a:t>
-            </a:r>
-            <a:endParaRPr lang="en-US" altLang="ko-KR" dirty="0">
-              <a:latin typeface="맑은 고딕" panose="020B0503020000020004" pitchFamily="50" charset="-127"/>
-              <a:ea typeface="맑은 고딕" panose="020B0503020000020004" pitchFamily="50" charset="-127"/>
-            </a:endParaRPr>
+              <a:rPr lang="ko-KR" altLang="en-US" dirty="0"/>
+              <a:t>역전제어</a:t>
+            </a:r>
+            <a:r>
+              <a:rPr lang="en-US" altLang="ko-KR" dirty="0"/>
+              <a:t>(</a:t>
+            </a:r>
+            <a:r>
+              <a:rPr lang="en-US" altLang="ko-KR" dirty="0" err="1"/>
+              <a:t>Ioc</a:t>
+            </a:r>
+            <a:r>
+              <a:rPr lang="en-US" altLang="ko-KR" dirty="0"/>
+              <a:t>)</a:t>
+            </a:r>
           </a:p>
           <a:p>
             <a:pPr lvl="1"/>
             <a:r>
-              <a:rPr lang="en-US" altLang="ko-KR" dirty="0">
-                <a:latin typeface="맑은 고딕" panose="020B0503020000020004" pitchFamily="50" charset="-127"/>
-                <a:ea typeface="맑은 고딕" panose="020B0503020000020004" pitchFamily="50" charset="-127"/>
-              </a:rPr>
-              <a:t>LDIC : </a:t>
-            </a:r>
-            <a:r>
-              <a:rPr lang="ko-KR" altLang="en-US" dirty="0">
-                <a:latin typeface="맑은 고딕" panose="020B0503020000020004" pitchFamily="50" charset="-127"/>
-                <a:ea typeface="맑은 고딕" panose="020B0503020000020004" pitchFamily="50" charset="-127"/>
-              </a:rPr>
-              <a:t>트랜잭션 직렬성을 위해 하지 말아야 할 조건</a:t>
-            </a:r>
-            <a:endParaRPr lang="en-US" altLang="ko-KR" dirty="0">
-              <a:latin typeface="맑은 고딕" panose="020B0503020000020004" pitchFamily="50" charset="-127"/>
-              <a:ea typeface="맑은 고딕" panose="020B0503020000020004" pitchFamily="50" charset="-127"/>
-            </a:endParaRPr>
+              <a:rPr lang="ko-KR" altLang="en-US" dirty="0"/>
+              <a:t>공통기능의 생성</a:t>
+            </a:r>
+            <a:r>
+              <a:rPr lang="en-US" altLang="ko-KR" dirty="0"/>
+              <a:t>, </a:t>
+            </a:r>
+            <a:r>
+              <a:rPr lang="ko-KR" altLang="en-US" dirty="0"/>
+              <a:t>사용</a:t>
+            </a:r>
+            <a:r>
+              <a:rPr lang="en-US" altLang="ko-KR" dirty="0"/>
+              <a:t>, </a:t>
+            </a:r>
+            <a:r>
+              <a:rPr lang="ko-KR" altLang="en-US" dirty="0"/>
+              <a:t>마무리</a:t>
+            </a:r>
+            <a:endParaRPr lang="en-US" altLang="ko-KR" dirty="0"/>
           </a:p>
           <a:p>
             <a:pPr lvl="1"/>
             <a:r>
+              <a:rPr lang="en-US" altLang="ko-KR" dirty="0" err="1"/>
+              <a:t>MasterController.execute</a:t>
+            </a:r>
+            <a:r>
               <a:rPr lang="en-US" altLang="ko-KR" dirty="0"/>
-              <a:t>MVCC</a:t>
-            </a:r>
-            <a:r>
-              <a:rPr lang="ko-KR" altLang="en-US" dirty="0"/>
-              <a:t> </a:t>
-            </a:r>
-            <a:r>
-              <a:rPr lang="en-US" altLang="ko-KR" dirty="0"/>
-              <a:t>:</a:t>
-            </a:r>
-            <a:r>
-              <a:rPr lang="ko-KR" altLang="en-US" dirty="0"/>
-              <a:t> 로그선행기록</a:t>
-            </a:r>
-            <a:r>
-              <a:rPr lang="en-US" altLang="ko-KR" dirty="0"/>
-              <a:t>(WAL), </a:t>
-            </a:r>
-            <a:r>
-              <a:rPr lang="ko-KR" altLang="en-US" dirty="0"/>
-              <a:t>조회성능향상</a:t>
-            </a:r>
-            <a:endParaRPr lang="ko-KR" altLang="en-US" dirty="0">
-              <a:latin typeface="맑은 고딕" panose="020B0503020000020004" pitchFamily="50" charset="-127"/>
-              <a:ea typeface="맑은 고딕" panose="020B0503020000020004" pitchFamily="50" charset="-127"/>
-            </a:endParaRPr>
+              <a:t>("emp00110")</a:t>
+            </a:r>
+          </a:p>
+          <a:p>
+            <a:pPr lvl="1"/>
+            <a:endParaRPr lang="ko-KR" altLang="en-US" dirty="0"/>
           </a:p>
         </p:txBody>
       </p:sp>
+      <p:pic>
+        <p:nvPicPr>
+          <p:cNvPr id="5" name="그림 4">
+            <a:extLst>
+              <a:ext uri="{FF2B5EF4-FFF2-40B4-BE49-F238E27FC236}">
+                <a16:creationId xmlns:a16="http://schemas.microsoft.com/office/drawing/2014/main" id="{0449B9D6-A3A4-4D29-AC7C-937B8AD98376}"/>
+              </a:ext>
+            </a:extLst>
+          </p:cNvPr>
+          <p:cNvPicPr>
+            <a:picLocks noChangeAspect="1"/>
+          </p:cNvPicPr>
+          <p:nvPr/>
+        </p:nvPicPr>
+        <p:blipFill>
+          <a:blip r:embed="rId2"/>
+          <a:stretch>
+            <a:fillRect/>
+          </a:stretch>
+        </p:blipFill>
+        <p:spPr>
+          <a:xfrm>
+            <a:off x="6432263" y="2371541"/>
+            <a:ext cx="4651332" cy="1604740"/>
+          </a:xfrm>
+          <a:prstGeom prst="rect">
+            <a:avLst/>
+          </a:prstGeom>
+        </p:spPr>
+      </p:pic>
     </p:spTree>
     <p:extLst>
       <p:ext uri="{BB962C8B-B14F-4D97-AF65-F5344CB8AC3E}">
-        <p14:creationId xmlns:p14="http://schemas.microsoft.com/office/powerpoint/2010/main" val="3984617762"/>
+        <p14:creationId xmlns:p14="http://schemas.microsoft.com/office/powerpoint/2010/main" val="3645251603"/>
       </p:ext>
     </p:extLst>
   </p:cSld>
@@ -19856,7 +17496,13 @@
       </p:grpSpPr>
       <p:sp>
         <p:nvSpPr>
-          <p:cNvPr id="2" name="제목 1"/>
+          <p:cNvPr id="2" name="제목 1">
+            <a:extLst>
+              <a:ext uri="{FF2B5EF4-FFF2-40B4-BE49-F238E27FC236}">
+                <a16:creationId xmlns:a16="http://schemas.microsoft.com/office/drawing/2014/main" id="{BA5D0597-4C5A-4BCD-822E-643F66B48745}"/>
+              </a:ext>
+            </a:extLst>
+          </p:cNvPr>
           <p:cNvSpPr>
             <a:spLocks noGrp="1"/>
           </p:cNvSpPr>
@@ -19866,34 +17512,35 @@
         </p:nvSpPr>
         <p:spPr/>
         <p:txBody>
-          <a:bodyPr rtlCol="0"/>
+          <a:bodyPr>
+            <a:normAutofit/>
+          </a:bodyPr>
           <a:lstStyle/>
           <a:p>
-            <a:pPr rtl="0"/>
             <a:r>
               <a:rPr lang="ko-KR" altLang="en-US" dirty="0"/>
-              <a:t>일관성과 무결성을 위해 </a:t>
-            </a:r>
-            <a:r>
-              <a:rPr lang="en-US" altLang="ko-KR" dirty="0">
-                <a:latin typeface="맑은 고딕" panose="020B0503020000020004" pitchFamily="50" charset="-127"/>
-                <a:ea typeface="맑은 고딕" panose="020B0503020000020004" pitchFamily="50" charset="-127"/>
-              </a:rPr>
-              <a:t>DBMS </a:t>
-            </a:r>
-            <a:r>
-              <a:rPr lang="ko-KR" altLang="en-US" dirty="0">
-                <a:latin typeface="맑은 고딕" panose="020B0503020000020004" pitchFamily="50" charset="-127"/>
-                <a:ea typeface="맑은 고딕" panose="020B0503020000020004" pitchFamily="50" charset="-127"/>
-              </a:rPr>
-              <a:t>가 제공하는 기능</a:t>
+              <a:t>의존성 주입</a:t>
+            </a:r>
+            <a:r>
+              <a:rPr lang="en-US" altLang="ko-KR" dirty="0"/>
+              <a:t>, </a:t>
+            </a:r>
+            <a:r>
+              <a:rPr lang="ko-KR" altLang="en-US" dirty="0"/>
+              <a:t>역전 제어</a:t>
             </a:r>
           </a:p>
         </p:txBody>
       </p:sp>
       <p:sp>
         <p:nvSpPr>
-          <p:cNvPr id="3" name="내용 개체 틀 2"/>
+          <p:cNvPr id="3" name="내용 개체 틀 2">
+            <a:extLst>
+              <a:ext uri="{FF2B5EF4-FFF2-40B4-BE49-F238E27FC236}">
+                <a16:creationId xmlns:a16="http://schemas.microsoft.com/office/drawing/2014/main" id="{0C9231FF-28EB-4164-A188-3E920050747B}"/>
+              </a:ext>
+            </a:extLst>
+          </p:cNvPr>
           <p:cNvSpPr>
             <a:spLocks noGrp="1"/>
           </p:cNvSpPr>
@@ -19903,272 +17550,191 @@
         </p:nvSpPr>
         <p:spPr/>
         <p:txBody>
-          <a:bodyPr rtlCol="0">
+          <a:bodyPr>
             <a:normAutofit/>
           </a:bodyPr>
           <a:lstStyle/>
           <a:p>
-            <a:pPr rtl="0"/>
             <a:r>
               <a:rPr lang="en-US" altLang="ko-KR" dirty="0"/>
-              <a:t>SQL</a:t>
+              <a:t>A</a:t>
+            </a:r>
+            <a:r>
+              <a:rPr lang="ko-KR" altLang="en-US" dirty="0"/>
+              <a:t>가 </a:t>
+            </a:r>
+            <a:r>
+              <a:rPr lang="en-US" altLang="ko-KR" dirty="0"/>
+              <a:t>B</a:t>
+            </a:r>
+            <a:r>
+              <a:rPr lang="ko-KR" altLang="en-US" dirty="0"/>
+              <a:t>를 제어한다</a:t>
+            </a:r>
+            <a:r>
+              <a:rPr lang="en-US" altLang="ko-KR" dirty="0"/>
+              <a:t>.</a:t>
             </a:r>
           </a:p>
           <a:p>
             <a:pPr lvl="1"/>
             <a:r>
+              <a:rPr lang="en-US" altLang="ko-KR" dirty="0"/>
+              <a:t>B </a:t>
+            </a:r>
+            <a:r>
+              <a:rPr lang="ko-KR" altLang="en-US" dirty="0"/>
+              <a:t>를 생성하고 </a:t>
+            </a:r>
+            <a:r>
               <a:rPr lang="en-US" altLang="ko-KR" dirty="0">
-                <a:latin typeface="맑은 고딕" panose="020B0503020000020004" pitchFamily="50" charset="-127"/>
-                <a:ea typeface="맑은 고딕" panose="020B0503020000020004" pitchFamily="50" charset="-127"/>
+                <a:solidFill>
+                  <a:srgbClr val="FF0000"/>
+                </a:solidFill>
               </a:rPr>
-              <a:t>DML : C / R / U / D</a:t>
+              <a:t>(</a:t>
+            </a:r>
+            <a:r>
+              <a:rPr lang="ko-KR" altLang="en-US" dirty="0">
+                <a:solidFill>
+                  <a:srgbClr val="FF0000"/>
+                </a:solidFill>
+              </a:rPr>
+              <a:t>주입</a:t>
+            </a:r>
+            <a:r>
+              <a:rPr lang="en-US" altLang="ko-KR" dirty="0">
+                <a:solidFill>
+                  <a:srgbClr val="FF0000"/>
+                </a:solidFill>
+              </a:rPr>
+              <a:t>)</a:t>
             </a:r>
           </a:p>
           <a:p>
             <a:pPr lvl="1"/>
             <a:r>
+              <a:rPr lang="en-US" altLang="ko-KR" dirty="0"/>
+              <a:t>B </a:t>
+            </a:r>
+            <a:r>
+              <a:rPr lang="ko-KR" altLang="en-US" dirty="0"/>
+              <a:t>의 기능을 이용할 수 있도록 준비하고 </a:t>
+            </a:r>
+            <a:r>
               <a:rPr lang="en-US" altLang="ko-KR" dirty="0">
-                <a:latin typeface="맑은 고딕" panose="020B0503020000020004" pitchFamily="50" charset="-127"/>
-                <a:ea typeface="맑은 고딕" panose="020B0503020000020004" pitchFamily="50" charset="-127"/>
+                <a:solidFill>
+                  <a:srgbClr val="FF0000"/>
+                </a:solidFill>
               </a:rPr>
-              <a:t>DCL : commit, rollback, revoke </a:t>
-            </a:r>
-            <a:r>
-              <a:rPr lang="ko-KR" altLang="en-US" dirty="0"/>
-              <a:t>등</a:t>
-            </a:r>
-            <a:endParaRPr lang="en-US" altLang="ko-KR" dirty="0">
-              <a:latin typeface="맑은 고딕" panose="020B0503020000020004" pitchFamily="50" charset="-127"/>
-              <a:ea typeface="맑은 고딕" panose="020B0503020000020004" pitchFamily="50" charset="-127"/>
-            </a:endParaRPr>
+              <a:t>(</a:t>
+            </a:r>
+            <a:r>
+              <a:rPr lang="ko-KR" altLang="en-US" dirty="0">
+                <a:solidFill>
+                  <a:srgbClr val="FF0000"/>
+                </a:solidFill>
+              </a:rPr>
+              <a:t>의존</a:t>
+            </a:r>
+            <a:r>
+              <a:rPr lang="en-US" altLang="ko-KR" dirty="0">
+                <a:solidFill>
+                  <a:srgbClr val="FF0000"/>
+                </a:solidFill>
+              </a:rPr>
+              <a:t>)</a:t>
+            </a:r>
           </a:p>
           <a:p>
             <a:pPr lvl="1"/>
             <a:r>
+              <a:rPr lang="ko-KR" altLang="en-US" dirty="0"/>
+              <a:t>실행 결과를 마무리한다</a:t>
+            </a:r>
+            <a:r>
               <a:rPr lang="en-US" altLang="ko-KR" dirty="0"/>
-              <a:t>DDL : create table, create datafile </a:t>
-            </a:r>
+              <a:t>. </a:t>
+            </a:r>
+            <a:r>
+              <a:rPr lang="en-US" altLang="ko-KR" dirty="0">
+                <a:solidFill>
+                  <a:srgbClr val="FF0000"/>
+                </a:solidFill>
+              </a:rPr>
+              <a:t>(</a:t>
+            </a:r>
+            <a:r>
+              <a:rPr lang="ko-KR" altLang="en-US" dirty="0">
+                <a:solidFill>
+                  <a:srgbClr val="FF0000"/>
+                </a:solidFill>
+              </a:rPr>
+              <a:t>의존</a:t>
+            </a:r>
+            <a:r>
+              <a:rPr lang="en-US" altLang="ko-KR" dirty="0">
+                <a:solidFill>
+                  <a:srgbClr val="FF0000"/>
+                </a:solidFill>
+              </a:rPr>
+              <a:t>+close)</a:t>
+            </a:r>
+          </a:p>
+          <a:p>
             <a:r>
               <a:rPr lang="ko-KR" altLang="en-US" dirty="0"/>
-              <a:t>등</a:t>
-            </a:r>
-            <a:endParaRPr lang="ko-KR" altLang="en-US" dirty="0">
-              <a:latin typeface="맑은 고딕" panose="020B0503020000020004" pitchFamily="50" charset="-127"/>
-              <a:ea typeface="맑은 고딕" panose="020B0503020000020004" pitchFamily="50" charset="-127"/>
-            </a:endParaRPr>
+              <a:t>역전제어 </a:t>
+            </a:r>
+            <a:r>
+              <a:rPr lang="en-US" altLang="ko-KR" dirty="0"/>
+              <a:t>(IoC, Inversion of Control)</a:t>
+            </a:r>
+          </a:p>
+          <a:p>
+            <a:pPr lvl="1"/>
+            <a:r>
+              <a:rPr lang="ko-KR" altLang="en-US" dirty="0"/>
+              <a:t>제어를 코드</a:t>
+            </a:r>
+            <a:r>
+              <a:rPr lang="en-US" altLang="ko-KR" dirty="0"/>
+              <a:t>(</a:t>
+            </a:r>
+            <a:r>
+              <a:rPr lang="ko-KR" altLang="en-US" dirty="0"/>
+              <a:t>개발자</a:t>
+            </a:r>
+            <a:r>
+              <a:rPr lang="en-US" altLang="ko-KR" dirty="0"/>
+              <a:t>)</a:t>
+            </a:r>
+            <a:r>
+              <a:rPr lang="ko-KR" altLang="en-US" dirty="0"/>
+              <a:t>가 하지 않는다</a:t>
+            </a:r>
+            <a:r>
+              <a:rPr lang="en-US" altLang="ko-KR" dirty="0"/>
+              <a:t>.</a:t>
+            </a:r>
+          </a:p>
+          <a:p>
+            <a:pPr lvl="1"/>
+            <a:r>
+              <a:rPr lang="en-US" altLang="ko-KR" dirty="0" err="1"/>
+              <a:t>MasterController.execute</a:t>
+            </a:r>
+            <a:r>
+              <a:rPr lang="en-US" altLang="ko-KR" dirty="0"/>
+              <a:t>("emp00110")</a:t>
+            </a:r>
           </a:p>
         </p:txBody>
       </p:sp>
     </p:spTree>
     <p:extLst>
       <p:ext uri="{BB962C8B-B14F-4D97-AF65-F5344CB8AC3E}">
-        <p14:creationId xmlns:p14="http://schemas.microsoft.com/office/powerpoint/2010/main" val="1853879232"/>
-      </p:ext>
-    </p:extLst>
-  </p:cSld>
-  <p:clrMapOvr>
-    <a:masterClrMapping/>
-  </p:clrMapOvr>
-  <mc:AlternateContent xmlns:mc="http://schemas.openxmlformats.org/markup-compatibility/2006" xmlns:p14="http://schemas.microsoft.com/office/powerpoint/2010/main">
-    <mc:Choice Requires="p14">
-      <p:transition spd="med" p14:dur="700">
-        <p:fade/>
-      </p:transition>
-    </mc:Choice>
-    <mc:Fallback xmlns="">
-      <p:transition spd="med">
-        <p:fade/>
-      </p:transition>
-    </mc:Fallback>
-  </mc:AlternateContent>
-</p:sld>
-</file>
-
-<file path=ppt/slides/slide9.xml><?xml version="1.0" encoding="utf-8"?>
-<p:sld xmlns:a="http://schemas.openxmlformats.org/drawingml/2006/main" xmlns:r="http://schemas.openxmlformats.org/officeDocument/2006/relationships" xmlns:p="http://schemas.openxmlformats.org/presentationml/2006/main">
-  <p:cSld>
-    <p:spTree>
-      <p:nvGrpSpPr>
-        <p:cNvPr id="1" name=""/>
-        <p:cNvGrpSpPr/>
-        <p:nvPr/>
-      </p:nvGrpSpPr>
-      <p:grpSpPr>
-        <a:xfrm>
-          <a:off x="0" y="0"/>
-          <a:ext cx="0" cy="0"/>
-          <a:chOff x="0" y="0"/>
-          <a:chExt cx="0" cy="0"/>
-        </a:xfrm>
-      </p:grpSpPr>
-      <p:sp>
-        <p:nvSpPr>
-          <p:cNvPr id="2" name="제목 1"/>
-          <p:cNvSpPr>
-            <a:spLocks noGrp="1"/>
-          </p:cNvSpPr>
-          <p:nvPr>
-            <p:ph type="title"/>
-          </p:nvPr>
-        </p:nvSpPr>
-        <p:spPr/>
-        <p:txBody>
-          <a:bodyPr rtlCol="0"/>
-          <a:lstStyle/>
-          <a:p>
-            <a:pPr rtl="0"/>
-            <a:r>
-              <a:rPr lang="ko-KR" altLang="en-US" dirty="0" err="1"/>
-              <a:t>비즈니스로직에</a:t>
-            </a:r>
-            <a:r>
-              <a:rPr lang="ko-KR" altLang="en-US"/>
-              <a:t> 필요한 </a:t>
-            </a:r>
-            <a:r>
-              <a:rPr lang="en-US" altLang="ko-KR"/>
-              <a:t>DBMS </a:t>
-            </a:r>
-            <a:r>
-              <a:rPr lang="ko-KR" altLang="en-US" dirty="0"/>
-              <a:t>기능</a:t>
-            </a:r>
-            <a:endParaRPr lang="ko-KR" altLang="en-US" dirty="0">
-              <a:latin typeface="맑은 고딕" panose="020B0503020000020004" pitchFamily="50" charset="-127"/>
-              <a:ea typeface="맑은 고딕" panose="020B0503020000020004" pitchFamily="50" charset="-127"/>
-            </a:endParaRPr>
-          </a:p>
-        </p:txBody>
-      </p:sp>
-      <p:sp>
-        <p:nvSpPr>
-          <p:cNvPr id="3" name="내용 개체 틀 2"/>
-          <p:cNvSpPr>
-            <a:spLocks noGrp="1"/>
-          </p:cNvSpPr>
-          <p:nvPr>
-            <p:ph idx="1"/>
-          </p:nvPr>
-        </p:nvSpPr>
-        <p:spPr/>
-        <p:txBody>
-          <a:bodyPr rtlCol="0">
-            <a:normAutofit/>
-          </a:bodyPr>
-          <a:lstStyle/>
-          <a:p>
-            <a:r>
-              <a:rPr lang="ko-KR" altLang="en-US" dirty="0">
-                <a:latin typeface="맑은 고딕" panose="020B0503020000020004" pitchFamily="50" charset="-127"/>
-                <a:ea typeface="맑은 고딕" panose="020B0503020000020004" pitchFamily="50" charset="-127"/>
-              </a:rPr>
-              <a:t>트랜잭션</a:t>
-            </a:r>
-            <a:endParaRPr lang="en-US" altLang="ko-KR" dirty="0">
-              <a:latin typeface="맑은 고딕" panose="020B0503020000020004" pitchFamily="50" charset="-127"/>
-              <a:ea typeface="맑은 고딕" panose="020B0503020000020004" pitchFamily="50" charset="-127"/>
-            </a:endParaRPr>
-          </a:p>
-          <a:p>
-            <a:pPr lvl="1"/>
-            <a:r>
-              <a:rPr lang="ko-KR" altLang="en-US" dirty="0"/>
-              <a:t>트랜잭션 자원 관리 </a:t>
-            </a:r>
-            <a:r>
-              <a:rPr lang="en-US" altLang="ko-KR" dirty="0"/>
-              <a:t>: Connection </a:t>
-            </a:r>
-            <a:r>
-              <a:rPr lang="ko-KR" altLang="en-US" dirty="0"/>
-              <a:t>객체</a:t>
-            </a:r>
-            <a:endParaRPr lang="en-US" altLang="ko-KR" dirty="0"/>
-          </a:p>
-          <a:p>
-            <a:pPr lvl="1"/>
-            <a:r>
-              <a:rPr lang="en-US" altLang="ko-KR" dirty="0"/>
-              <a:t>ALL or NOTHING</a:t>
-            </a:r>
-            <a:r>
-              <a:rPr lang="ko-KR" altLang="en-US" dirty="0"/>
-              <a:t> 기준 정의 </a:t>
-            </a:r>
-            <a:r>
-              <a:rPr lang="en-US" altLang="ko-KR" dirty="0"/>
-              <a:t>: </a:t>
-            </a:r>
-            <a:r>
-              <a:rPr lang="en-US" altLang="ko-KR" dirty="0">
-                <a:latin typeface="맑은 고딕" panose="020B0503020000020004" pitchFamily="50" charset="-127"/>
-                <a:ea typeface="맑은 고딕" panose="020B0503020000020004" pitchFamily="50" charset="-127"/>
-              </a:rPr>
-              <a:t>commit, rollback</a:t>
-            </a:r>
-            <a:endParaRPr lang="en-US" altLang="ko-KR" dirty="0"/>
-          </a:p>
-          <a:p>
-            <a:pPr rtl="0"/>
-            <a:r>
-              <a:rPr lang="en-US" altLang="ko-KR" dirty="0"/>
-              <a:t>SQL</a:t>
-            </a:r>
-          </a:p>
-          <a:p>
-            <a:pPr lvl="1"/>
-            <a:r>
-              <a:rPr lang="en-US" altLang="ko-KR" dirty="0">
-                <a:latin typeface="맑은 고딕" panose="020B0503020000020004" pitchFamily="50" charset="-127"/>
-                <a:ea typeface="맑은 고딕" panose="020B0503020000020004" pitchFamily="50" charset="-127"/>
-              </a:rPr>
-              <a:t>SQL </a:t>
-            </a:r>
-            <a:r>
-              <a:rPr lang="ko-KR" altLang="en-US" dirty="0"/>
-              <a:t>실행</a:t>
-            </a:r>
-            <a:r>
-              <a:rPr lang="en-US" altLang="ko-KR" dirty="0">
-                <a:latin typeface="맑은 고딕" panose="020B0503020000020004" pitchFamily="50" charset="-127"/>
-                <a:ea typeface="맑은 고딕" panose="020B0503020000020004" pitchFamily="50" charset="-127"/>
-              </a:rPr>
-              <a:t> : C / R / U / D</a:t>
-            </a:r>
-          </a:p>
-          <a:p>
-            <a:pPr lvl="1"/>
-            <a:r>
-              <a:rPr lang="en-US" altLang="ko-KR" dirty="0"/>
-              <a:t>SQL </a:t>
-            </a:r>
-            <a:r>
-              <a:rPr lang="ko-KR" altLang="en-US" dirty="0"/>
-              <a:t>결과 </a:t>
-            </a:r>
-            <a:r>
-              <a:rPr lang="en-US" altLang="ko-KR" dirty="0"/>
-              <a:t>: TABLE </a:t>
-            </a:r>
-            <a:r>
-              <a:rPr lang="ko-KR" altLang="en-US" dirty="0"/>
-              <a:t>또는 </a:t>
-            </a:r>
-            <a:r>
-              <a:rPr lang="en-US" altLang="ko-KR" dirty="0"/>
-              <a:t>int</a:t>
-            </a:r>
-            <a:endParaRPr lang="ko-KR" altLang="en-US" dirty="0">
-              <a:latin typeface="맑은 고딕" panose="020B0503020000020004" pitchFamily="50" charset="-127"/>
-              <a:ea typeface="맑은 고딕" panose="020B0503020000020004" pitchFamily="50" charset="-127"/>
-            </a:endParaRPr>
-          </a:p>
-        </p:txBody>
-      </p:sp>
-    </p:spTree>
-    <p:extLst>
-      <p:ext uri="{BB962C8B-B14F-4D97-AF65-F5344CB8AC3E}">
-        <p14:creationId xmlns:p14="http://schemas.microsoft.com/office/powerpoint/2010/main" val="2631054826"/>
+        <p14:creationId xmlns:p14="http://schemas.microsoft.com/office/powerpoint/2010/main" val="2693426126"/>
       </p:ext>
     </p:extLst>
   </p:cSld>

--- a/inflearn04/doc/교재.pptx
+++ b/inflearn04/doc/교재.pptx
@@ -644,7 +644,7 @@
                 <a:latin typeface="맑은 고딕" panose="020B0503020000020004" pitchFamily="50" charset="-127"/>
                 <a:ea typeface="맑은 고딕" panose="020B0503020000020004" pitchFamily="50" charset="-127"/>
               </a:rPr>
-              <a:t>2021년 3월 13일</a:t>
+              <a:t>2021년 7월 6일</a:t>
             </a:fld>
             <a:endParaRPr lang="ko-KR" altLang="en-US">
               <a:latin typeface="맑은 고딕" panose="020B0503020000020004" pitchFamily="50" charset="-127"/>
@@ -830,7 +830,7 @@
             <a:fld id="{BE16EC8A-0758-4FA9-BF4D-3119057076D1}" type="datetime4">
               <a:rPr lang="ko-KR" altLang="en-US" smtClean="0"/>
               <a:pPr/>
-              <a:t>2021년 3월 13일</a:t>
+              <a:t>2021년 7월 6일</a:t>
             </a:fld>
             <a:endParaRPr lang="ko-KR" altLang="en-US"/>
           </a:p>
@@ -3406,7 +3406,7 @@
           <a:p>
             <a:fld id="{2A5B65E4-62A8-4988-B07B-5D6D443B14ED}" type="datetime4">
               <a:rPr lang="ko-KR" altLang="en-US" smtClean="0"/>
-              <a:t>2021년 3월 13일</a:t>
+              <a:t>2021년 7월 6일</a:t>
             </a:fld>
             <a:endParaRPr lang="ko-KR" altLang="en-US"/>
           </a:p>
@@ -3662,7 +3662,7 @@
           <a:p>
             <a:fld id="{58EB6286-0DE7-4336-9826-977AD102FCF2}" type="datetime4">
               <a:rPr lang="ko-KR" altLang="en-US" noProof="0" smtClean="0"/>
-              <a:t>2021년 3월 13일</a:t>
+              <a:t>2021년 7월 6일</a:t>
             </a:fld>
             <a:endParaRPr lang="ko-KR" altLang="en-US" noProof="0"/>
           </a:p>
@@ -3858,7 +3858,7 @@
             <a:pPr rtl="0"/>
             <a:fld id="{6A5419DA-7218-42E5-A443-F000500111E1}" type="datetime4">
               <a:rPr lang="ko-KR" altLang="en-US" noProof="0" smtClean="0"/>
-              <a:t>2021년 3월 13일</a:t>
+              <a:t>2021년 7월 6일</a:t>
             </a:fld>
             <a:endParaRPr lang="ko-KR" altLang="en-US" noProof="0"/>
           </a:p>
@@ -6259,7 +6259,7 @@
           <a:p>
             <a:fld id="{E498C52F-1DF1-4226-BAB6-C1E2EE4C9D62}" type="datetime4">
               <a:rPr lang="ko-KR" altLang="en-US" noProof="0" smtClean="0"/>
-              <a:t>2021년 3월 13일</a:t>
+              <a:t>2021년 7월 6일</a:t>
             </a:fld>
             <a:endParaRPr lang="ko-KR" altLang="en-US" noProof="0"/>
           </a:p>
@@ -6778,7 +6778,7 @@
           <a:p>
             <a:fld id="{7B1E1FFC-F755-4558-8D3C-A157D1A01A8A}" type="datetime4">
               <a:rPr lang="ko-KR" altLang="en-US" noProof="0" smtClean="0"/>
-              <a:t>2021년 3월 13일</a:t>
+              <a:t>2021년 7월 6일</a:t>
             </a:fld>
             <a:endParaRPr lang="ko-KR" altLang="en-US" noProof="0"/>
           </a:p>
@@ -6922,7 +6922,7 @@
             <a:pPr rtl="0"/>
             <a:fld id="{DA2A33C0-A4A8-4C90-B6DA-35B8CF58C816}" type="datetime4">
               <a:rPr lang="ko-KR" altLang="en-US" noProof="0" smtClean="0"/>
-              <a:t>2021년 3월 13일</a:t>
+              <a:t>2021년 7월 6일</a:t>
             </a:fld>
             <a:endParaRPr lang="ko-KR" altLang="en-US" noProof="0"/>
           </a:p>
@@ -8870,7 +8870,7 @@
           <a:p>
             <a:fld id="{53CB1B8F-A14A-4BE4-A9B9-3B263F04145C}" type="datetime4">
               <a:rPr lang="ko-KR" altLang="en-US" noProof="0" smtClean="0"/>
-              <a:t>2021년 3월 13일</a:t>
+              <a:t>2021년 7월 6일</a:t>
             </a:fld>
             <a:endParaRPr lang="ko-KR" altLang="en-US" noProof="0"/>
           </a:p>
@@ -11167,7 +11167,7 @@
           <a:p>
             <a:fld id="{5B9196A3-957C-4113-A568-B6ED9AEA3D01}" type="datetime4">
               <a:rPr lang="ko-KR" altLang="en-US" noProof="0" smtClean="0"/>
-              <a:t>2021년 3월 13일</a:t>
+              <a:t>2021년 7월 6일</a:t>
             </a:fld>
             <a:endParaRPr lang="ko-KR" altLang="en-US" noProof="0"/>
           </a:p>
@@ -15484,7 +15484,7 @@
           <a:p>
             <a:fld id="{28BEB146-D335-4DA5-9826-58595BCDBE2E}" type="datetime4">
               <a:rPr lang="ko-KR" altLang="en-US" noProof="0" smtClean="0"/>
-              <a:t>2021년 3월 13일</a:t>
+              <a:t>2021년 7월 6일</a:t>
             </a:fld>
             <a:endParaRPr lang="ko-KR" altLang="en-US" noProof="0"/>
           </a:p>
@@ -16993,15 +16993,25 @@
             <a:pPr lvl="2"/>
             <a:r>
               <a:rPr lang="en-US" altLang="ko-KR" dirty="0"/>
-              <a:t>http://localhost:18080/waf/welcome</a:t>
-            </a:r>
+              <a:t>http://localhost:18080/</a:t>
+            </a:r>
+            <a:r>
+              <a:rPr lang="en-US" altLang="ko-KR"/>
+              <a:t>waf/callList</a:t>
+            </a:r>
+            <a:endParaRPr lang="en-US" altLang="ko-KR" dirty="0"/>
           </a:p>
           <a:p>
             <a:pPr lvl="2"/>
             <a:r>
               <a:rPr lang="en-US" altLang="ko-KR" dirty="0"/>
-              <a:t>http://localhost:18080/waf/emp00110</a:t>
-            </a:r>
+              <a:t>http://localhost:18080/</a:t>
+            </a:r>
+            <a:r>
+              <a:rPr lang="en-US" altLang="ko-KR"/>
+              <a:t>waf/exeWrite</a:t>
+            </a:r>
+            <a:endParaRPr lang="en-US" altLang="ko-KR" dirty="0"/>
           </a:p>
           <a:p>
             <a:pPr lvl="2"/>
@@ -17009,7 +17019,17 @@
               <a:rPr lang="en-US" altLang="ko-KR" dirty="0">
                 <a:hlinkClick r:id="rId2"/>
               </a:rPr>
-              <a:t>http://localhost:18080/waf/login</a:t>
+              <a:t>http://localhost:18080/</a:t>
+            </a:r>
+            <a:r>
+              <a:rPr lang="en-US" altLang="ko-KR">
+                <a:hlinkClick r:id="rId2"/>
+              </a:rPr>
+              <a:t>waf/</a:t>
+            </a:r>
+            <a:r>
+              <a:rPr lang="en-US" altLang="ko-KR"/>
+              <a:t>exeLogin</a:t>
             </a:r>
             <a:endParaRPr lang="en-US" altLang="ko-KR" dirty="0"/>
           </a:p>
@@ -17026,9 +17046,10 @@
           <a:p>
             <a:pPr lvl="1"/>
             <a:r>
-              <a:rPr lang="en-US" altLang="ko-KR" dirty="0"/>
-              <a:t>welcome, emp00110, login</a:t>
-            </a:r>
+              <a:rPr lang="en-US" altLang="ko-KR"/>
+              <a:t>callList, exeWrite, exeLogin</a:t>
+            </a:r>
+            <a:endParaRPr lang="en-US" altLang="ko-KR" dirty="0"/>
           </a:p>
           <a:p>
             <a:pPr lvl="1"/>
@@ -17233,12 +17254,17 @@
             <a:pPr lvl="1"/>
             <a:r>
               <a:rPr lang="en-US" altLang="ko-KR" dirty="0" err="1"/>
-              <a:t>MasterController.execute</a:t>
-            </a:r>
-            <a:r>
-              <a:rPr lang="en-US" altLang="ko-KR" dirty="0"/>
-              <a:t>("emp00110")</a:t>
-            </a:r>
+              <a:t>MasterController.</a:t>
+            </a:r>
+            <a:r>
+              <a:rPr lang="en-US" altLang="ko-KR" err="1"/>
+              <a:t>execute</a:t>
+            </a:r>
+            <a:r>
+              <a:rPr lang="en-US" altLang="ko-KR"/>
+              <a:t>("callList")</a:t>
+            </a:r>
+            <a:endParaRPr lang="en-US" altLang="ko-KR" dirty="0"/>
           </a:p>
         </p:txBody>
       </p:sp>
@@ -17409,12 +17435,17 @@
             <a:pPr lvl="1"/>
             <a:r>
               <a:rPr lang="en-US" altLang="ko-KR" dirty="0" err="1"/>
-              <a:t>MasterController.execute</a:t>
-            </a:r>
-            <a:r>
-              <a:rPr lang="en-US" altLang="ko-KR" dirty="0"/>
-              <a:t>("emp00110")</a:t>
-            </a:r>
+              <a:t>MasterController.</a:t>
+            </a:r>
+            <a:r>
+              <a:rPr lang="en-US" altLang="ko-KR" err="1"/>
+              <a:t>execute</a:t>
+            </a:r>
+            <a:r>
+              <a:rPr lang="en-US" altLang="ko-KR"/>
+              <a:t>("callList")</a:t>
+            </a:r>
+            <a:endParaRPr lang="en-US" altLang="ko-KR" dirty="0"/>
           </a:p>
           <a:p>
             <a:pPr lvl="1"/>
